--- a/Session05/Session5_Slides.pptx
+++ b/Session05/Session5_Slides.pptx
@@ -543,6 +543,67 @@
 </p:notesMaster>
 </file>
 
+<file path=ppt/notesSlides/notesSlide1.xml><?xml version="1.0" encoding="utf-8"?>
+<p:notes xmlns:a="http://schemas.openxmlformats.org/drawingml/2006/main" xmlns:r="http://schemas.openxmlformats.org/officeDocument/2006/relationships" xmlns:p="http://schemas.openxmlformats.org/presentationml/2006/main">
+  <p:cSld>
+    <p:spTree>
+      <p:nvGrpSpPr>
+        <p:cNvPr id="1" name=""/>
+        <p:cNvGrpSpPr/>
+        <p:nvPr/>
+      </p:nvGrpSpPr>
+      <p:grpSpPr>
+        <a:xfrm>
+          <a:off x="0" y="0"/>
+          <a:ext cx="0" cy="0"/>
+          <a:chOff x="0" y="0"/>
+          <a:chExt cx="0" cy="0"/>
+        </a:xfrm>
+      </p:grpSpPr>
+      <p:sp>
+        <p:nvSpPr>
+          <p:cNvPr id="2" name="Slide Image Placeholder 1"/>
+          <p:cNvSpPr>
+            <a:spLocks noGrp="1" noRot="1" noChangeAspect="1"/>
+          </p:cNvSpPr>
+          <p:nvPr>
+            <p:ph type="sldImg"/>
+          </p:nvPr>
+        </p:nvSpPr>
+        <p:spPr/>
+      </p:sp>
+      <p:sp>
+        <p:nvSpPr>
+          <p:cNvPr id="3" name="Notes Placeholder 2"/>
+          <p:cNvSpPr>
+            <a:spLocks noGrp="1"/>
+          </p:cNvSpPr>
+          <p:nvPr>
+            <p:ph type="body" idx="1"/>
+          </p:nvPr>
+        </p:nvSpPr>
+        <p:spPr/>
+        <p:txBody>
+          <a:bodyPr/>
+          <a:lstStyle/>
+          <a:p>
+            <a:endParaRPr lang="en-US" dirty="0"/>
+          </a:p>
+        </p:txBody>
+      </p:sp>
+    </p:spTree>
+    <p:extLst>
+      <p:ext uri="{BB962C8B-B14F-4D97-AF65-F5344CB8AC3E}">
+        <p14:creationId xmlns:p14="http://schemas.microsoft.com/office/powerpoint/2010/main" val="104615689"/>
+      </p:ext>
+    </p:extLst>
+  </p:cSld>
+  <p:clrMapOvr>
+    <a:masterClrMapping/>
+  </p:clrMapOvr>
+</p:notes>
+</file>
+
 <file path=ppt/slideLayouts/slideLayout1.xml><?xml version="1.0" encoding="utf-8"?>
 <p:sldLayout xmlns:a="http://schemas.openxmlformats.org/drawingml/2006/main" xmlns:r="http://schemas.openxmlformats.org/officeDocument/2006/relationships" xmlns:p="http://schemas.openxmlformats.org/presentationml/2006/main" type="title" preserve="1">
   <p:cSld name="Title &amp; Subtitle">
@@ -10287,7 +10348,7 @@
           </a:ln>
           <a:extLst>
             <a:ext uri="{C572A759-6A51-4108-AA02-DFA0A04FC94B}">
-              <ma14:wrappingTextBoxFlag xmlns="" xmlns:ma14="http://schemas.microsoft.com/office/mac/drawingml/2011/main" val="1"/>
+              <ma14:wrappingTextBoxFlag xmlns:ma14="http://schemas.microsoft.com/office/mac/drawingml/2011/main" xmlns="" val="1"/>
             </a:ext>
           </a:extLst>
         </p:spPr>
@@ -10327,7 +10388,7 @@
           </a:ln>
           <a:extLst>
             <a:ext uri="{C572A759-6A51-4108-AA02-DFA0A04FC94B}">
-              <ma14:wrappingTextBoxFlag xmlns="" xmlns:ma14="http://schemas.microsoft.com/office/mac/drawingml/2011/main" val="1"/>
+              <ma14:wrappingTextBoxFlag xmlns:ma14="http://schemas.microsoft.com/office/mac/drawingml/2011/main" xmlns="" val="1"/>
             </a:ext>
           </a:extLst>
         </p:spPr>
@@ -11397,7 +11458,7 @@
           </a:ln>
           <a:extLst>
             <a:ext uri="{C572A759-6A51-4108-AA02-DFA0A04FC94B}">
-              <ma14:wrappingTextBoxFlag xmlns="" xmlns:ma14="http://schemas.microsoft.com/office/mac/drawingml/2011/main" val="1"/>
+              <ma14:wrappingTextBoxFlag xmlns:ma14="http://schemas.microsoft.com/office/mac/drawingml/2011/main" xmlns="" val="1"/>
             </a:ext>
           </a:extLst>
         </p:spPr>
@@ -11436,7 +11497,7 @@
           </a:ln>
           <a:extLst>
             <a:ext uri="{C572A759-6A51-4108-AA02-DFA0A04FC94B}">
-              <ma14:wrappingTextBoxFlag xmlns="" xmlns:ma14="http://schemas.microsoft.com/office/mac/drawingml/2011/main" val="1"/>
+              <ma14:wrappingTextBoxFlag xmlns:ma14="http://schemas.microsoft.com/office/mac/drawingml/2011/main" xmlns="" val="1"/>
             </a:ext>
           </a:extLst>
         </p:spPr>
@@ -12527,7 +12588,7 @@
           </a:ln>
           <a:extLst>
             <a:ext uri="{C572A759-6A51-4108-AA02-DFA0A04FC94B}">
-              <ma14:wrappingTextBoxFlag xmlns="" xmlns:ma14="http://schemas.microsoft.com/office/mac/drawingml/2011/main" val="1"/>
+              <ma14:wrappingTextBoxFlag xmlns:ma14="http://schemas.microsoft.com/office/mac/drawingml/2011/main" xmlns="" val="1"/>
             </a:ext>
           </a:extLst>
         </p:spPr>
@@ -12632,7 +12693,7 @@
           </a:ln>
           <a:extLst>
             <a:ext uri="{C572A759-6A51-4108-AA02-DFA0A04FC94B}">
-              <ma14:wrappingTextBoxFlag xmlns="" xmlns:ma14="http://schemas.microsoft.com/office/mac/drawingml/2011/main" val="1"/>
+              <ma14:wrappingTextBoxFlag xmlns:ma14="http://schemas.microsoft.com/office/mac/drawingml/2011/main" xmlns="" val="1"/>
             </a:ext>
           </a:extLst>
         </p:spPr>
@@ -12737,7 +12798,7 @@
           </a:ln>
           <a:extLst>
             <a:ext uri="{C572A759-6A51-4108-AA02-DFA0A04FC94B}">
-              <ma14:wrappingTextBoxFlag xmlns="" xmlns:ma14="http://schemas.microsoft.com/office/mac/drawingml/2011/main" val="1"/>
+              <ma14:wrappingTextBoxFlag xmlns:ma14="http://schemas.microsoft.com/office/mac/drawingml/2011/main" xmlns="" val="1"/>
             </a:ext>
           </a:extLst>
         </p:spPr>
@@ -12842,7 +12903,7 @@
           </a:ln>
           <a:extLst>
             <a:ext uri="{C572A759-6A51-4108-AA02-DFA0A04FC94B}">
-              <ma14:wrappingTextBoxFlag xmlns="" xmlns:ma14="http://schemas.microsoft.com/office/mac/drawingml/2011/main" val="1"/>
+              <ma14:wrappingTextBoxFlag xmlns:ma14="http://schemas.microsoft.com/office/mac/drawingml/2011/main" xmlns="" val="1"/>
             </a:ext>
           </a:extLst>
         </p:spPr>
@@ -13141,7 +13202,7 @@
           </a:ln>
           <a:extLst>
             <a:ext uri="{C572A759-6A51-4108-AA02-DFA0A04FC94B}">
-              <ma14:wrappingTextBoxFlag xmlns="" xmlns:ma14="http://schemas.microsoft.com/office/mac/drawingml/2011/main" val="1"/>
+              <ma14:wrappingTextBoxFlag xmlns:ma14="http://schemas.microsoft.com/office/mac/drawingml/2011/main" xmlns="" val="1"/>
             </a:ext>
           </a:extLst>
         </p:spPr>
@@ -13272,7 +13333,7 @@
           </a:ln>
           <a:extLst>
             <a:ext uri="{C572A759-6A51-4108-AA02-DFA0A04FC94B}">
-              <ma14:wrappingTextBoxFlag xmlns="" xmlns:ma14="http://schemas.microsoft.com/office/mac/drawingml/2011/main" val="1"/>
+              <ma14:wrappingTextBoxFlag xmlns:ma14="http://schemas.microsoft.com/office/mac/drawingml/2011/main" xmlns="" val="1"/>
             </a:ext>
           </a:extLst>
         </p:spPr>
@@ -13394,7 +13455,7 @@
           </a:ln>
           <a:extLst>
             <a:ext uri="{C572A759-6A51-4108-AA02-DFA0A04FC94B}">
-              <ma14:wrappingTextBoxFlag xmlns="" xmlns:ma14="http://schemas.microsoft.com/office/mac/drawingml/2011/main" val="1"/>
+              <ma14:wrappingTextBoxFlag xmlns:ma14="http://schemas.microsoft.com/office/mac/drawingml/2011/main" xmlns="" val="1"/>
             </a:ext>
           </a:extLst>
         </p:spPr>
@@ -13533,7 +13594,7 @@
           </a:ln>
           <a:extLst>
             <a:ext uri="{C572A759-6A51-4108-AA02-DFA0A04FC94B}">
-              <ma14:wrappingTextBoxFlag xmlns="" xmlns:ma14="http://schemas.microsoft.com/office/mac/drawingml/2011/main" val="1"/>
+              <ma14:wrappingTextBoxFlag xmlns:ma14="http://schemas.microsoft.com/office/mac/drawingml/2011/main" xmlns="" val="1"/>
             </a:ext>
           </a:extLst>
         </p:spPr>
@@ -13751,6 +13812,11 @@
             </a:pPr>
             <a:r>
               <a:rPr lang="en-US" dirty="0">
+                <a:solidFill>
+                  <a:schemeClr val="accent4">
+                    <a:lumMod val="75000"/>
+                  </a:schemeClr>
+                </a:solidFill>
                 <a:latin typeface="Courier New" panose="02070309020205020404" pitchFamily="49" charset="0"/>
                 <a:cs typeface="Courier New" panose="02070309020205020404" pitchFamily="49" charset="0"/>
               </a:rPr>
@@ -13773,7 +13839,26 @@
                 <a:latin typeface="Courier New" panose="02070309020205020404" pitchFamily="49" charset="0"/>
                 <a:cs typeface="Courier New" panose="02070309020205020404" pitchFamily="49" charset="0"/>
               </a:rPr>
-              <a:t>[indices]</a:t>
+              <a:t>[</a:t>
+            </a:r>
+            <a:r>
+              <a:rPr lang="en-US" dirty="0">
+                <a:solidFill>
+                  <a:schemeClr val="accent4">
+                    <a:lumMod val="75000"/>
+                  </a:schemeClr>
+                </a:solidFill>
+                <a:latin typeface="Courier New" panose="02070309020205020404" pitchFamily="49" charset="0"/>
+                <a:cs typeface="Courier New" panose="02070309020205020404" pitchFamily="49" charset="0"/>
+              </a:rPr>
+              <a:t>indices</a:t>
+            </a:r>
+            <a:r>
+              <a:rPr lang="en-US" dirty="0">
+                <a:latin typeface="Courier New" panose="02070309020205020404" pitchFamily="49" charset="0"/>
+                <a:cs typeface="Courier New" panose="02070309020205020404" pitchFamily="49" charset="0"/>
+              </a:rPr>
+              <a:t>]</a:t>
             </a:r>
           </a:p>
           <a:p>
@@ -13892,7 +13977,26 @@
                 <a:latin typeface="Courier New" panose="02070309020205020404" pitchFamily="49" charset="0"/>
                 <a:cs typeface="Courier New" panose="02070309020205020404" pitchFamily="49" charset="0"/>
               </a:rPr>
-              <a:t>)[indices]</a:t>
+              <a:t>)[</a:t>
+            </a:r>
+            <a:r>
+              <a:rPr lang="en-US" dirty="0">
+                <a:solidFill>
+                  <a:schemeClr val="accent4">
+                    <a:lumMod val="75000"/>
+                  </a:schemeClr>
+                </a:solidFill>
+                <a:latin typeface="Courier New" panose="02070309020205020404" pitchFamily="49" charset="0"/>
+                <a:cs typeface="Courier New" panose="02070309020205020404" pitchFamily="49" charset="0"/>
+              </a:rPr>
+              <a:t>indices</a:t>
+            </a:r>
+            <a:r>
+              <a:rPr lang="en-US" dirty="0">
+                <a:latin typeface="Courier New" panose="02070309020205020404" pitchFamily="49" charset="0"/>
+                <a:cs typeface="Courier New" panose="02070309020205020404" pitchFamily="49" charset="0"/>
+              </a:rPr>
+              <a:t>]</a:t>
             </a:r>
           </a:p>
           <a:p>
@@ -14022,7 +14126,7 @@
             <a:pPr lvl="1"/>
             <a:r>
               <a:rPr lang="en-US" dirty="0"/>
-              <a:t>A list</a:t>
+              <a:t>Must be a list</a:t>
             </a:r>
           </a:p>
           <a:p>
@@ -14287,7 +14391,7 @@
             <a:pPr lvl="1"/>
             <a:r>
               <a:rPr lang="en-US" dirty="0"/>
-              <a:t>A list</a:t>
+              <a:t>Must be a list</a:t>
             </a:r>
           </a:p>
           <a:p>
@@ -14728,7 +14832,7 @@
             <a:pPr lvl="1"/>
             <a:r>
               <a:rPr lang="en-US" dirty="0"/>
-              <a:t>A list</a:t>
+              <a:t>Must be a list</a:t>
             </a:r>
           </a:p>
           <a:p>
@@ -15017,7 +15121,7 @@
             <a:pPr lvl="1"/>
             <a:r>
               <a:rPr lang="en-US" dirty="0"/>
-              <a:t>A list</a:t>
+              <a:t>Must be a list</a:t>
             </a:r>
           </a:p>
           <a:p>
@@ -16217,7 +16321,7 @@
           </a:ln>
           <a:extLst>
             <a:ext uri="{C572A759-6A51-4108-AA02-DFA0A04FC94B}">
-              <ma14:wrappingTextBoxFlag xmlns="" xmlns:ma14="http://schemas.microsoft.com/office/mac/drawingml/2011/main" val="1"/>
+              <ma14:wrappingTextBoxFlag xmlns:ma14="http://schemas.microsoft.com/office/mac/drawingml/2011/main" xmlns="" val="1"/>
             </a:ext>
           </a:extLst>
         </p:spPr>
@@ -16340,7 +16444,7 @@
           </a:ln>
           <a:extLst>
             <a:ext uri="{C572A759-6A51-4108-AA02-DFA0A04FC94B}">
-              <ma14:wrappingTextBoxFlag xmlns="" xmlns:ma14="http://schemas.microsoft.com/office/mac/drawingml/2011/main" val="1"/>
+              <ma14:wrappingTextBoxFlag xmlns:ma14="http://schemas.microsoft.com/office/mac/drawingml/2011/main" xmlns="" val="1"/>
             </a:ext>
           </a:extLst>
         </p:spPr>
@@ -16445,7 +16549,7 @@
           </a:ln>
           <a:extLst>
             <a:ext uri="{C572A759-6A51-4108-AA02-DFA0A04FC94B}">
-              <ma14:wrappingTextBoxFlag xmlns="" xmlns:ma14="http://schemas.microsoft.com/office/mac/drawingml/2011/main" val="1"/>
+              <ma14:wrappingTextBoxFlag xmlns:ma14="http://schemas.microsoft.com/office/mac/drawingml/2011/main" xmlns="" val="1"/>
             </a:ext>
           </a:extLst>
         </p:spPr>
@@ -16550,7 +16654,7 @@
           </a:ln>
           <a:extLst>
             <a:ext uri="{C572A759-6A51-4108-AA02-DFA0A04FC94B}">
-              <ma14:wrappingTextBoxFlag xmlns="" xmlns:ma14="http://schemas.microsoft.com/office/mac/drawingml/2011/main" val="1"/>
+              <ma14:wrappingTextBoxFlag xmlns:ma14="http://schemas.microsoft.com/office/mac/drawingml/2011/main" xmlns="" val="1"/>
             </a:ext>
           </a:extLst>
         </p:spPr>
@@ -16716,7 +16820,7 @@
           </a:ln>
           <a:extLst>
             <a:ext uri="{C572A759-6A51-4108-AA02-DFA0A04FC94B}">
-              <ma14:wrappingTextBoxFlag xmlns="" xmlns:ma14="http://schemas.microsoft.com/office/mac/drawingml/2011/main" val="1"/>
+              <ma14:wrappingTextBoxFlag xmlns:ma14="http://schemas.microsoft.com/office/mac/drawingml/2011/main" xmlns="" val="1"/>
             </a:ext>
           </a:extLst>
         </p:spPr>
@@ -16821,7 +16925,7 @@
           </a:ln>
           <a:extLst>
             <a:ext uri="{C572A759-6A51-4108-AA02-DFA0A04FC94B}">
-              <ma14:wrappingTextBoxFlag xmlns="" xmlns:ma14="http://schemas.microsoft.com/office/mac/drawingml/2011/main" val="1"/>
+              <ma14:wrappingTextBoxFlag xmlns:ma14="http://schemas.microsoft.com/office/mac/drawingml/2011/main" xmlns="" val="1"/>
             </a:ext>
           </a:extLst>
         </p:spPr>
@@ -16926,7 +17030,7 @@
           </a:ln>
           <a:extLst>
             <a:ext uri="{C572A759-6A51-4108-AA02-DFA0A04FC94B}">
-              <ma14:wrappingTextBoxFlag xmlns="" xmlns:ma14="http://schemas.microsoft.com/office/mac/drawingml/2011/main" val="1"/>
+              <ma14:wrappingTextBoxFlag xmlns:ma14="http://schemas.microsoft.com/office/mac/drawingml/2011/main" xmlns="" val="1"/>
             </a:ext>
           </a:extLst>
         </p:spPr>
@@ -17060,7 +17164,7 @@
           </a:ln>
           <a:extLst>
             <a:ext uri="{C572A759-6A51-4108-AA02-DFA0A04FC94B}">
-              <ma14:wrappingTextBoxFlag xmlns="" xmlns:ma14="http://schemas.microsoft.com/office/mac/drawingml/2011/main" val="1"/>
+              <ma14:wrappingTextBoxFlag xmlns:ma14="http://schemas.microsoft.com/office/mac/drawingml/2011/main" xmlns="" val="1"/>
             </a:ext>
           </a:extLst>
         </p:spPr>
@@ -17165,7 +17269,7 @@
           </a:ln>
           <a:extLst>
             <a:ext uri="{C572A759-6A51-4108-AA02-DFA0A04FC94B}">
-              <ma14:wrappingTextBoxFlag xmlns="" xmlns:ma14="http://schemas.microsoft.com/office/mac/drawingml/2011/main" val="1"/>
+              <ma14:wrappingTextBoxFlag xmlns:ma14="http://schemas.microsoft.com/office/mac/drawingml/2011/main" xmlns="" val="1"/>
             </a:ext>
           </a:extLst>
         </p:spPr>
@@ -17281,7 +17385,7 @@
           </a:ln>
           <a:extLst>
             <a:ext uri="{C572A759-6A51-4108-AA02-DFA0A04FC94B}">
-              <ma14:wrappingTextBoxFlag xmlns="" xmlns:ma14="http://schemas.microsoft.com/office/mac/drawingml/2011/main" val="1"/>
+              <ma14:wrappingTextBoxFlag xmlns:ma14="http://schemas.microsoft.com/office/mac/drawingml/2011/main" xmlns="" val="1"/>
             </a:ext>
           </a:extLst>
         </p:spPr>
@@ -17386,7 +17490,7 @@
           </a:ln>
           <a:extLst>
             <a:ext uri="{C572A759-6A51-4108-AA02-DFA0A04FC94B}">
-              <ma14:wrappingTextBoxFlag xmlns="" xmlns:ma14="http://schemas.microsoft.com/office/mac/drawingml/2011/main" val="1"/>
+              <ma14:wrappingTextBoxFlag xmlns:ma14="http://schemas.microsoft.com/office/mac/drawingml/2011/main" xmlns="" val="1"/>
             </a:ext>
           </a:extLst>
         </p:spPr>
@@ -17502,7 +17606,7 @@
           </a:ln>
           <a:extLst>
             <a:ext uri="{C572A759-6A51-4108-AA02-DFA0A04FC94B}">
-              <ma14:wrappingTextBoxFlag xmlns="" xmlns:ma14="http://schemas.microsoft.com/office/mac/drawingml/2011/main" val="1"/>
+              <ma14:wrappingTextBoxFlag xmlns:ma14="http://schemas.microsoft.com/office/mac/drawingml/2011/main" xmlns="" val="1"/>
             </a:ext>
           </a:extLst>
         </p:spPr>
@@ -17607,7 +17711,7 @@
           </a:ln>
           <a:extLst>
             <a:ext uri="{C572A759-6A51-4108-AA02-DFA0A04FC94B}">
-              <ma14:wrappingTextBoxFlag xmlns="" xmlns:ma14="http://schemas.microsoft.com/office/mac/drawingml/2011/main" val="1"/>
+              <ma14:wrappingTextBoxFlag xmlns:ma14="http://schemas.microsoft.com/office/mac/drawingml/2011/main" xmlns="" val="1"/>
             </a:ext>
           </a:extLst>
         </p:spPr>
@@ -17723,7 +17827,7 @@
           </a:ln>
           <a:extLst>
             <a:ext uri="{C572A759-6A51-4108-AA02-DFA0A04FC94B}">
-              <ma14:wrappingTextBoxFlag xmlns="" xmlns:ma14="http://schemas.microsoft.com/office/mac/drawingml/2011/main" val="1"/>
+              <ma14:wrappingTextBoxFlag xmlns:ma14="http://schemas.microsoft.com/office/mac/drawingml/2011/main" xmlns="" val="1"/>
             </a:ext>
           </a:extLst>
         </p:spPr>
@@ -17828,7 +17932,7 @@
           </a:ln>
           <a:extLst>
             <a:ext uri="{C572A759-6A51-4108-AA02-DFA0A04FC94B}">
-              <ma14:wrappingTextBoxFlag xmlns="" xmlns:ma14="http://schemas.microsoft.com/office/mac/drawingml/2011/main" val="1"/>
+              <ma14:wrappingTextBoxFlag xmlns:ma14="http://schemas.microsoft.com/office/mac/drawingml/2011/main" xmlns="" val="1"/>
             </a:ext>
           </a:extLst>
         </p:spPr>
@@ -17995,7 +18099,7 @@
           </a:ln>
           <a:extLst>
             <a:ext uri="{C572A759-6A51-4108-AA02-DFA0A04FC94B}">
-              <ma14:wrappingTextBoxFlag xmlns="" xmlns:ma14="http://schemas.microsoft.com/office/mac/drawingml/2011/main" val="1"/>
+              <ma14:wrappingTextBoxFlag xmlns:ma14="http://schemas.microsoft.com/office/mac/drawingml/2011/main" xmlns="" val="1"/>
             </a:ext>
           </a:extLst>
         </p:spPr>
@@ -18088,7 +18192,7 @@
           </a:ln>
           <a:extLst>
             <a:ext uri="{C572A759-6A51-4108-AA02-DFA0A04FC94B}">
-              <ma14:wrappingTextBoxFlag xmlns="" xmlns:ma14="http://schemas.microsoft.com/office/mac/drawingml/2011/main" val="1"/>
+              <ma14:wrappingTextBoxFlag xmlns:ma14="http://schemas.microsoft.com/office/mac/drawingml/2011/main" xmlns="" val="1"/>
             </a:ext>
           </a:extLst>
         </p:spPr>
@@ -18200,7 +18304,7 @@
           </a:ln>
           <a:extLst>
             <a:ext uri="{C572A759-6A51-4108-AA02-DFA0A04FC94B}">
-              <ma14:wrappingTextBoxFlag xmlns="" xmlns:ma14="http://schemas.microsoft.com/office/mac/drawingml/2011/main" val="1"/>
+              <ma14:wrappingTextBoxFlag xmlns:ma14="http://schemas.microsoft.com/office/mac/drawingml/2011/main" xmlns="" val="1"/>
             </a:ext>
           </a:extLst>
         </p:spPr>
@@ -18293,7 +18397,7 @@
           </a:ln>
           <a:extLst>
             <a:ext uri="{C572A759-6A51-4108-AA02-DFA0A04FC94B}">
-              <ma14:wrappingTextBoxFlag xmlns="" xmlns:ma14="http://schemas.microsoft.com/office/mac/drawingml/2011/main" val="1"/>
+              <ma14:wrappingTextBoxFlag xmlns:ma14="http://schemas.microsoft.com/office/mac/drawingml/2011/main" xmlns="" val="1"/>
             </a:ext>
           </a:extLst>
         </p:spPr>
@@ -18432,32 +18536,11 @@
               <a:buNone/>
             </a:pPr>
             <a:r>
-              <a:rPr lang="en-US" dirty="0" err="1">
-                <a:latin typeface="Consolas" panose="020B0609020204030204" pitchFamily="49" charset="0"/>
-                <a:cs typeface="Consolas" panose="020B0609020204030204" pitchFamily="49" charset="0"/>
-              </a:rPr>
-              <a:t>my_array</a:t>
-            </a:r>
-            <a:r>
               <a:rPr lang="en-US" dirty="0">
                 <a:latin typeface="Consolas" panose="020B0609020204030204" pitchFamily="49" charset="0"/>
                 <a:cs typeface="Consolas" panose="020B0609020204030204" pitchFamily="49" charset="0"/>
               </a:rPr>
-              <a:t> = </a:t>
-            </a:r>
-            <a:r>
-              <a:rPr lang="en-US" dirty="0" err="1">
-                <a:latin typeface="Consolas" panose="020B0609020204030204" pitchFamily="49" charset="0"/>
-                <a:cs typeface="Consolas" panose="020B0609020204030204" pitchFamily="49" charset="0"/>
-              </a:rPr>
-              <a:t>np.array</a:t>
-            </a:r>
-            <a:r>
-              <a:rPr lang="en-US" dirty="0">
-                <a:latin typeface="Consolas" panose="020B0609020204030204" pitchFamily="49" charset="0"/>
-                <a:cs typeface="Consolas" panose="020B0609020204030204" pitchFamily="49" charset="0"/>
-              </a:rPr>
-              <a:t>([1, 2, 3])</a:t>
+              <a:t>my_array = np.array([1, 2, 3])</a:t>
             </a:r>
           </a:p>
           <a:p>
@@ -18478,27 +18561,7 @@
                 <a:latin typeface="Consolas" panose="020B0609020204030204" pitchFamily="49" charset="0"/>
                 <a:cs typeface="Consolas" panose="020B0609020204030204" pitchFamily="49" charset="0"/>
               </a:rPr>
-              <a:t>gt1 = </a:t>
-            </a:r>
-            <a:r>
-              <a:rPr lang="en-US" dirty="0" err="1">
-                <a:solidFill>
-                  <a:schemeClr val="accent1"/>
-                </a:solidFill>
-                <a:latin typeface="Consolas" panose="020B0609020204030204" pitchFamily="49" charset="0"/>
-                <a:cs typeface="Consolas" panose="020B0609020204030204" pitchFamily="49" charset="0"/>
-              </a:rPr>
-              <a:t>my_array</a:t>
-            </a:r>
-            <a:r>
-              <a:rPr lang="en-US" dirty="0">
-                <a:solidFill>
-                  <a:schemeClr val="accent1"/>
-                </a:solidFill>
-                <a:latin typeface="Consolas" panose="020B0609020204030204" pitchFamily="49" charset="0"/>
-                <a:cs typeface="Consolas" panose="020B0609020204030204" pitchFamily="49" charset="0"/>
-              </a:rPr>
-              <a:t> &gt; 1</a:t>
+              <a:t>gt1 = my_array &gt; 1</a:t>
             </a:r>
           </a:p>
           <a:p>
@@ -18512,18 +18575,11 @@
               <a:buNone/>
             </a:pPr>
             <a:r>
-              <a:rPr lang="en-US" dirty="0" err="1">
-                <a:latin typeface="Consolas" panose="020B0609020204030204" pitchFamily="49" charset="0"/>
-                <a:cs typeface="Consolas" panose="020B0609020204030204" pitchFamily="49" charset="0"/>
-              </a:rPr>
-              <a:t>my_array</a:t>
-            </a:r>
-            <a:r>
               <a:rPr lang="en-US" dirty="0">
                 <a:latin typeface="Consolas" panose="020B0609020204030204" pitchFamily="49" charset="0"/>
                 <a:cs typeface="Consolas" panose="020B0609020204030204" pitchFamily="49" charset="0"/>
               </a:rPr>
-              <a:t>[</a:t>
+              <a:t>my_array[</a:t>
             </a:r>
             <a:r>
               <a:rPr lang="en-US" dirty="0">
@@ -18553,26 +18609,27 @@
               </a:spcBef>
               <a:buNone/>
             </a:pPr>
+            <a:endParaRPr lang="en-US" dirty="0">
+              <a:latin typeface="Consolas" panose="020B0609020204030204" pitchFamily="49" charset="0"/>
+              <a:cs typeface="Consolas" panose="020B0609020204030204" pitchFamily="49" charset="0"/>
+            </a:endParaRPr>
+          </a:p>
+          <a:p>
+            <a:pPr marL="0" indent="0">
+              <a:lnSpc>
+                <a:spcPct val="120000"/>
+              </a:lnSpc>
+              <a:spcBef>
+                <a:spcPts val="0"/>
+              </a:spcBef>
+              <a:buNone/>
+            </a:pPr>
             <a:r>
               <a:rPr lang="en-US" dirty="0">
                 <a:latin typeface="Consolas" panose="020B0609020204030204" pitchFamily="49" charset="0"/>
                 <a:cs typeface="Consolas" panose="020B0609020204030204" pitchFamily="49" charset="0"/>
               </a:rPr>
-              <a:t>print(</a:t>
-            </a:r>
-            <a:r>
-              <a:rPr lang="en-US" dirty="0" err="1">
-                <a:latin typeface="Consolas" panose="020B0609020204030204" pitchFamily="49" charset="0"/>
-                <a:cs typeface="Consolas" panose="020B0609020204030204" pitchFamily="49" charset="0"/>
-              </a:rPr>
-              <a:t>my_array</a:t>
-            </a:r>
-            <a:r>
-              <a:rPr lang="en-US" dirty="0">
-                <a:latin typeface="Consolas" panose="020B0609020204030204" pitchFamily="49" charset="0"/>
-                <a:cs typeface="Consolas" panose="020B0609020204030204" pitchFamily="49" charset="0"/>
-              </a:rPr>
-              <a:t>)</a:t>
+              <a:t>print(my_array)</a:t>
             </a:r>
           </a:p>
           <a:p>
@@ -18646,7 +18703,7 @@
 </file>
 
 <file path=ppt/slides/slide39.xml><?xml version="1.0" encoding="utf-8"?>
-<p:sld xmlns:a="http://schemas.openxmlformats.org/drawingml/2006/main" xmlns:r="http://schemas.openxmlformats.org/officeDocument/2006/relationships" xmlns:p="http://schemas.openxmlformats.org/presentationml/2006/main">
+<p:sld xmlns:a="http://schemas.openxmlformats.org/drawingml/2006/main" xmlns:r="http://schemas.openxmlformats.org/officeDocument/2006/relationships" xmlns:p="http://schemas.openxmlformats.org/presentationml/2006/main" show="0">
   <p:cSld>
     <p:spTree>
       <p:nvGrpSpPr>
@@ -18716,25 +18773,11 @@
           <a:lstStyle/>
           <a:p>
             <a:r>
-              <a:rPr lang="en-US" dirty="0"/>
-              <a:t>Just remember:</a:t>
-            </a:r>
-            <a:br>
-              <a:rPr lang="en-US" dirty="0"/>
-            </a:br>
-            <a:r>
-              <a:rPr lang="en-US" cap="none" dirty="0" err="1">
-                <a:latin typeface="Consolas" panose="020B0609020204030204" pitchFamily="49" charset="0"/>
-                <a:cs typeface="Consolas" panose="020B0609020204030204" pitchFamily="49" charset="0"/>
-              </a:rPr>
-              <a:t>my_array</a:t>
-            </a:r>
-            <a:r>
               <a:rPr lang="en-US" cap="none" dirty="0">
                 <a:latin typeface="Consolas" panose="020B0609020204030204" pitchFamily="49" charset="0"/>
                 <a:cs typeface="Consolas" panose="020B0609020204030204" pitchFamily="49" charset="0"/>
               </a:rPr>
-              <a:t>[gt1]</a:t>
+              <a:t>my_array[gt1]</a:t>
             </a:r>
             <a:r>
               <a:rPr lang="en-US" cap="none" dirty="0">
@@ -18768,7 +18811,7 @@
         <p:spPr>
           <a:xfrm>
             <a:off x="406400" y="3519376"/>
-            <a:ext cx="12192000" cy="5332523"/>
+            <a:ext cx="12192000" cy="6027580"/>
           </a:xfrm>
         </p:spPr>
         <p:txBody>
@@ -18907,6 +18950,21 @@
               </a:rPr>
               <a:t>pieces[1] = -1</a:t>
             </a:r>
+          </a:p>
+          <a:p>
+            <a:pPr marL="0" indent="0">
+              <a:lnSpc>
+                <a:spcPct val="120000"/>
+              </a:lnSpc>
+              <a:spcBef>
+                <a:spcPts val="0"/>
+              </a:spcBef>
+              <a:buNone/>
+            </a:pPr>
+            <a:endParaRPr lang="en-US" dirty="0">
+              <a:latin typeface="Consolas" panose="020B0609020204030204" pitchFamily="49" charset="0"/>
+              <a:cs typeface="Consolas" panose="020B0609020204030204" pitchFamily="49" charset="0"/>
+            </a:endParaRPr>
           </a:p>
           <a:p>
             <a:pPr marL="0" indent="0">
@@ -19215,7 +19273,7 @@
 </file>
 
 <file path=ppt/slides/slide40.xml><?xml version="1.0" encoding="utf-8"?>
-<p:sld xmlns:a="http://schemas.openxmlformats.org/drawingml/2006/main" xmlns:r="http://schemas.openxmlformats.org/officeDocument/2006/relationships" xmlns:p="http://schemas.openxmlformats.org/presentationml/2006/main">
+<p:sld xmlns:a="http://schemas.openxmlformats.org/drawingml/2006/main" xmlns:r="http://schemas.openxmlformats.org/officeDocument/2006/relationships" xmlns:p="http://schemas.openxmlformats.org/presentationml/2006/main" show="0">
   <p:cSld>
     <p:spTree>
       <p:nvGrpSpPr>
@@ -19288,8 +19346,8 @@
         </p:nvSpPr>
         <p:spPr>
           <a:xfrm>
-            <a:off x="406400" y="2992371"/>
-            <a:ext cx="6096000" cy="3419068"/>
+            <a:off x="609599" y="2992371"/>
+            <a:ext cx="5892801" cy="3419068"/>
           </a:xfrm>
         </p:spPr>
         <p:txBody>
@@ -19298,6 +19356,9 @@
           </a:bodyPr>
           <a:lstStyle/>
           <a:p>
+            <a:pPr marL="0" indent="0">
+              <a:buNone/>
+            </a:pPr>
             <a:r>
               <a:rPr lang="en-US" sz="2400" dirty="0" err="1">
                 <a:latin typeface="Consolas" panose="020B0609020204030204" pitchFamily="49" charset="0"/>
@@ -19328,6 +19389,9 @@
             </a:r>
           </a:p>
           <a:p>
+            <a:pPr marL="0" indent="0">
+              <a:buNone/>
+            </a:pPr>
             <a:r>
               <a:rPr lang="en-US" sz="2400" dirty="0" err="1">
                 <a:latin typeface="Consolas" panose="020B0609020204030204" pitchFamily="49" charset="0"/>
@@ -19358,6 +19422,95 @@
             </a:r>
           </a:p>
           <a:p>
+            <a:pPr marL="0" indent="0">
+              <a:buNone/>
+            </a:pPr>
+            <a:r>
+              <a:rPr lang="en-US" sz="2400" dirty="0" err="1">
+                <a:latin typeface="Consolas" panose="020B0609020204030204" pitchFamily="49" charset="0"/>
+                <a:cs typeface="Consolas" panose="020B0609020204030204" pitchFamily="49" charset="0"/>
+              </a:rPr>
+              <a:t>ar_alias</a:t>
+            </a:r>
+            <a:r>
+              <a:rPr lang="en-US" sz="2400" dirty="0">
+                <a:latin typeface="Consolas" panose="020B0609020204030204" pitchFamily="49" charset="0"/>
+                <a:cs typeface="Consolas" panose="020B0609020204030204" pitchFamily="49" charset="0"/>
+              </a:rPr>
+              <a:t> = </a:t>
+            </a:r>
+            <a:r>
+              <a:rPr lang="en-US" sz="2400" dirty="0" err="1">
+                <a:latin typeface="Consolas" panose="020B0609020204030204" pitchFamily="49" charset="0"/>
+                <a:cs typeface="Consolas" panose="020B0609020204030204" pitchFamily="49" charset="0"/>
+              </a:rPr>
+              <a:t>my_array</a:t>
+            </a:r>
+            <a:r>
+              <a:rPr lang="en-US" sz="2400" dirty="0">
+                <a:latin typeface="Consolas" panose="020B0609020204030204" pitchFamily="49" charset="0"/>
+                <a:cs typeface="Consolas" panose="020B0609020204030204" pitchFamily="49" charset="0"/>
+              </a:rPr>
+              <a:t>[:]</a:t>
+            </a:r>
+          </a:p>
+          <a:p>
+            <a:pPr marL="0" indent="0">
+              <a:buNone/>
+            </a:pPr>
+            <a:r>
+              <a:rPr lang="en-US" sz="2400" dirty="0">
+                <a:latin typeface="Consolas" panose="020B0609020204030204" pitchFamily="49" charset="0"/>
+                <a:cs typeface="Consolas" panose="020B0609020204030204" pitchFamily="49" charset="0"/>
+              </a:rPr>
+              <a:t>ar_alias2 = </a:t>
+            </a:r>
+            <a:r>
+              <a:rPr lang="en-US" sz="2400" dirty="0" err="1">
+                <a:latin typeface="Consolas" panose="020B0609020204030204" pitchFamily="49" charset="0"/>
+                <a:cs typeface="Consolas" panose="020B0609020204030204" pitchFamily="49" charset="0"/>
+              </a:rPr>
+              <a:t>my_array</a:t>
+            </a:r>
+            <a:endParaRPr lang="en-US" sz="2400" dirty="0">
+              <a:latin typeface="Consolas" panose="020B0609020204030204" pitchFamily="49" charset="0"/>
+              <a:cs typeface="Consolas" panose="020B0609020204030204" pitchFamily="49" charset="0"/>
+            </a:endParaRPr>
+          </a:p>
+          <a:p>
+            <a:pPr marL="0" indent="0">
+              <a:buNone/>
+            </a:pPr>
+            <a:r>
+              <a:rPr lang="en-US" sz="2400" dirty="0" err="1">
+                <a:latin typeface="Consolas" panose="020B0609020204030204" pitchFamily="49" charset="0"/>
+                <a:cs typeface="Consolas" panose="020B0609020204030204" pitchFamily="49" charset="0"/>
+              </a:rPr>
+              <a:t>lst_alias</a:t>
+            </a:r>
+            <a:r>
+              <a:rPr lang="en-US" sz="2400" dirty="0">
+                <a:latin typeface="Consolas" panose="020B0609020204030204" pitchFamily="49" charset="0"/>
+                <a:cs typeface="Consolas" panose="020B0609020204030204" pitchFamily="49" charset="0"/>
+              </a:rPr>
+              <a:t> = </a:t>
+            </a:r>
+            <a:r>
+              <a:rPr lang="en-US" sz="2400" dirty="0" err="1">
+                <a:latin typeface="Consolas" panose="020B0609020204030204" pitchFamily="49" charset="0"/>
+                <a:cs typeface="Consolas" panose="020B0609020204030204" pitchFamily="49" charset="0"/>
+              </a:rPr>
+              <a:t>lst</a:t>
+            </a:r>
+            <a:endParaRPr lang="en-US" sz="2400" dirty="0">
+              <a:latin typeface="Consolas" panose="020B0609020204030204" pitchFamily="49" charset="0"/>
+              <a:cs typeface="Consolas" panose="020B0609020204030204" pitchFamily="49" charset="0"/>
+            </a:endParaRPr>
+          </a:p>
+          <a:p>
+            <a:pPr marL="0" indent="0">
+              <a:buNone/>
+            </a:pPr>
             <a:endParaRPr lang="en-US" sz="2400" dirty="0">
               <a:latin typeface="Consolas" panose="020B0609020204030204" pitchFamily="49" charset="0"/>
               <a:cs typeface="Consolas" panose="020B0609020204030204" pitchFamily="49" charset="0"/>
@@ -19393,6 +19546,9 @@
           </a:bodyPr>
           <a:lstStyle/>
           <a:p>
+            <a:pPr marL="0" indent="0">
+              <a:buNone/>
+            </a:pPr>
             <a:r>
               <a:rPr lang="en-US" sz="2400" dirty="0" err="1">
                 <a:latin typeface="Consolas" panose="020B0609020204030204" pitchFamily="49" charset="0"/>
@@ -19423,6 +19579,9 @@
             </a:r>
           </a:p>
           <a:p>
+            <a:pPr marL="0" indent="0">
+              <a:buNone/>
+            </a:pPr>
             <a:r>
               <a:rPr lang="en-US" sz="2400" dirty="0" err="1">
                 <a:latin typeface="Consolas" panose="020B0609020204030204" pitchFamily="49" charset="0"/>
@@ -19453,6 +19612,42 @@
             </a:r>
           </a:p>
           <a:p>
+            <a:pPr marL="0" indent="0">
+              <a:buNone/>
+            </a:pPr>
+            <a:r>
+              <a:rPr lang="en-US" sz="2400" dirty="0" err="1">
+                <a:latin typeface="Consolas" panose="020B0609020204030204" pitchFamily="49" charset="0"/>
+                <a:cs typeface="Consolas" panose="020B0609020204030204" pitchFamily="49" charset="0"/>
+              </a:rPr>
+              <a:t>lst_copy</a:t>
+            </a:r>
+            <a:r>
+              <a:rPr lang="en-US" sz="2400" dirty="0">
+                <a:latin typeface="Consolas" panose="020B0609020204030204" pitchFamily="49" charset="0"/>
+                <a:cs typeface="Consolas" panose="020B0609020204030204" pitchFamily="49" charset="0"/>
+              </a:rPr>
+              <a:t> = </a:t>
+            </a:r>
+            <a:r>
+              <a:rPr lang="en-US" sz="2400" dirty="0" err="1">
+                <a:latin typeface="Consolas" panose="020B0609020204030204" pitchFamily="49" charset="0"/>
+                <a:cs typeface="Consolas" panose="020B0609020204030204" pitchFamily="49" charset="0"/>
+              </a:rPr>
+              <a:t>my_list</a:t>
+            </a:r>
+            <a:r>
+              <a:rPr lang="en-US" sz="2400" dirty="0">
+                <a:latin typeface="Consolas" panose="020B0609020204030204" pitchFamily="49" charset="0"/>
+                <a:cs typeface="Consolas" panose="020B0609020204030204" pitchFamily="49" charset="0"/>
+              </a:rPr>
+              <a:t>[:]</a:t>
+            </a:r>
+          </a:p>
+          <a:p>
+            <a:pPr marL="0" indent="0">
+              <a:buNone/>
+            </a:pPr>
             <a:r>
               <a:rPr lang="en-US" sz="2400" dirty="0" err="1">
                 <a:solidFill>
@@ -19515,6 +19710,9 @@
             </a:r>
           </a:p>
           <a:p>
+            <a:pPr marL="0" indent="0">
+              <a:buNone/>
+            </a:pPr>
             <a:r>
               <a:rPr lang="en-US" sz="2400" dirty="0" err="1">
                 <a:latin typeface="Consolas" panose="020B0609020204030204" pitchFamily="49" charset="0"/>
@@ -19542,6 +19740,39 @@
                 <a:cs typeface="Consolas" panose="020B0609020204030204" pitchFamily="49" charset="0"/>
               </a:rPr>
               <a:t>[[1, 3]]</a:t>
+            </a:r>
+          </a:p>
+          <a:p>
+            <a:pPr marL="0" indent="0">
+              <a:buNone/>
+            </a:pPr>
+            <a:r>
+              <a:rPr lang="en-US" sz="2400" dirty="0" err="1">
+                <a:latin typeface="Consolas" panose="020B0609020204030204" pitchFamily="49" charset="0"/>
+                <a:cs typeface="Consolas" panose="020B0609020204030204" pitchFamily="49" charset="0"/>
+              </a:rPr>
+              <a:t>ar_copy</a:t>
+            </a:r>
+            <a:r>
+              <a:rPr lang="en-US" sz="2400" dirty="0">
+                <a:latin typeface="Consolas" panose="020B0609020204030204" pitchFamily="49" charset="0"/>
+                <a:cs typeface="Consolas" panose="020B0609020204030204" pitchFamily="49" charset="0"/>
+              </a:rPr>
+              <a:t> = </a:t>
+            </a:r>
+            <a:r>
+              <a:rPr lang="en-US" sz="2400" dirty="0" err="1">
+                <a:latin typeface="Consolas" panose="020B0609020204030204" pitchFamily="49" charset="0"/>
+                <a:cs typeface="Consolas" panose="020B0609020204030204" pitchFamily="49" charset="0"/>
+              </a:rPr>
+              <a:t>my_array.copy</a:t>
+            </a:r>
+            <a:r>
+              <a:rPr lang="en-US" sz="2400" dirty="0">
+                <a:latin typeface="Consolas" panose="020B0609020204030204" pitchFamily="49" charset="0"/>
+                <a:cs typeface="Consolas" panose="020B0609020204030204" pitchFamily="49" charset="0"/>
+              </a:rPr>
+              <a:t>()</a:t>
             </a:r>
           </a:p>
         </p:txBody>
@@ -19610,7 +19841,7 @@
           </a:ln>
           <a:extLst>
             <a:ext uri="{C572A759-6A51-4108-AA02-DFA0A04FC94B}">
-              <ma14:wrappingTextBoxFlag xmlns="" xmlns:ma14="http://schemas.microsoft.com/office/mac/drawingml/2011/main" val="1"/>
+              <ma14:wrappingTextBoxFlag xmlns:ma14="http://schemas.microsoft.com/office/mac/drawingml/2011/main" xmlns="" val="1"/>
             </a:ext>
           </a:extLst>
         </p:spPr>
@@ -19910,8 +20141,8 @@
         </p:nvSpPr>
         <p:spPr>
           <a:xfrm>
-            <a:off x="609600" y="6632243"/>
-            <a:ext cx="5299371" cy="2998381"/>
+            <a:off x="646338" y="6632243"/>
+            <a:ext cx="5262634" cy="2998381"/>
           </a:xfrm>
           <a:prstGeom prst="rect">
             <a:avLst/>
@@ -19921,7 +20152,7 @@
           </a:ln>
           <a:extLst>
             <a:ext uri="{C572A759-6A51-4108-AA02-DFA0A04FC94B}">
-              <ma14:wrappingTextBoxFlag xmlns="" xmlns:ma14="http://schemas.microsoft.com/office/mac/drawingml/2011/main" val="1"/>
+              <ma14:wrappingTextBoxFlag xmlns:ma14="http://schemas.microsoft.com/office/mac/drawingml/2011/main" xmlns="" val="1"/>
             </a:ext>
           </a:extLst>
         </p:spPr>
@@ -20203,7 +20434,9 @@
             </a:lvl9pPr>
           </a:lstStyle>
           <a:p>
-            <a:pPr hangingPunct="1"/>
+            <a:pPr marL="0" indent="0" hangingPunct="1">
+              <a:buNone/>
+            </a:pPr>
             <a:r>
               <a:rPr lang="en-US" sz="2400" dirty="0" err="1">
                 <a:latin typeface="Consolas" panose="020B0609020204030204" pitchFamily="49" charset="0"/>
@@ -20220,7 +20453,9 @@
             </a:r>
           </a:p>
           <a:p>
-            <a:pPr hangingPunct="1"/>
+            <a:pPr marL="0" indent="0" hangingPunct="1">
+              <a:buNone/>
+            </a:pPr>
             <a:r>
               <a:rPr lang="en-US" sz="2400" dirty="0" err="1">
                 <a:latin typeface="Consolas" panose="020B0609020204030204" pitchFamily="49" charset="0"/>
@@ -20233,11 +20468,25 @@
                 <a:latin typeface="Consolas" panose="020B0609020204030204" pitchFamily="49" charset="0"/>
                 <a:cs typeface="Consolas" panose="020B0609020204030204" pitchFamily="49" charset="0"/>
               </a:rPr>
-              <a:t> = -1</a:t>
-            </a:r>
-          </a:p>
-          <a:p>
-            <a:pPr hangingPunct="1"/>
+              <a:t>[0] = -1</a:t>
+            </a:r>
+          </a:p>
+          <a:p>
+            <a:pPr marL="0" indent="0" hangingPunct="1">
+              <a:buNone/>
+            </a:pPr>
+            <a:r>
+              <a:rPr lang="en-US" sz="2400" dirty="0">
+                <a:latin typeface="Consolas" panose="020B0609020204030204" pitchFamily="49" charset="0"/>
+                <a:cs typeface="Consolas" panose="020B0609020204030204" pitchFamily="49" charset="0"/>
+              </a:rPr>
+              <a:t>alias[0] = -1</a:t>
+            </a:r>
+          </a:p>
+          <a:p>
+            <a:pPr marL="0" indent="0" hangingPunct="1">
+              <a:buNone/>
+            </a:pPr>
             <a:r>
               <a:rPr lang="en-US" sz="2400" dirty="0" err="1">
                 <a:solidFill>
@@ -20280,7 +20529,9 @@
             </a:r>
           </a:p>
           <a:p>
-            <a:pPr hangingPunct="1"/>
+            <a:pPr marL="0" indent="0" hangingPunct="1">
+              <a:buNone/>
+            </a:pPr>
             <a:r>
               <a:rPr lang="en-US" sz="2400" dirty="0" err="1">
                 <a:latin typeface="Consolas" panose="020B0609020204030204" pitchFamily="49" charset="0"/>
@@ -20297,7 +20548,9 @@
             </a:r>
           </a:p>
           <a:p>
-            <a:pPr hangingPunct="1"/>
+            <a:pPr marL="0" indent="0" hangingPunct="1">
+              <a:buNone/>
+            </a:pPr>
             <a:r>
               <a:rPr lang="en-US" sz="2400" dirty="0" err="1">
                 <a:latin typeface="Consolas" panose="020B0609020204030204" pitchFamily="49" charset="0"/>
@@ -20314,7 +20567,9 @@
             </a:r>
           </a:p>
           <a:p>
-            <a:pPr hangingPunct="1"/>
+            <a:pPr marL="0" indent="0" hangingPunct="1">
+              <a:buNone/>
+            </a:pPr>
             <a:endParaRPr lang="en-US" sz="2400" dirty="0">
               <a:latin typeface="Consolas" panose="020B0609020204030204" pitchFamily="49" charset="0"/>
               <a:cs typeface="Consolas" panose="020B0609020204030204" pitchFamily="49" charset="0"/>
@@ -20339,7 +20594,7 @@
         <p:spPr>
           <a:xfrm>
             <a:off x="6007395" y="6632244"/>
-            <a:ext cx="6997405" cy="2788204"/>
+            <a:ext cx="6997405" cy="2998380"/>
           </a:xfrm>
           <a:prstGeom prst="rect">
             <a:avLst/>
@@ -20349,7 +20604,7 @@
           </a:ln>
           <a:extLst>
             <a:ext uri="{C572A759-6A51-4108-AA02-DFA0A04FC94B}">
-              <ma14:wrappingTextBoxFlag xmlns="" xmlns:ma14="http://schemas.microsoft.com/office/mac/drawingml/2011/main" val="1"/>
+              <ma14:wrappingTextBoxFlag xmlns:ma14="http://schemas.microsoft.com/office/mac/drawingml/2011/main" xmlns="" val="1"/>
             </a:ext>
           </a:extLst>
         </p:spPr>
@@ -20631,14 +20886,28 @@
             </a:lvl9pPr>
           </a:lstStyle>
           <a:p>
-            <a:pPr hangingPunct="1"/>
-            <a:endParaRPr lang="en-US" sz="2400" dirty="0">
-              <a:latin typeface="Consolas" panose="020B0609020204030204" pitchFamily="49" charset="0"/>
-              <a:cs typeface="Consolas" panose="020B0609020204030204" pitchFamily="49" charset="0"/>
-            </a:endParaRPr>
-          </a:p>
-          <a:p>
-            <a:pPr hangingPunct="1"/>
+            <a:pPr marL="0" indent="0" hangingPunct="1">
+              <a:buNone/>
+            </a:pPr>
+            <a:r>
+              <a:rPr lang="en-US" sz="2400" dirty="0" err="1">
+                <a:latin typeface="Consolas" panose="020B0609020204030204" pitchFamily="49" charset="0"/>
+                <a:cs typeface="Consolas" panose="020B0609020204030204" pitchFamily="49" charset="0"/>
+              </a:rPr>
+              <a:t>lst_elem</a:t>
+            </a:r>
+            <a:r>
+              <a:rPr lang="en-US" sz="2400" dirty="0">
+                <a:latin typeface="Consolas" panose="020B0609020204030204" pitchFamily="49" charset="0"/>
+                <a:cs typeface="Consolas" panose="020B0609020204030204" pitchFamily="49" charset="0"/>
+              </a:rPr>
+              <a:t> = -2</a:t>
+            </a:r>
+          </a:p>
+          <a:p>
+            <a:pPr marL="0" indent="0" hangingPunct="1">
+              <a:buNone/>
+            </a:pPr>
             <a:r>
               <a:rPr lang="en-US" sz="2400" dirty="0" err="1">
                 <a:latin typeface="Consolas" panose="020B0609020204030204" pitchFamily="49" charset="0"/>
@@ -20655,7 +20924,28 @@
             </a:r>
           </a:p>
           <a:p>
-            <a:pPr hangingPunct="1"/>
+            <a:pPr marL="0" indent="0" hangingPunct="1">
+              <a:buNone/>
+            </a:pPr>
+            <a:r>
+              <a:rPr lang="en-US" sz="2400" dirty="0" err="1">
+                <a:latin typeface="Consolas" panose="020B0609020204030204" pitchFamily="49" charset="0"/>
+                <a:cs typeface="Consolas" panose="020B0609020204030204" pitchFamily="49" charset="0"/>
+              </a:rPr>
+              <a:t>lst_copy</a:t>
+            </a:r>
+            <a:r>
+              <a:rPr lang="en-US" sz="2400" dirty="0">
+                <a:latin typeface="Consolas" panose="020B0609020204030204" pitchFamily="49" charset="0"/>
+                <a:cs typeface="Consolas" panose="020B0609020204030204" pitchFamily="49" charset="0"/>
+              </a:rPr>
+              <a:t>[0] = -2</a:t>
+            </a:r>
+          </a:p>
+          <a:p>
+            <a:pPr marL="0" indent="0" hangingPunct="1">
+              <a:buNone/>
+            </a:pPr>
             <a:r>
               <a:rPr lang="en-US" sz="2400" dirty="0" err="1">
                 <a:latin typeface="Consolas" panose="020B0609020204030204" pitchFamily="49" charset="0"/>
@@ -20672,7 +20962,9 @@
             </a:r>
           </a:p>
           <a:p>
-            <a:pPr hangingPunct="1"/>
+            <a:pPr marL="0" indent="0" hangingPunct="1">
+              <a:buNone/>
+            </a:pPr>
             <a:r>
               <a:rPr lang="en-US" sz="2400" dirty="0" err="1">
                 <a:latin typeface="Consolas" panose="020B0609020204030204" pitchFamily="49" charset="0"/>
@@ -20689,21 +20981,32 @@
             </a:r>
           </a:p>
           <a:p>
-            <a:pPr hangingPunct="1"/>
+            <a:pPr marL="0" indent="0" hangingPunct="1">
+              <a:buNone/>
+            </a:pPr>
             <a:r>
               <a:rPr lang="en-US" sz="2400" dirty="0" err="1">
                 <a:latin typeface="Consolas" panose="020B0609020204030204" pitchFamily="49" charset="0"/>
                 <a:cs typeface="Consolas" panose="020B0609020204030204" pitchFamily="49" charset="0"/>
               </a:rPr>
-              <a:t>lst_elem</a:t>
+              <a:t>ar_copy</a:t>
             </a:r>
             <a:r>
               <a:rPr lang="en-US" sz="2400" dirty="0">
                 <a:latin typeface="Consolas" panose="020B0609020204030204" pitchFamily="49" charset="0"/>
                 <a:cs typeface="Consolas" panose="020B0609020204030204" pitchFamily="49" charset="0"/>
               </a:rPr>
-              <a:t> = -2</a:t>
-            </a:r>
+              <a:t>[0] = -2</a:t>
+            </a:r>
+          </a:p>
+          <a:p>
+            <a:pPr marL="0" indent="0" hangingPunct="1">
+              <a:buNone/>
+            </a:pPr>
+            <a:endParaRPr lang="en-US" sz="2400" dirty="0">
+              <a:latin typeface="Consolas" panose="020B0609020204030204" pitchFamily="49" charset="0"/>
+              <a:cs typeface="Consolas" panose="020B0609020204030204" pitchFamily="49" charset="0"/>
+            </a:endParaRPr>
           </a:p>
         </p:txBody>
       </p:sp>
@@ -20734,7 +21037,7 @@
           </a:ln>
           <a:extLst>
             <a:ext uri="{C572A759-6A51-4108-AA02-DFA0A04FC94B}">
-              <ma14:wrappingTextBoxFlag xmlns="" xmlns:ma14="http://schemas.microsoft.com/office/mac/drawingml/2011/main" val="1"/>
+              <ma14:wrappingTextBoxFlag xmlns:ma14="http://schemas.microsoft.com/office/mac/drawingml/2011/main" xmlns="" val="1"/>
             </a:ext>
           </a:extLst>
         </p:spPr>
@@ -21045,7 +21348,7 @@
           </a:ln>
           <a:extLst>
             <a:ext uri="{C572A759-6A51-4108-AA02-DFA0A04FC94B}">
-              <ma14:wrappingTextBoxFlag xmlns="" xmlns:ma14="http://schemas.microsoft.com/office/mac/drawingml/2011/main" val="1"/>
+              <ma14:wrappingTextBoxFlag xmlns:ma14="http://schemas.microsoft.com/office/mac/drawingml/2011/main" xmlns="" val="1"/>
             </a:ext>
           </a:extLst>
         </p:spPr>
@@ -21325,6 +21628,4174 @@
           </a:p>
         </p:txBody>
       </p:sp>
+      <p:sp>
+        <p:nvSpPr>
+          <p:cNvPr id="25" name="Freeform 24">
+            <a:extLst>
+              <a:ext uri="{FF2B5EF4-FFF2-40B4-BE49-F238E27FC236}">
+                <a16:creationId xmlns:a16="http://schemas.microsoft.com/office/drawing/2014/main" id="{F0054EFD-B2D6-7176-8C25-0CA95C9F2FE8}"/>
+              </a:ext>
+            </a:extLst>
+          </p:cNvPr>
+          <p:cNvSpPr/>
+          <p:nvPr/>
+        </p:nvSpPr>
+        <p:spPr>
+          <a:xfrm>
+            <a:off x="146977" y="3448371"/>
+            <a:ext cx="495653" cy="3394130"/>
+          </a:xfrm>
+          <a:custGeom>
+            <a:avLst/>
+            <a:gdLst>
+              <a:gd name="connsiteX0" fmla="*/ 636851 w 2140187"/>
+              <a:gd name="connsiteY0" fmla="*/ 0 h 3904754"/>
+              <a:gd name="connsiteX1" fmla="*/ 1421 w 2140187"/>
+              <a:gd name="connsiteY1" fmla="*/ 2131017 h 3904754"/>
+              <a:gd name="connsiteX2" fmla="*/ 791834 w 2140187"/>
+              <a:gd name="connsiteY2" fmla="*/ 3634353 h 3904754"/>
+              <a:gd name="connsiteX3" fmla="*/ 2140187 w 2140187"/>
+              <a:gd name="connsiteY3" fmla="*/ 3897824 h 3904754"/>
+              <a:gd name="connsiteX0" fmla="*/ 650148 w 2153484"/>
+              <a:gd name="connsiteY0" fmla="*/ 0 h 3904754"/>
+              <a:gd name="connsiteX1" fmla="*/ 316935 w 2153484"/>
+              <a:gd name="connsiteY1" fmla="*/ 805912 h 3904754"/>
+              <a:gd name="connsiteX2" fmla="*/ 14718 w 2153484"/>
+              <a:gd name="connsiteY2" fmla="*/ 2131017 h 3904754"/>
+              <a:gd name="connsiteX3" fmla="*/ 805131 w 2153484"/>
+              <a:gd name="connsiteY3" fmla="*/ 3634353 h 3904754"/>
+              <a:gd name="connsiteX4" fmla="*/ 2153484 w 2153484"/>
+              <a:gd name="connsiteY4" fmla="*/ 3897824 h 3904754"/>
+              <a:gd name="connsiteX0" fmla="*/ 716982 w 2220318"/>
+              <a:gd name="connsiteY0" fmla="*/ 0 h 3904754"/>
+              <a:gd name="connsiteX1" fmla="*/ 97050 w 2220318"/>
+              <a:gd name="connsiteY1" fmla="*/ 604434 h 3904754"/>
+              <a:gd name="connsiteX2" fmla="*/ 81552 w 2220318"/>
+              <a:gd name="connsiteY2" fmla="*/ 2131017 h 3904754"/>
+              <a:gd name="connsiteX3" fmla="*/ 871965 w 2220318"/>
+              <a:gd name="connsiteY3" fmla="*/ 3634353 h 3904754"/>
+              <a:gd name="connsiteX4" fmla="*/ 2220318 w 2220318"/>
+              <a:gd name="connsiteY4" fmla="*/ 3897824 h 3904754"/>
+              <a:gd name="connsiteX0" fmla="*/ 742027 w 2245363"/>
+              <a:gd name="connsiteY0" fmla="*/ 0 h 3898257"/>
+              <a:gd name="connsiteX1" fmla="*/ 122095 w 2245363"/>
+              <a:gd name="connsiteY1" fmla="*/ 604434 h 3898257"/>
+              <a:gd name="connsiteX2" fmla="*/ 106597 w 2245363"/>
+              <a:gd name="connsiteY2" fmla="*/ 2131017 h 3898257"/>
+              <a:gd name="connsiteX3" fmla="*/ 176339 w 2245363"/>
+              <a:gd name="connsiteY3" fmla="*/ 3215899 h 3898257"/>
+              <a:gd name="connsiteX4" fmla="*/ 2245363 w 2245363"/>
+              <a:gd name="connsiteY4" fmla="*/ 3897824 h 3898257"/>
+              <a:gd name="connsiteX0" fmla="*/ 742027 w 920258"/>
+              <a:gd name="connsiteY0" fmla="*/ 0 h 3704902"/>
+              <a:gd name="connsiteX1" fmla="*/ 122095 w 920258"/>
+              <a:gd name="connsiteY1" fmla="*/ 604434 h 3704902"/>
+              <a:gd name="connsiteX2" fmla="*/ 106597 w 920258"/>
+              <a:gd name="connsiteY2" fmla="*/ 2131017 h 3704902"/>
+              <a:gd name="connsiteX3" fmla="*/ 176339 w 920258"/>
+              <a:gd name="connsiteY3" fmla="*/ 3215899 h 3704902"/>
+              <a:gd name="connsiteX4" fmla="*/ 920258 w 920258"/>
+              <a:gd name="connsiteY4" fmla="*/ 3704095 h 3704902"/>
+              <a:gd name="connsiteX0" fmla="*/ 776563 w 954794"/>
+              <a:gd name="connsiteY0" fmla="*/ 0 h 3724806"/>
+              <a:gd name="connsiteX1" fmla="*/ 156631 w 954794"/>
+              <a:gd name="connsiteY1" fmla="*/ 604434 h 3724806"/>
+              <a:gd name="connsiteX2" fmla="*/ 141133 w 954794"/>
+              <a:gd name="connsiteY2" fmla="*/ 2131017 h 3724806"/>
+              <a:gd name="connsiteX3" fmla="*/ 164380 w 954794"/>
+              <a:gd name="connsiteY3" fmla="*/ 3502618 h 3724806"/>
+              <a:gd name="connsiteX4" fmla="*/ 954794 w 954794"/>
+              <a:gd name="connsiteY4" fmla="*/ 3704095 h 3724806"/>
+              <a:gd name="connsiteX0" fmla="*/ 704300 w 882531"/>
+              <a:gd name="connsiteY0" fmla="*/ 0 h 3724806"/>
+              <a:gd name="connsiteX1" fmla="*/ 84368 w 882531"/>
+              <a:gd name="connsiteY1" fmla="*/ 604434 h 3724806"/>
+              <a:gd name="connsiteX2" fmla="*/ 92117 w 882531"/>
+              <a:gd name="connsiteY2" fmla="*/ 3502618 h 3724806"/>
+              <a:gd name="connsiteX3" fmla="*/ 882531 w 882531"/>
+              <a:gd name="connsiteY3" fmla="*/ 3704095 h 3724806"/>
+              <a:gd name="connsiteX0" fmla="*/ 704300 w 836036"/>
+              <a:gd name="connsiteY0" fmla="*/ 0 h 3786830"/>
+              <a:gd name="connsiteX1" fmla="*/ 84368 w 836036"/>
+              <a:gd name="connsiteY1" fmla="*/ 604434 h 3786830"/>
+              <a:gd name="connsiteX2" fmla="*/ 92117 w 836036"/>
+              <a:gd name="connsiteY2" fmla="*/ 3502618 h 3786830"/>
+              <a:gd name="connsiteX3" fmla="*/ 836036 w 836036"/>
+              <a:gd name="connsiteY3" fmla="*/ 3781586 h 3786830"/>
+              <a:gd name="connsiteX0" fmla="*/ 776861 w 908597"/>
+              <a:gd name="connsiteY0" fmla="*/ 0 h 3781750"/>
+              <a:gd name="connsiteX1" fmla="*/ 156929 w 908597"/>
+              <a:gd name="connsiteY1" fmla="*/ 604434 h 3781750"/>
+              <a:gd name="connsiteX2" fmla="*/ 56190 w 908597"/>
+              <a:gd name="connsiteY2" fmla="*/ 2417736 h 3781750"/>
+              <a:gd name="connsiteX3" fmla="*/ 908597 w 908597"/>
+              <a:gd name="connsiteY3" fmla="*/ 3781586 h 3781750"/>
+              <a:gd name="connsiteX0" fmla="*/ 776861 w 908597"/>
+              <a:gd name="connsiteY0" fmla="*/ 0 h 3781848"/>
+              <a:gd name="connsiteX1" fmla="*/ 156929 w 908597"/>
+              <a:gd name="connsiteY1" fmla="*/ 604434 h 3781848"/>
+              <a:gd name="connsiteX2" fmla="*/ 56190 w 908597"/>
+              <a:gd name="connsiteY2" fmla="*/ 2417736 h 3781848"/>
+              <a:gd name="connsiteX3" fmla="*/ 908597 w 908597"/>
+              <a:gd name="connsiteY3" fmla="*/ 3781586 h 3781848"/>
+              <a:gd name="connsiteX0" fmla="*/ 742871 w 874607"/>
+              <a:gd name="connsiteY0" fmla="*/ 0 h 3781848"/>
+              <a:gd name="connsiteX1" fmla="*/ 122939 w 874607"/>
+              <a:gd name="connsiteY1" fmla="*/ 604434 h 3781848"/>
+              <a:gd name="connsiteX2" fmla="*/ 22200 w 874607"/>
+              <a:gd name="connsiteY2" fmla="*/ 2417736 h 3781848"/>
+              <a:gd name="connsiteX3" fmla="*/ 874607 w 874607"/>
+              <a:gd name="connsiteY3" fmla="*/ 3781586 h 3781848"/>
+              <a:gd name="connsiteX0" fmla="*/ 742871 w 890105"/>
+              <a:gd name="connsiteY0" fmla="*/ 0 h 3564992"/>
+              <a:gd name="connsiteX1" fmla="*/ 122939 w 890105"/>
+              <a:gd name="connsiteY1" fmla="*/ 604434 h 3564992"/>
+              <a:gd name="connsiteX2" fmla="*/ 22200 w 890105"/>
+              <a:gd name="connsiteY2" fmla="*/ 2417736 h 3564992"/>
+              <a:gd name="connsiteX3" fmla="*/ 890105 w 890105"/>
+              <a:gd name="connsiteY3" fmla="*/ 3564610 h 3564992"/>
+              <a:gd name="connsiteX0" fmla="*/ 742871 w 890105"/>
+              <a:gd name="connsiteY0" fmla="*/ 0 h 3564610"/>
+              <a:gd name="connsiteX1" fmla="*/ 122939 w 890105"/>
+              <a:gd name="connsiteY1" fmla="*/ 604434 h 3564610"/>
+              <a:gd name="connsiteX2" fmla="*/ 22200 w 890105"/>
+              <a:gd name="connsiteY2" fmla="*/ 2417736 h 3564610"/>
+              <a:gd name="connsiteX3" fmla="*/ 890105 w 890105"/>
+              <a:gd name="connsiteY3" fmla="*/ 3564610 h 3564610"/>
+              <a:gd name="connsiteX0" fmla="*/ 742871 w 890105"/>
+              <a:gd name="connsiteY0" fmla="*/ 0 h 3564610"/>
+              <a:gd name="connsiteX1" fmla="*/ 122939 w 890105"/>
+              <a:gd name="connsiteY1" fmla="*/ 604434 h 3564610"/>
+              <a:gd name="connsiteX2" fmla="*/ 22200 w 890105"/>
+              <a:gd name="connsiteY2" fmla="*/ 2417736 h 3564610"/>
+              <a:gd name="connsiteX3" fmla="*/ 890105 w 890105"/>
+              <a:gd name="connsiteY3" fmla="*/ 3564610 h 3564610"/>
+              <a:gd name="connsiteX0" fmla="*/ 721409 w 868643"/>
+              <a:gd name="connsiteY0" fmla="*/ 0 h 3564610"/>
+              <a:gd name="connsiteX1" fmla="*/ 738 w 868643"/>
+              <a:gd name="connsiteY1" fmla="*/ 2417736 h 3564610"/>
+              <a:gd name="connsiteX2" fmla="*/ 868643 w 868643"/>
+              <a:gd name="connsiteY2" fmla="*/ 3564610 h 3564610"/>
+              <a:gd name="connsiteX0" fmla="*/ 729937 w 877171"/>
+              <a:gd name="connsiteY0" fmla="*/ 0 h 3564610"/>
+              <a:gd name="connsiteX1" fmla="*/ 9266 w 877171"/>
+              <a:gd name="connsiteY1" fmla="*/ 2417736 h 3564610"/>
+              <a:gd name="connsiteX2" fmla="*/ 877171 w 877171"/>
+              <a:gd name="connsiteY2" fmla="*/ 3564610 h 3564610"/>
+              <a:gd name="connsiteX0" fmla="*/ 744174 w 875910"/>
+              <a:gd name="connsiteY0" fmla="*/ 0 h 3332136"/>
+              <a:gd name="connsiteX1" fmla="*/ 8005 w 875910"/>
+              <a:gd name="connsiteY1" fmla="*/ 2185262 h 3332136"/>
+              <a:gd name="connsiteX2" fmla="*/ 875910 w 875910"/>
+              <a:gd name="connsiteY2" fmla="*/ 3332136 h 3332136"/>
+              <a:gd name="connsiteX0" fmla="*/ 744174 w 875910"/>
+              <a:gd name="connsiteY0" fmla="*/ 0 h 3332136"/>
+              <a:gd name="connsiteX1" fmla="*/ 8005 w 875910"/>
+              <a:gd name="connsiteY1" fmla="*/ 2185262 h 3332136"/>
+              <a:gd name="connsiteX2" fmla="*/ 875910 w 875910"/>
+              <a:gd name="connsiteY2" fmla="*/ 3332136 h 3332136"/>
+              <a:gd name="connsiteX0" fmla="*/ 744174 w 899158"/>
+              <a:gd name="connsiteY0" fmla="*/ 0 h 3394130"/>
+              <a:gd name="connsiteX1" fmla="*/ 8005 w 899158"/>
+              <a:gd name="connsiteY1" fmla="*/ 2185262 h 3394130"/>
+              <a:gd name="connsiteX2" fmla="*/ 899158 w 899158"/>
+              <a:gd name="connsiteY2" fmla="*/ 3394130 h 3394130"/>
+              <a:gd name="connsiteX0" fmla="*/ 744174 w 899158"/>
+              <a:gd name="connsiteY0" fmla="*/ 0 h 3394130"/>
+              <a:gd name="connsiteX1" fmla="*/ 8005 w 899158"/>
+              <a:gd name="connsiteY1" fmla="*/ 2185262 h 3394130"/>
+              <a:gd name="connsiteX2" fmla="*/ 899158 w 899158"/>
+              <a:gd name="connsiteY2" fmla="*/ 3394130 h 3394130"/>
+            </a:gdLst>
+            <a:ahLst/>
+            <a:cxnLst>
+              <a:cxn ang="0">
+                <a:pos x="connsiteX0" y="connsiteY0"/>
+              </a:cxn>
+              <a:cxn ang="0">
+                <a:pos x="connsiteX1" y="connsiteY1"/>
+              </a:cxn>
+              <a:cxn ang="0">
+                <a:pos x="connsiteX2" y="connsiteY2"/>
+              </a:cxn>
+            </a:cxnLst>
+            <a:rect l="l" t="t" r="r" b="b"/>
+            <a:pathLst>
+              <a:path w="899158" h="3394130">
+                <a:moveTo>
+                  <a:pt x="744174" y="0"/>
+                </a:moveTo>
+                <a:cubicBezTo>
+                  <a:pt x="-33647" y="1030638"/>
+                  <a:pt x="-16534" y="1591160"/>
+                  <a:pt x="8005" y="2185262"/>
+                </a:cubicBezTo>
+                <a:cubicBezTo>
+                  <a:pt x="108744" y="2890435"/>
+                  <a:pt x="263727" y="2882686"/>
+                  <a:pt x="899158" y="3394130"/>
+                </a:cubicBezTo>
+              </a:path>
+            </a:pathLst>
+          </a:custGeom>
+          <a:noFill/>
+          <a:ln w="25400" cap="flat">
+            <a:solidFill>
+              <a:schemeClr val="accent1"/>
+            </a:solidFill>
+            <a:prstDash val="solid"/>
+            <a:round/>
+            <a:tailEnd type="triangle"/>
+          </a:ln>
+          <a:effectLst/>
+          <a:sp3d/>
+        </p:spPr>
+        <p:style>
+          <a:lnRef idx="0">
+            <a:scrgbClr r="0" g="0" b="0"/>
+          </a:lnRef>
+          <a:fillRef idx="0">
+            <a:scrgbClr r="0" g="0" b="0"/>
+          </a:fillRef>
+          <a:effectRef idx="0">
+            <a:scrgbClr r="0" g="0" b="0"/>
+          </a:effectRef>
+          <a:fontRef idx="none"/>
+        </p:style>
+        <p:txBody>
+          <a:bodyPr rot="0" spcFirstLastPara="1" vertOverflow="overflow" horzOverflow="overflow" vert="horz" wrap="square" lIns="91439" tIns="45719" rIns="91439" bIns="45719" numCol="1" spcCol="38100" rtlCol="0" anchor="t">
+            <a:noAutofit/>
+          </a:bodyPr>
+          <a:lstStyle/>
+          <a:p>
+            <a:pPr marL="0" marR="0" indent="0" algn="l" defTabSz="914400" rtl="0" fontAlgn="auto" latinLnBrk="1" hangingPunct="0">
+              <a:lnSpc>
+                <a:spcPct val="100000"/>
+              </a:lnSpc>
+              <a:spcBef>
+                <a:spcPts val="0"/>
+              </a:spcBef>
+              <a:spcAft>
+                <a:spcPts val="0"/>
+              </a:spcAft>
+              <a:buClrTx/>
+              <a:buSzTx/>
+              <a:buFontTx/>
+              <a:buNone/>
+              <a:tabLst/>
+            </a:pPr>
+            <a:endParaRPr kumimoji="0" lang="en-US" sz="1800" b="0" i="0" u="none" strike="noStrike" cap="none" spc="0" normalizeH="0" baseline="0">
+              <a:ln>
+                <a:noFill/>
+              </a:ln>
+              <a:solidFill>
+                <a:srgbClr val="000000"/>
+              </a:solidFill>
+              <a:effectLst/>
+              <a:uFillTx/>
+            </a:endParaRPr>
+          </a:p>
+        </p:txBody>
+      </p:sp>
+      <p:sp>
+        <p:nvSpPr>
+          <p:cNvPr id="27" name="Freeform 26">
+            <a:extLst>
+              <a:ext uri="{FF2B5EF4-FFF2-40B4-BE49-F238E27FC236}">
+                <a16:creationId xmlns:a16="http://schemas.microsoft.com/office/drawing/2014/main" id="{6B59F22E-F3D7-EFD2-C1DE-02AFB268D355}"/>
+              </a:ext>
+            </a:extLst>
+          </p:cNvPr>
+          <p:cNvSpPr/>
+          <p:nvPr/>
+        </p:nvSpPr>
+        <p:spPr>
+          <a:xfrm>
+            <a:off x="194663" y="3907170"/>
+            <a:ext cx="495653" cy="3394130"/>
+          </a:xfrm>
+          <a:custGeom>
+            <a:avLst/>
+            <a:gdLst>
+              <a:gd name="connsiteX0" fmla="*/ 636851 w 2140187"/>
+              <a:gd name="connsiteY0" fmla="*/ 0 h 3904754"/>
+              <a:gd name="connsiteX1" fmla="*/ 1421 w 2140187"/>
+              <a:gd name="connsiteY1" fmla="*/ 2131017 h 3904754"/>
+              <a:gd name="connsiteX2" fmla="*/ 791834 w 2140187"/>
+              <a:gd name="connsiteY2" fmla="*/ 3634353 h 3904754"/>
+              <a:gd name="connsiteX3" fmla="*/ 2140187 w 2140187"/>
+              <a:gd name="connsiteY3" fmla="*/ 3897824 h 3904754"/>
+              <a:gd name="connsiteX0" fmla="*/ 650148 w 2153484"/>
+              <a:gd name="connsiteY0" fmla="*/ 0 h 3904754"/>
+              <a:gd name="connsiteX1" fmla="*/ 316935 w 2153484"/>
+              <a:gd name="connsiteY1" fmla="*/ 805912 h 3904754"/>
+              <a:gd name="connsiteX2" fmla="*/ 14718 w 2153484"/>
+              <a:gd name="connsiteY2" fmla="*/ 2131017 h 3904754"/>
+              <a:gd name="connsiteX3" fmla="*/ 805131 w 2153484"/>
+              <a:gd name="connsiteY3" fmla="*/ 3634353 h 3904754"/>
+              <a:gd name="connsiteX4" fmla="*/ 2153484 w 2153484"/>
+              <a:gd name="connsiteY4" fmla="*/ 3897824 h 3904754"/>
+              <a:gd name="connsiteX0" fmla="*/ 716982 w 2220318"/>
+              <a:gd name="connsiteY0" fmla="*/ 0 h 3904754"/>
+              <a:gd name="connsiteX1" fmla="*/ 97050 w 2220318"/>
+              <a:gd name="connsiteY1" fmla="*/ 604434 h 3904754"/>
+              <a:gd name="connsiteX2" fmla="*/ 81552 w 2220318"/>
+              <a:gd name="connsiteY2" fmla="*/ 2131017 h 3904754"/>
+              <a:gd name="connsiteX3" fmla="*/ 871965 w 2220318"/>
+              <a:gd name="connsiteY3" fmla="*/ 3634353 h 3904754"/>
+              <a:gd name="connsiteX4" fmla="*/ 2220318 w 2220318"/>
+              <a:gd name="connsiteY4" fmla="*/ 3897824 h 3904754"/>
+              <a:gd name="connsiteX0" fmla="*/ 742027 w 2245363"/>
+              <a:gd name="connsiteY0" fmla="*/ 0 h 3898257"/>
+              <a:gd name="connsiteX1" fmla="*/ 122095 w 2245363"/>
+              <a:gd name="connsiteY1" fmla="*/ 604434 h 3898257"/>
+              <a:gd name="connsiteX2" fmla="*/ 106597 w 2245363"/>
+              <a:gd name="connsiteY2" fmla="*/ 2131017 h 3898257"/>
+              <a:gd name="connsiteX3" fmla="*/ 176339 w 2245363"/>
+              <a:gd name="connsiteY3" fmla="*/ 3215899 h 3898257"/>
+              <a:gd name="connsiteX4" fmla="*/ 2245363 w 2245363"/>
+              <a:gd name="connsiteY4" fmla="*/ 3897824 h 3898257"/>
+              <a:gd name="connsiteX0" fmla="*/ 742027 w 920258"/>
+              <a:gd name="connsiteY0" fmla="*/ 0 h 3704902"/>
+              <a:gd name="connsiteX1" fmla="*/ 122095 w 920258"/>
+              <a:gd name="connsiteY1" fmla="*/ 604434 h 3704902"/>
+              <a:gd name="connsiteX2" fmla="*/ 106597 w 920258"/>
+              <a:gd name="connsiteY2" fmla="*/ 2131017 h 3704902"/>
+              <a:gd name="connsiteX3" fmla="*/ 176339 w 920258"/>
+              <a:gd name="connsiteY3" fmla="*/ 3215899 h 3704902"/>
+              <a:gd name="connsiteX4" fmla="*/ 920258 w 920258"/>
+              <a:gd name="connsiteY4" fmla="*/ 3704095 h 3704902"/>
+              <a:gd name="connsiteX0" fmla="*/ 776563 w 954794"/>
+              <a:gd name="connsiteY0" fmla="*/ 0 h 3724806"/>
+              <a:gd name="connsiteX1" fmla="*/ 156631 w 954794"/>
+              <a:gd name="connsiteY1" fmla="*/ 604434 h 3724806"/>
+              <a:gd name="connsiteX2" fmla="*/ 141133 w 954794"/>
+              <a:gd name="connsiteY2" fmla="*/ 2131017 h 3724806"/>
+              <a:gd name="connsiteX3" fmla="*/ 164380 w 954794"/>
+              <a:gd name="connsiteY3" fmla="*/ 3502618 h 3724806"/>
+              <a:gd name="connsiteX4" fmla="*/ 954794 w 954794"/>
+              <a:gd name="connsiteY4" fmla="*/ 3704095 h 3724806"/>
+              <a:gd name="connsiteX0" fmla="*/ 704300 w 882531"/>
+              <a:gd name="connsiteY0" fmla="*/ 0 h 3724806"/>
+              <a:gd name="connsiteX1" fmla="*/ 84368 w 882531"/>
+              <a:gd name="connsiteY1" fmla="*/ 604434 h 3724806"/>
+              <a:gd name="connsiteX2" fmla="*/ 92117 w 882531"/>
+              <a:gd name="connsiteY2" fmla="*/ 3502618 h 3724806"/>
+              <a:gd name="connsiteX3" fmla="*/ 882531 w 882531"/>
+              <a:gd name="connsiteY3" fmla="*/ 3704095 h 3724806"/>
+              <a:gd name="connsiteX0" fmla="*/ 704300 w 836036"/>
+              <a:gd name="connsiteY0" fmla="*/ 0 h 3786830"/>
+              <a:gd name="connsiteX1" fmla="*/ 84368 w 836036"/>
+              <a:gd name="connsiteY1" fmla="*/ 604434 h 3786830"/>
+              <a:gd name="connsiteX2" fmla="*/ 92117 w 836036"/>
+              <a:gd name="connsiteY2" fmla="*/ 3502618 h 3786830"/>
+              <a:gd name="connsiteX3" fmla="*/ 836036 w 836036"/>
+              <a:gd name="connsiteY3" fmla="*/ 3781586 h 3786830"/>
+              <a:gd name="connsiteX0" fmla="*/ 776861 w 908597"/>
+              <a:gd name="connsiteY0" fmla="*/ 0 h 3781750"/>
+              <a:gd name="connsiteX1" fmla="*/ 156929 w 908597"/>
+              <a:gd name="connsiteY1" fmla="*/ 604434 h 3781750"/>
+              <a:gd name="connsiteX2" fmla="*/ 56190 w 908597"/>
+              <a:gd name="connsiteY2" fmla="*/ 2417736 h 3781750"/>
+              <a:gd name="connsiteX3" fmla="*/ 908597 w 908597"/>
+              <a:gd name="connsiteY3" fmla="*/ 3781586 h 3781750"/>
+              <a:gd name="connsiteX0" fmla="*/ 776861 w 908597"/>
+              <a:gd name="connsiteY0" fmla="*/ 0 h 3781848"/>
+              <a:gd name="connsiteX1" fmla="*/ 156929 w 908597"/>
+              <a:gd name="connsiteY1" fmla="*/ 604434 h 3781848"/>
+              <a:gd name="connsiteX2" fmla="*/ 56190 w 908597"/>
+              <a:gd name="connsiteY2" fmla="*/ 2417736 h 3781848"/>
+              <a:gd name="connsiteX3" fmla="*/ 908597 w 908597"/>
+              <a:gd name="connsiteY3" fmla="*/ 3781586 h 3781848"/>
+              <a:gd name="connsiteX0" fmla="*/ 742871 w 874607"/>
+              <a:gd name="connsiteY0" fmla="*/ 0 h 3781848"/>
+              <a:gd name="connsiteX1" fmla="*/ 122939 w 874607"/>
+              <a:gd name="connsiteY1" fmla="*/ 604434 h 3781848"/>
+              <a:gd name="connsiteX2" fmla="*/ 22200 w 874607"/>
+              <a:gd name="connsiteY2" fmla="*/ 2417736 h 3781848"/>
+              <a:gd name="connsiteX3" fmla="*/ 874607 w 874607"/>
+              <a:gd name="connsiteY3" fmla="*/ 3781586 h 3781848"/>
+              <a:gd name="connsiteX0" fmla="*/ 742871 w 890105"/>
+              <a:gd name="connsiteY0" fmla="*/ 0 h 3564992"/>
+              <a:gd name="connsiteX1" fmla="*/ 122939 w 890105"/>
+              <a:gd name="connsiteY1" fmla="*/ 604434 h 3564992"/>
+              <a:gd name="connsiteX2" fmla="*/ 22200 w 890105"/>
+              <a:gd name="connsiteY2" fmla="*/ 2417736 h 3564992"/>
+              <a:gd name="connsiteX3" fmla="*/ 890105 w 890105"/>
+              <a:gd name="connsiteY3" fmla="*/ 3564610 h 3564992"/>
+              <a:gd name="connsiteX0" fmla="*/ 742871 w 890105"/>
+              <a:gd name="connsiteY0" fmla="*/ 0 h 3564610"/>
+              <a:gd name="connsiteX1" fmla="*/ 122939 w 890105"/>
+              <a:gd name="connsiteY1" fmla="*/ 604434 h 3564610"/>
+              <a:gd name="connsiteX2" fmla="*/ 22200 w 890105"/>
+              <a:gd name="connsiteY2" fmla="*/ 2417736 h 3564610"/>
+              <a:gd name="connsiteX3" fmla="*/ 890105 w 890105"/>
+              <a:gd name="connsiteY3" fmla="*/ 3564610 h 3564610"/>
+              <a:gd name="connsiteX0" fmla="*/ 742871 w 890105"/>
+              <a:gd name="connsiteY0" fmla="*/ 0 h 3564610"/>
+              <a:gd name="connsiteX1" fmla="*/ 122939 w 890105"/>
+              <a:gd name="connsiteY1" fmla="*/ 604434 h 3564610"/>
+              <a:gd name="connsiteX2" fmla="*/ 22200 w 890105"/>
+              <a:gd name="connsiteY2" fmla="*/ 2417736 h 3564610"/>
+              <a:gd name="connsiteX3" fmla="*/ 890105 w 890105"/>
+              <a:gd name="connsiteY3" fmla="*/ 3564610 h 3564610"/>
+              <a:gd name="connsiteX0" fmla="*/ 721409 w 868643"/>
+              <a:gd name="connsiteY0" fmla="*/ 0 h 3564610"/>
+              <a:gd name="connsiteX1" fmla="*/ 738 w 868643"/>
+              <a:gd name="connsiteY1" fmla="*/ 2417736 h 3564610"/>
+              <a:gd name="connsiteX2" fmla="*/ 868643 w 868643"/>
+              <a:gd name="connsiteY2" fmla="*/ 3564610 h 3564610"/>
+              <a:gd name="connsiteX0" fmla="*/ 729937 w 877171"/>
+              <a:gd name="connsiteY0" fmla="*/ 0 h 3564610"/>
+              <a:gd name="connsiteX1" fmla="*/ 9266 w 877171"/>
+              <a:gd name="connsiteY1" fmla="*/ 2417736 h 3564610"/>
+              <a:gd name="connsiteX2" fmla="*/ 877171 w 877171"/>
+              <a:gd name="connsiteY2" fmla="*/ 3564610 h 3564610"/>
+              <a:gd name="connsiteX0" fmla="*/ 744174 w 875910"/>
+              <a:gd name="connsiteY0" fmla="*/ 0 h 3332136"/>
+              <a:gd name="connsiteX1" fmla="*/ 8005 w 875910"/>
+              <a:gd name="connsiteY1" fmla="*/ 2185262 h 3332136"/>
+              <a:gd name="connsiteX2" fmla="*/ 875910 w 875910"/>
+              <a:gd name="connsiteY2" fmla="*/ 3332136 h 3332136"/>
+              <a:gd name="connsiteX0" fmla="*/ 744174 w 875910"/>
+              <a:gd name="connsiteY0" fmla="*/ 0 h 3332136"/>
+              <a:gd name="connsiteX1" fmla="*/ 8005 w 875910"/>
+              <a:gd name="connsiteY1" fmla="*/ 2185262 h 3332136"/>
+              <a:gd name="connsiteX2" fmla="*/ 875910 w 875910"/>
+              <a:gd name="connsiteY2" fmla="*/ 3332136 h 3332136"/>
+              <a:gd name="connsiteX0" fmla="*/ 744174 w 899158"/>
+              <a:gd name="connsiteY0" fmla="*/ 0 h 3394130"/>
+              <a:gd name="connsiteX1" fmla="*/ 8005 w 899158"/>
+              <a:gd name="connsiteY1" fmla="*/ 2185262 h 3394130"/>
+              <a:gd name="connsiteX2" fmla="*/ 899158 w 899158"/>
+              <a:gd name="connsiteY2" fmla="*/ 3394130 h 3394130"/>
+              <a:gd name="connsiteX0" fmla="*/ 744174 w 899158"/>
+              <a:gd name="connsiteY0" fmla="*/ 0 h 3394130"/>
+              <a:gd name="connsiteX1" fmla="*/ 8005 w 899158"/>
+              <a:gd name="connsiteY1" fmla="*/ 2185262 h 3394130"/>
+              <a:gd name="connsiteX2" fmla="*/ 899158 w 899158"/>
+              <a:gd name="connsiteY2" fmla="*/ 3394130 h 3394130"/>
+            </a:gdLst>
+            <a:ahLst/>
+            <a:cxnLst>
+              <a:cxn ang="0">
+                <a:pos x="connsiteX0" y="connsiteY0"/>
+              </a:cxn>
+              <a:cxn ang="0">
+                <a:pos x="connsiteX1" y="connsiteY1"/>
+              </a:cxn>
+              <a:cxn ang="0">
+                <a:pos x="connsiteX2" y="connsiteY2"/>
+              </a:cxn>
+            </a:cxnLst>
+            <a:rect l="l" t="t" r="r" b="b"/>
+            <a:pathLst>
+              <a:path w="899158" h="3394130">
+                <a:moveTo>
+                  <a:pt x="744174" y="0"/>
+                </a:moveTo>
+                <a:cubicBezTo>
+                  <a:pt x="-33647" y="1030638"/>
+                  <a:pt x="-16534" y="1591160"/>
+                  <a:pt x="8005" y="2185262"/>
+                </a:cubicBezTo>
+                <a:cubicBezTo>
+                  <a:pt x="108744" y="2890435"/>
+                  <a:pt x="263727" y="2882686"/>
+                  <a:pt x="899158" y="3394130"/>
+                </a:cubicBezTo>
+              </a:path>
+            </a:pathLst>
+          </a:custGeom>
+          <a:noFill/>
+          <a:ln w="25400" cap="flat">
+            <a:solidFill>
+              <a:schemeClr val="accent2"/>
+            </a:solidFill>
+            <a:prstDash val="solid"/>
+            <a:round/>
+            <a:tailEnd type="triangle"/>
+          </a:ln>
+          <a:effectLst/>
+          <a:sp3d/>
+        </p:spPr>
+        <p:style>
+          <a:lnRef idx="0">
+            <a:scrgbClr r="0" g="0" b="0"/>
+          </a:lnRef>
+          <a:fillRef idx="0">
+            <a:scrgbClr r="0" g="0" b="0"/>
+          </a:fillRef>
+          <a:effectRef idx="0">
+            <a:scrgbClr r="0" g="0" b="0"/>
+          </a:effectRef>
+          <a:fontRef idx="none"/>
+        </p:style>
+        <p:txBody>
+          <a:bodyPr rot="0" spcFirstLastPara="1" vertOverflow="overflow" horzOverflow="overflow" vert="horz" wrap="square" lIns="91439" tIns="45719" rIns="91439" bIns="45719" numCol="1" spcCol="38100" rtlCol="0" anchor="t">
+            <a:noAutofit/>
+          </a:bodyPr>
+          <a:lstStyle/>
+          <a:p>
+            <a:pPr marL="0" marR="0" indent="0" algn="l" defTabSz="914400" rtl="0" fontAlgn="auto" latinLnBrk="1" hangingPunct="0">
+              <a:lnSpc>
+                <a:spcPct val="100000"/>
+              </a:lnSpc>
+              <a:spcBef>
+                <a:spcPts val="0"/>
+              </a:spcBef>
+              <a:spcAft>
+                <a:spcPts val="0"/>
+              </a:spcAft>
+              <a:buClrTx/>
+              <a:buSzTx/>
+              <a:buFontTx/>
+              <a:buNone/>
+              <a:tabLst/>
+            </a:pPr>
+            <a:endParaRPr kumimoji="0" lang="en-US" sz="1800" b="0" i="0" u="none" strike="noStrike" cap="none" spc="0" normalizeH="0" baseline="0">
+              <a:ln>
+                <a:noFill/>
+              </a:ln>
+              <a:solidFill>
+                <a:srgbClr val="000000"/>
+              </a:solidFill>
+              <a:effectLst/>
+              <a:uFillTx/>
+            </a:endParaRPr>
+          </a:p>
+        </p:txBody>
+      </p:sp>
+      <p:sp>
+        <p:nvSpPr>
+          <p:cNvPr id="28" name="Freeform 27">
+            <a:extLst>
+              <a:ext uri="{FF2B5EF4-FFF2-40B4-BE49-F238E27FC236}">
+                <a16:creationId xmlns:a16="http://schemas.microsoft.com/office/drawing/2014/main" id="{2EA6693D-5821-79FE-34AE-ECCBCD91FD4A}"/>
+              </a:ext>
+            </a:extLst>
+          </p:cNvPr>
+          <p:cNvSpPr/>
+          <p:nvPr/>
+        </p:nvSpPr>
+        <p:spPr>
+          <a:xfrm>
+            <a:off x="170216" y="4299793"/>
+            <a:ext cx="540479" cy="3564611"/>
+          </a:xfrm>
+          <a:custGeom>
+            <a:avLst/>
+            <a:gdLst>
+              <a:gd name="connsiteX0" fmla="*/ 636851 w 2140187"/>
+              <a:gd name="connsiteY0" fmla="*/ 0 h 3904754"/>
+              <a:gd name="connsiteX1" fmla="*/ 1421 w 2140187"/>
+              <a:gd name="connsiteY1" fmla="*/ 2131017 h 3904754"/>
+              <a:gd name="connsiteX2" fmla="*/ 791834 w 2140187"/>
+              <a:gd name="connsiteY2" fmla="*/ 3634353 h 3904754"/>
+              <a:gd name="connsiteX3" fmla="*/ 2140187 w 2140187"/>
+              <a:gd name="connsiteY3" fmla="*/ 3897824 h 3904754"/>
+              <a:gd name="connsiteX0" fmla="*/ 650148 w 2153484"/>
+              <a:gd name="connsiteY0" fmla="*/ 0 h 3904754"/>
+              <a:gd name="connsiteX1" fmla="*/ 316935 w 2153484"/>
+              <a:gd name="connsiteY1" fmla="*/ 805912 h 3904754"/>
+              <a:gd name="connsiteX2" fmla="*/ 14718 w 2153484"/>
+              <a:gd name="connsiteY2" fmla="*/ 2131017 h 3904754"/>
+              <a:gd name="connsiteX3" fmla="*/ 805131 w 2153484"/>
+              <a:gd name="connsiteY3" fmla="*/ 3634353 h 3904754"/>
+              <a:gd name="connsiteX4" fmla="*/ 2153484 w 2153484"/>
+              <a:gd name="connsiteY4" fmla="*/ 3897824 h 3904754"/>
+              <a:gd name="connsiteX0" fmla="*/ 716982 w 2220318"/>
+              <a:gd name="connsiteY0" fmla="*/ 0 h 3904754"/>
+              <a:gd name="connsiteX1" fmla="*/ 97050 w 2220318"/>
+              <a:gd name="connsiteY1" fmla="*/ 604434 h 3904754"/>
+              <a:gd name="connsiteX2" fmla="*/ 81552 w 2220318"/>
+              <a:gd name="connsiteY2" fmla="*/ 2131017 h 3904754"/>
+              <a:gd name="connsiteX3" fmla="*/ 871965 w 2220318"/>
+              <a:gd name="connsiteY3" fmla="*/ 3634353 h 3904754"/>
+              <a:gd name="connsiteX4" fmla="*/ 2220318 w 2220318"/>
+              <a:gd name="connsiteY4" fmla="*/ 3897824 h 3904754"/>
+              <a:gd name="connsiteX0" fmla="*/ 742027 w 2245363"/>
+              <a:gd name="connsiteY0" fmla="*/ 0 h 3898257"/>
+              <a:gd name="connsiteX1" fmla="*/ 122095 w 2245363"/>
+              <a:gd name="connsiteY1" fmla="*/ 604434 h 3898257"/>
+              <a:gd name="connsiteX2" fmla="*/ 106597 w 2245363"/>
+              <a:gd name="connsiteY2" fmla="*/ 2131017 h 3898257"/>
+              <a:gd name="connsiteX3" fmla="*/ 176339 w 2245363"/>
+              <a:gd name="connsiteY3" fmla="*/ 3215899 h 3898257"/>
+              <a:gd name="connsiteX4" fmla="*/ 2245363 w 2245363"/>
+              <a:gd name="connsiteY4" fmla="*/ 3897824 h 3898257"/>
+              <a:gd name="connsiteX0" fmla="*/ 742027 w 920258"/>
+              <a:gd name="connsiteY0" fmla="*/ 0 h 3704902"/>
+              <a:gd name="connsiteX1" fmla="*/ 122095 w 920258"/>
+              <a:gd name="connsiteY1" fmla="*/ 604434 h 3704902"/>
+              <a:gd name="connsiteX2" fmla="*/ 106597 w 920258"/>
+              <a:gd name="connsiteY2" fmla="*/ 2131017 h 3704902"/>
+              <a:gd name="connsiteX3" fmla="*/ 176339 w 920258"/>
+              <a:gd name="connsiteY3" fmla="*/ 3215899 h 3704902"/>
+              <a:gd name="connsiteX4" fmla="*/ 920258 w 920258"/>
+              <a:gd name="connsiteY4" fmla="*/ 3704095 h 3704902"/>
+              <a:gd name="connsiteX0" fmla="*/ 776563 w 954794"/>
+              <a:gd name="connsiteY0" fmla="*/ 0 h 3724806"/>
+              <a:gd name="connsiteX1" fmla="*/ 156631 w 954794"/>
+              <a:gd name="connsiteY1" fmla="*/ 604434 h 3724806"/>
+              <a:gd name="connsiteX2" fmla="*/ 141133 w 954794"/>
+              <a:gd name="connsiteY2" fmla="*/ 2131017 h 3724806"/>
+              <a:gd name="connsiteX3" fmla="*/ 164380 w 954794"/>
+              <a:gd name="connsiteY3" fmla="*/ 3502618 h 3724806"/>
+              <a:gd name="connsiteX4" fmla="*/ 954794 w 954794"/>
+              <a:gd name="connsiteY4" fmla="*/ 3704095 h 3724806"/>
+              <a:gd name="connsiteX0" fmla="*/ 704300 w 882531"/>
+              <a:gd name="connsiteY0" fmla="*/ 0 h 3724806"/>
+              <a:gd name="connsiteX1" fmla="*/ 84368 w 882531"/>
+              <a:gd name="connsiteY1" fmla="*/ 604434 h 3724806"/>
+              <a:gd name="connsiteX2" fmla="*/ 92117 w 882531"/>
+              <a:gd name="connsiteY2" fmla="*/ 3502618 h 3724806"/>
+              <a:gd name="connsiteX3" fmla="*/ 882531 w 882531"/>
+              <a:gd name="connsiteY3" fmla="*/ 3704095 h 3724806"/>
+              <a:gd name="connsiteX0" fmla="*/ 704300 w 836036"/>
+              <a:gd name="connsiteY0" fmla="*/ 0 h 3786830"/>
+              <a:gd name="connsiteX1" fmla="*/ 84368 w 836036"/>
+              <a:gd name="connsiteY1" fmla="*/ 604434 h 3786830"/>
+              <a:gd name="connsiteX2" fmla="*/ 92117 w 836036"/>
+              <a:gd name="connsiteY2" fmla="*/ 3502618 h 3786830"/>
+              <a:gd name="connsiteX3" fmla="*/ 836036 w 836036"/>
+              <a:gd name="connsiteY3" fmla="*/ 3781586 h 3786830"/>
+              <a:gd name="connsiteX0" fmla="*/ 776861 w 908597"/>
+              <a:gd name="connsiteY0" fmla="*/ 0 h 3781750"/>
+              <a:gd name="connsiteX1" fmla="*/ 156929 w 908597"/>
+              <a:gd name="connsiteY1" fmla="*/ 604434 h 3781750"/>
+              <a:gd name="connsiteX2" fmla="*/ 56190 w 908597"/>
+              <a:gd name="connsiteY2" fmla="*/ 2417736 h 3781750"/>
+              <a:gd name="connsiteX3" fmla="*/ 908597 w 908597"/>
+              <a:gd name="connsiteY3" fmla="*/ 3781586 h 3781750"/>
+              <a:gd name="connsiteX0" fmla="*/ 776861 w 908597"/>
+              <a:gd name="connsiteY0" fmla="*/ 0 h 3781848"/>
+              <a:gd name="connsiteX1" fmla="*/ 156929 w 908597"/>
+              <a:gd name="connsiteY1" fmla="*/ 604434 h 3781848"/>
+              <a:gd name="connsiteX2" fmla="*/ 56190 w 908597"/>
+              <a:gd name="connsiteY2" fmla="*/ 2417736 h 3781848"/>
+              <a:gd name="connsiteX3" fmla="*/ 908597 w 908597"/>
+              <a:gd name="connsiteY3" fmla="*/ 3781586 h 3781848"/>
+              <a:gd name="connsiteX0" fmla="*/ 742871 w 874607"/>
+              <a:gd name="connsiteY0" fmla="*/ 0 h 3781848"/>
+              <a:gd name="connsiteX1" fmla="*/ 122939 w 874607"/>
+              <a:gd name="connsiteY1" fmla="*/ 604434 h 3781848"/>
+              <a:gd name="connsiteX2" fmla="*/ 22200 w 874607"/>
+              <a:gd name="connsiteY2" fmla="*/ 2417736 h 3781848"/>
+              <a:gd name="connsiteX3" fmla="*/ 874607 w 874607"/>
+              <a:gd name="connsiteY3" fmla="*/ 3781586 h 3781848"/>
+              <a:gd name="connsiteX0" fmla="*/ 742871 w 890105"/>
+              <a:gd name="connsiteY0" fmla="*/ 0 h 3564992"/>
+              <a:gd name="connsiteX1" fmla="*/ 122939 w 890105"/>
+              <a:gd name="connsiteY1" fmla="*/ 604434 h 3564992"/>
+              <a:gd name="connsiteX2" fmla="*/ 22200 w 890105"/>
+              <a:gd name="connsiteY2" fmla="*/ 2417736 h 3564992"/>
+              <a:gd name="connsiteX3" fmla="*/ 890105 w 890105"/>
+              <a:gd name="connsiteY3" fmla="*/ 3564610 h 3564992"/>
+              <a:gd name="connsiteX0" fmla="*/ 742871 w 890105"/>
+              <a:gd name="connsiteY0" fmla="*/ 0 h 3564610"/>
+              <a:gd name="connsiteX1" fmla="*/ 122939 w 890105"/>
+              <a:gd name="connsiteY1" fmla="*/ 604434 h 3564610"/>
+              <a:gd name="connsiteX2" fmla="*/ 22200 w 890105"/>
+              <a:gd name="connsiteY2" fmla="*/ 2417736 h 3564610"/>
+              <a:gd name="connsiteX3" fmla="*/ 890105 w 890105"/>
+              <a:gd name="connsiteY3" fmla="*/ 3564610 h 3564610"/>
+              <a:gd name="connsiteX0" fmla="*/ 742871 w 890105"/>
+              <a:gd name="connsiteY0" fmla="*/ 0 h 3564610"/>
+              <a:gd name="connsiteX1" fmla="*/ 122939 w 890105"/>
+              <a:gd name="connsiteY1" fmla="*/ 604434 h 3564610"/>
+              <a:gd name="connsiteX2" fmla="*/ 22200 w 890105"/>
+              <a:gd name="connsiteY2" fmla="*/ 2417736 h 3564610"/>
+              <a:gd name="connsiteX3" fmla="*/ 890105 w 890105"/>
+              <a:gd name="connsiteY3" fmla="*/ 3564610 h 3564610"/>
+              <a:gd name="connsiteX0" fmla="*/ 721409 w 868643"/>
+              <a:gd name="connsiteY0" fmla="*/ 0 h 3564610"/>
+              <a:gd name="connsiteX1" fmla="*/ 738 w 868643"/>
+              <a:gd name="connsiteY1" fmla="*/ 2417736 h 3564610"/>
+              <a:gd name="connsiteX2" fmla="*/ 868643 w 868643"/>
+              <a:gd name="connsiteY2" fmla="*/ 3564610 h 3564610"/>
+              <a:gd name="connsiteX0" fmla="*/ 729937 w 877171"/>
+              <a:gd name="connsiteY0" fmla="*/ 0 h 3564610"/>
+              <a:gd name="connsiteX1" fmla="*/ 9266 w 877171"/>
+              <a:gd name="connsiteY1" fmla="*/ 2417736 h 3564610"/>
+              <a:gd name="connsiteX2" fmla="*/ 877171 w 877171"/>
+              <a:gd name="connsiteY2" fmla="*/ 3564610 h 3564610"/>
+              <a:gd name="connsiteX0" fmla="*/ 744174 w 875910"/>
+              <a:gd name="connsiteY0" fmla="*/ 0 h 3332136"/>
+              <a:gd name="connsiteX1" fmla="*/ 8005 w 875910"/>
+              <a:gd name="connsiteY1" fmla="*/ 2185262 h 3332136"/>
+              <a:gd name="connsiteX2" fmla="*/ 875910 w 875910"/>
+              <a:gd name="connsiteY2" fmla="*/ 3332136 h 3332136"/>
+              <a:gd name="connsiteX0" fmla="*/ 744174 w 875910"/>
+              <a:gd name="connsiteY0" fmla="*/ 0 h 3332136"/>
+              <a:gd name="connsiteX1" fmla="*/ 8005 w 875910"/>
+              <a:gd name="connsiteY1" fmla="*/ 2185262 h 3332136"/>
+              <a:gd name="connsiteX2" fmla="*/ 875910 w 875910"/>
+              <a:gd name="connsiteY2" fmla="*/ 3332136 h 3332136"/>
+              <a:gd name="connsiteX0" fmla="*/ 744174 w 899158"/>
+              <a:gd name="connsiteY0" fmla="*/ 0 h 3394130"/>
+              <a:gd name="connsiteX1" fmla="*/ 8005 w 899158"/>
+              <a:gd name="connsiteY1" fmla="*/ 2185262 h 3394130"/>
+              <a:gd name="connsiteX2" fmla="*/ 899158 w 899158"/>
+              <a:gd name="connsiteY2" fmla="*/ 3394130 h 3394130"/>
+              <a:gd name="connsiteX0" fmla="*/ 744174 w 899158"/>
+              <a:gd name="connsiteY0" fmla="*/ 0 h 3394130"/>
+              <a:gd name="connsiteX1" fmla="*/ 8005 w 899158"/>
+              <a:gd name="connsiteY1" fmla="*/ 2185262 h 3394130"/>
+              <a:gd name="connsiteX2" fmla="*/ 899158 w 899158"/>
+              <a:gd name="connsiteY2" fmla="*/ 3394130 h 3394130"/>
+              <a:gd name="connsiteX0" fmla="*/ 737029 w 899762"/>
+              <a:gd name="connsiteY0" fmla="*/ 0 h 3564611"/>
+              <a:gd name="connsiteX1" fmla="*/ 8609 w 899762"/>
+              <a:gd name="connsiteY1" fmla="*/ 2355743 h 3564611"/>
+              <a:gd name="connsiteX2" fmla="*/ 899762 w 899762"/>
+              <a:gd name="connsiteY2" fmla="*/ 3564611 h 3564611"/>
+            </a:gdLst>
+            <a:ahLst/>
+            <a:cxnLst>
+              <a:cxn ang="0">
+                <a:pos x="connsiteX0" y="connsiteY0"/>
+              </a:cxn>
+              <a:cxn ang="0">
+                <a:pos x="connsiteX1" y="connsiteY1"/>
+              </a:cxn>
+              <a:cxn ang="0">
+                <a:pos x="connsiteX2" y="connsiteY2"/>
+              </a:cxn>
+            </a:cxnLst>
+            <a:rect l="l" t="t" r="r" b="b"/>
+            <a:pathLst>
+              <a:path w="899762" h="3564611">
+                <a:moveTo>
+                  <a:pt x="737029" y="0"/>
+                </a:moveTo>
+                <a:cubicBezTo>
+                  <a:pt x="-40792" y="1030638"/>
+                  <a:pt x="-15930" y="1761641"/>
+                  <a:pt x="8609" y="2355743"/>
+                </a:cubicBezTo>
+                <a:cubicBezTo>
+                  <a:pt x="109348" y="3060916"/>
+                  <a:pt x="264331" y="3053167"/>
+                  <a:pt x="899762" y="3564611"/>
+                </a:cubicBezTo>
+              </a:path>
+            </a:pathLst>
+          </a:custGeom>
+          <a:noFill/>
+          <a:ln w="25400" cap="flat">
+            <a:solidFill>
+              <a:schemeClr val="accent4"/>
+            </a:solidFill>
+            <a:prstDash val="solid"/>
+            <a:round/>
+            <a:tailEnd type="triangle"/>
+          </a:ln>
+          <a:effectLst/>
+          <a:sp3d/>
+        </p:spPr>
+        <p:style>
+          <a:lnRef idx="0">
+            <a:scrgbClr r="0" g="0" b="0"/>
+          </a:lnRef>
+          <a:fillRef idx="0">
+            <a:scrgbClr r="0" g="0" b="0"/>
+          </a:fillRef>
+          <a:effectRef idx="0">
+            <a:scrgbClr r="0" g="0" b="0"/>
+          </a:effectRef>
+          <a:fontRef idx="none"/>
+        </p:style>
+        <p:txBody>
+          <a:bodyPr rot="0" spcFirstLastPara="1" vertOverflow="overflow" horzOverflow="overflow" vert="horz" wrap="square" lIns="91439" tIns="45719" rIns="91439" bIns="45719" numCol="1" spcCol="38100" rtlCol="0" anchor="t">
+            <a:noAutofit/>
+          </a:bodyPr>
+          <a:lstStyle/>
+          <a:p>
+            <a:pPr marL="0" marR="0" indent="0" algn="l" defTabSz="914400" rtl="0" fontAlgn="auto" latinLnBrk="1" hangingPunct="0">
+              <a:lnSpc>
+                <a:spcPct val="100000"/>
+              </a:lnSpc>
+              <a:spcBef>
+                <a:spcPts val="0"/>
+              </a:spcBef>
+              <a:spcAft>
+                <a:spcPts val="0"/>
+              </a:spcAft>
+              <a:buClrTx/>
+              <a:buSzTx/>
+              <a:buFontTx/>
+              <a:buNone/>
+              <a:tabLst/>
+            </a:pPr>
+            <a:endParaRPr kumimoji="0" lang="en-US" sz="1800" b="0" i="0" u="none" strike="noStrike" cap="none" spc="0" normalizeH="0" baseline="0">
+              <a:ln>
+                <a:noFill/>
+              </a:ln>
+              <a:solidFill>
+                <a:srgbClr val="000000"/>
+              </a:solidFill>
+              <a:effectLst/>
+              <a:uFillTx/>
+            </a:endParaRPr>
+          </a:p>
+        </p:txBody>
+      </p:sp>
+      <p:sp>
+        <p:nvSpPr>
+          <p:cNvPr id="30" name="Freeform 29">
+            <a:extLst>
+              <a:ext uri="{FF2B5EF4-FFF2-40B4-BE49-F238E27FC236}">
+                <a16:creationId xmlns:a16="http://schemas.microsoft.com/office/drawing/2014/main" id="{A2A40121-5F28-006F-E468-7588E6830B46}"/>
+              </a:ext>
+            </a:extLst>
+          </p:cNvPr>
+          <p:cNvSpPr/>
+          <p:nvPr/>
+        </p:nvSpPr>
+        <p:spPr>
+          <a:xfrm>
+            <a:off x="171936" y="4764743"/>
+            <a:ext cx="537536" cy="3099662"/>
+          </a:xfrm>
+          <a:custGeom>
+            <a:avLst/>
+            <a:gdLst>
+              <a:gd name="connsiteX0" fmla="*/ 636851 w 2140187"/>
+              <a:gd name="connsiteY0" fmla="*/ 0 h 3904754"/>
+              <a:gd name="connsiteX1" fmla="*/ 1421 w 2140187"/>
+              <a:gd name="connsiteY1" fmla="*/ 2131017 h 3904754"/>
+              <a:gd name="connsiteX2" fmla="*/ 791834 w 2140187"/>
+              <a:gd name="connsiteY2" fmla="*/ 3634353 h 3904754"/>
+              <a:gd name="connsiteX3" fmla="*/ 2140187 w 2140187"/>
+              <a:gd name="connsiteY3" fmla="*/ 3897824 h 3904754"/>
+              <a:gd name="connsiteX0" fmla="*/ 650148 w 2153484"/>
+              <a:gd name="connsiteY0" fmla="*/ 0 h 3904754"/>
+              <a:gd name="connsiteX1" fmla="*/ 316935 w 2153484"/>
+              <a:gd name="connsiteY1" fmla="*/ 805912 h 3904754"/>
+              <a:gd name="connsiteX2" fmla="*/ 14718 w 2153484"/>
+              <a:gd name="connsiteY2" fmla="*/ 2131017 h 3904754"/>
+              <a:gd name="connsiteX3" fmla="*/ 805131 w 2153484"/>
+              <a:gd name="connsiteY3" fmla="*/ 3634353 h 3904754"/>
+              <a:gd name="connsiteX4" fmla="*/ 2153484 w 2153484"/>
+              <a:gd name="connsiteY4" fmla="*/ 3897824 h 3904754"/>
+              <a:gd name="connsiteX0" fmla="*/ 716982 w 2220318"/>
+              <a:gd name="connsiteY0" fmla="*/ 0 h 3904754"/>
+              <a:gd name="connsiteX1" fmla="*/ 97050 w 2220318"/>
+              <a:gd name="connsiteY1" fmla="*/ 604434 h 3904754"/>
+              <a:gd name="connsiteX2" fmla="*/ 81552 w 2220318"/>
+              <a:gd name="connsiteY2" fmla="*/ 2131017 h 3904754"/>
+              <a:gd name="connsiteX3" fmla="*/ 871965 w 2220318"/>
+              <a:gd name="connsiteY3" fmla="*/ 3634353 h 3904754"/>
+              <a:gd name="connsiteX4" fmla="*/ 2220318 w 2220318"/>
+              <a:gd name="connsiteY4" fmla="*/ 3897824 h 3904754"/>
+              <a:gd name="connsiteX0" fmla="*/ 742027 w 2245363"/>
+              <a:gd name="connsiteY0" fmla="*/ 0 h 3898257"/>
+              <a:gd name="connsiteX1" fmla="*/ 122095 w 2245363"/>
+              <a:gd name="connsiteY1" fmla="*/ 604434 h 3898257"/>
+              <a:gd name="connsiteX2" fmla="*/ 106597 w 2245363"/>
+              <a:gd name="connsiteY2" fmla="*/ 2131017 h 3898257"/>
+              <a:gd name="connsiteX3" fmla="*/ 176339 w 2245363"/>
+              <a:gd name="connsiteY3" fmla="*/ 3215899 h 3898257"/>
+              <a:gd name="connsiteX4" fmla="*/ 2245363 w 2245363"/>
+              <a:gd name="connsiteY4" fmla="*/ 3897824 h 3898257"/>
+              <a:gd name="connsiteX0" fmla="*/ 742027 w 920258"/>
+              <a:gd name="connsiteY0" fmla="*/ 0 h 3704902"/>
+              <a:gd name="connsiteX1" fmla="*/ 122095 w 920258"/>
+              <a:gd name="connsiteY1" fmla="*/ 604434 h 3704902"/>
+              <a:gd name="connsiteX2" fmla="*/ 106597 w 920258"/>
+              <a:gd name="connsiteY2" fmla="*/ 2131017 h 3704902"/>
+              <a:gd name="connsiteX3" fmla="*/ 176339 w 920258"/>
+              <a:gd name="connsiteY3" fmla="*/ 3215899 h 3704902"/>
+              <a:gd name="connsiteX4" fmla="*/ 920258 w 920258"/>
+              <a:gd name="connsiteY4" fmla="*/ 3704095 h 3704902"/>
+              <a:gd name="connsiteX0" fmla="*/ 776563 w 954794"/>
+              <a:gd name="connsiteY0" fmla="*/ 0 h 3724806"/>
+              <a:gd name="connsiteX1" fmla="*/ 156631 w 954794"/>
+              <a:gd name="connsiteY1" fmla="*/ 604434 h 3724806"/>
+              <a:gd name="connsiteX2" fmla="*/ 141133 w 954794"/>
+              <a:gd name="connsiteY2" fmla="*/ 2131017 h 3724806"/>
+              <a:gd name="connsiteX3" fmla="*/ 164380 w 954794"/>
+              <a:gd name="connsiteY3" fmla="*/ 3502618 h 3724806"/>
+              <a:gd name="connsiteX4" fmla="*/ 954794 w 954794"/>
+              <a:gd name="connsiteY4" fmla="*/ 3704095 h 3724806"/>
+              <a:gd name="connsiteX0" fmla="*/ 704300 w 882531"/>
+              <a:gd name="connsiteY0" fmla="*/ 0 h 3724806"/>
+              <a:gd name="connsiteX1" fmla="*/ 84368 w 882531"/>
+              <a:gd name="connsiteY1" fmla="*/ 604434 h 3724806"/>
+              <a:gd name="connsiteX2" fmla="*/ 92117 w 882531"/>
+              <a:gd name="connsiteY2" fmla="*/ 3502618 h 3724806"/>
+              <a:gd name="connsiteX3" fmla="*/ 882531 w 882531"/>
+              <a:gd name="connsiteY3" fmla="*/ 3704095 h 3724806"/>
+              <a:gd name="connsiteX0" fmla="*/ 704300 w 836036"/>
+              <a:gd name="connsiteY0" fmla="*/ 0 h 3786830"/>
+              <a:gd name="connsiteX1" fmla="*/ 84368 w 836036"/>
+              <a:gd name="connsiteY1" fmla="*/ 604434 h 3786830"/>
+              <a:gd name="connsiteX2" fmla="*/ 92117 w 836036"/>
+              <a:gd name="connsiteY2" fmla="*/ 3502618 h 3786830"/>
+              <a:gd name="connsiteX3" fmla="*/ 836036 w 836036"/>
+              <a:gd name="connsiteY3" fmla="*/ 3781586 h 3786830"/>
+              <a:gd name="connsiteX0" fmla="*/ 776861 w 908597"/>
+              <a:gd name="connsiteY0" fmla="*/ 0 h 3781750"/>
+              <a:gd name="connsiteX1" fmla="*/ 156929 w 908597"/>
+              <a:gd name="connsiteY1" fmla="*/ 604434 h 3781750"/>
+              <a:gd name="connsiteX2" fmla="*/ 56190 w 908597"/>
+              <a:gd name="connsiteY2" fmla="*/ 2417736 h 3781750"/>
+              <a:gd name="connsiteX3" fmla="*/ 908597 w 908597"/>
+              <a:gd name="connsiteY3" fmla="*/ 3781586 h 3781750"/>
+              <a:gd name="connsiteX0" fmla="*/ 776861 w 908597"/>
+              <a:gd name="connsiteY0" fmla="*/ 0 h 3781848"/>
+              <a:gd name="connsiteX1" fmla="*/ 156929 w 908597"/>
+              <a:gd name="connsiteY1" fmla="*/ 604434 h 3781848"/>
+              <a:gd name="connsiteX2" fmla="*/ 56190 w 908597"/>
+              <a:gd name="connsiteY2" fmla="*/ 2417736 h 3781848"/>
+              <a:gd name="connsiteX3" fmla="*/ 908597 w 908597"/>
+              <a:gd name="connsiteY3" fmla="*/ 3781586 h 3781848"/>
+              <a:gd name="connsiteX0" fmla="*/ 742871 w 874607"/>
+              <a:gd name="connsiteY0" fmla="*/ 0 h 3781848"/>
+              <a:gd name="connsiteX1" fmla="*/ 122939 w 874607"/>
+              <a:gd name="connsiteY1" fmla="*/ 604434 h 3781848"/>
+              <a:gd name="connsiteX2" fmla="*/ 22200 w 874607"/>
+              <a:gd name="connsiteY2" fmla="*/ 2417736 h 3781848"/>
+              <a:gd name="connsiteX3" fmla="*/ 874607 w 874607"/>
+              <a:gd name="connsiteY3" fmla="*/ 3781586 h 3781848"/>
+              <a:gd name="connsiteX0" fmla="*/ 742871 w 890105"/>
+              <a:gd name="connsiteY0" fmla="*/ 0 h 3564992"/>
+              <a:gd name="connsiteX1" fmla="*/ 122939 w 890105"/>
+              <a:gd name="connsiteY1" fmla="*/ 604434 h 3564992"/>
+              <a:gd name="connsiteX2" fmla="*/ 22200 w 890105"/>
+              <a:gd name="connsiteY2" fmla="*/ 2417736 h 3564992"/>
+              <a:gd name="connsiteX3" fmla="*/ 890105 w 890105"/>
+              <a:gd name="connsiteY3" fmla="*/ 3564610 h 3564992"/>
+              <a:gd name="connsiteX0" fmla="*/ 742871 w 890105"/>
+              <a:gd name="connsiteY0" fmla="*/ 0 h 3564610"/>
+              <a:gd name="connsiteX1" fmla="*/ 122939 w 890105"/>
+              <a:gd name="connsiteY1" fmla="*/ 604434 h 3564610"/>
+              <a:gd name="connsiteX2" fmla="*/ 22200 w 890105"/>
+              <a:gd name="connsiteY2" fmla="*/ 2417736 h 3564610"/>
+              <a:gd name="connsiteX3" fmla="*/ 890105 w 890105"/>
+              <a:gd name="connsiteY3" fmla="*/ 3564610 h 3564610"/>
+              <a:gd name="connsiteX0" fmla="*/ 742871 w 890105"/>
+              <a:gd name="connsiteY0" fmla="*/ 0 h 3564610"/>
+              <a:gd name="connsiteX1" fmla="*/ 122939 w 890105"/>
+              <a:gd name="connsiteY1" fmla="*/ 604434 h 3564610"/>
+              <a:gd name="connsiteX2" fmla="*/ 22200 w 890105"/>
+              <a:gd name="connsiteY2" fmla="*/ 2417736 h 3564610"/>
+              <a:gd name="connsiteX3" fmla="*/ 890105 w 890105"/>
+              <a:gd name="connsiteY3" fmla="*/ 3564610 h 3564610"/>
+              <a:gd name="connsiteX0" fmla="*/ 721409 w 868643"/>
+              <a:gd name="connsiteY0" fmla="*/ 0 h 3564610"/>
+              <a:gd name="connsiteX1" fmla="*/ 738 w 868643"/>
+              <a:gd name="connsiteY1" fmla="*/ 2417736 h 3564610"/>
+              <a:gd name="connsiteX2" fmla="*/ 868643 w 868643"/>
+              <a:gd name="connsiteY2" fmla="*/ 3564610 h 3564610"/>
+              <a:gd name="connsiteX0" fmla="*/ 729937 w 877171"/>
+              <a:gd name="connsiteY0" fmla="*/ 0 h 3564610"/>
+              <a:gd name="connsiteX1" fmla="*/ 9266 w 877171"/>
+              <a:gd name="connsiteY1" fmla="*/ 2417736 h 3564610"/>
+              <a:gd name="connsiteX2" fmla="*/ 877171 w 877171"/>
+              <a:gd name="connsiteY2" fmla="*/ 3564610 h 3564610"/>
+              <a:gd name="connsiteX0" fmla="*/ 744174 w 875910"/>
+              <a:gd name="connsiteY0" fmla="*/ 0 h 3332136"/>
+              <a:gd name="connsiteX1" fmla="*/ 8005 w 875910"/>
+              <a:gd name="connsiteY1" fmla="*/ 2185262 h 3332136"/>
+              <a:gd name="connsiteX2" fmla="*/ 875910 w 875910"/>
+              <a:gd name="connsiteY2" fmla="*/ 3332136 h 3332136"/>
+              <a:gd name="connsiteX0" fmla="*/ 744174 w 875910"/>
+              <a:gd name="connsiteY0" fmla="*/ 0 h 3332136"/>
+              <a:gd name="connsiteX1" fmla="*/ 8005 w 875910"/>
+              <a:gd name="connsiteY1" fmla="*/ 2185262 h 3332136"/>
+              <a:gd name="connsiteX2" fmla="*/ 875910 w 875910"/>
+              <a:gd name="connsiteY2" fmla="*/ 3332136 h 3332136"/>
+              <a:gd name="connsiteX0" fmla="*/ 744174 w 899158"/>
+              <a:gd name="connsiteY0" fmla="*/ 0 h 3394130"/>
+              <a:gd name="connsiteX1" fmla="*/ 8005 w 899158"/>
+              <a:gd name="connsiteY1" fmla="*/ 2185262 h 3394130"/>
+              <a:gd name="connsiteX2" fmla="*/ 899158 w 899158"/>
+              <a:gd name="connsiteY2" fmla="*/ 3394130 h 3394130"/>
+              <a:gd name="connsiteX0" fmla="*/ 744174 w 899158"/>
+              <a:gd name="connsiteY0" fmla="*/ 0 h 3394130"/>
+              <a:gd name="connsiteX1" fmla="*/ 8005 w 899158"/>
+              <a:gd name="connsiteY1" fmla="*/ 2185262 h 3394130"/>
+              <a:gd name="connsiteX2" fmla="*/ 899158 w 899158"/>
+              <a:gd name="connsiteY2" fmla="*/ 3394130 h 3394130"/>
+              <a:gd name="connsiteX0" fmla="*/ 729937 w 900419"/>
+              <a:gd name="connsiteY0" fmla="*/ 0 h 2998923"/>
+              <a:gd name="connsiteX1" fmla="*/ 9266 w 900419"/>
+              <a:gd name="connsiteY1" fmla="*/ 1790055 h 2998923"/>
+              <a:gd name="connsiteX2" fmla="*/ 900419 w 900419"/>
+              <a:gd name="connsiteY2" fmla="*/ 2998923 h 2998923"/>
+              <a:gd name="connsiteX0" fmla="*/ 737030 w 899763"/>
+              <a:gd name="connsiteY0" fmla="*/ 0 h 3084164"/>
+              <a:gd name="connsiteX1" fmla="*/ 8610 w 899763"/>
+              <a:gd name="connsiteY1" fmla="*/ 1875296 h 3084164"/>
+              <a:gd name="connsiteX2" fmla="*/ 899763 w 899763"/>
+              <a:gd name="connsiteY2" fmla="*/ 3084164 h 3084164"/>
+              <a:gd name="connsiteX0" fmla="*/ 682053 w 906779"/>
+              <a:gd name="connsiteY0" fmla="*/ 0 h 3099662"/>
+              <a:gd name="connsiteX1" fmla="*/ 15626 w 906779"/>
+              <a:gd name="connsiteY1" fmla="*/ 1890794 h 3099662"/>
+              <a:gd name="connsiteX2" fmla="*/ 906779 w 906779"/>
+              <a:gd name="connsiteY2" fmla="*/ 3099662 h 3099662"/>
+              <a:gd name="connsiteX0" fmla="*/ 670137 w 894863"/>
+              <a:gd name="connsiteY0" fmla="*/ 0 h 3099662"/>
+              <a:gd name="connsiteX1" fmla="*/ 3710 w 894863"/>
+              <a:gd name="connsiteY1" fmla="*/ 1890794 h 3099662"/>
+              <a:gd name="connsiteX2" fmla="*/ 894863 w 894863"/>
+              <a:gd name="connsiteY2" fmla="*/ 3099662 h 3099662"/>
+            </a:gdLst>
+            <a:ahLst/>
+            <a:cxnLst>
+              <a:cxn ang="0">
+                <a:pos x="connsiteX0" y="connsiteY0"/>
+              </a:cxn>
+              <a:cxn ang="0">
+                <a:pos x="connsiteX1" y="connsiteY1"/>
+              </a:cxn>
+              <a:cxn ang="0">
+                <a:pos x="connsiteX2" y="connsiteY2"/>
+              </a:cxn>
+            </a:cxnLst>
+            <a:rect l="l" t="t" r="r" b="b"/>
+            <a:pathLst>
+              <a:path w="894863" h="3099662">
+                <a:moveTo>
+                  <a:pt x="670137" y="0"/>
+                </a:moveTo>
+                <a:cubicBezTo>
+                  <a:pt x="62797" y="449451"/>
+                  <a:pt x="-20829" y="1296692"/>
+                  <a:pt x="3710" y="1890794"/>
+                </a:cubicBezTo>
+                <a:cubicBezTo>
+                  <a:pt x="104449" y="2595967"/>
+                  <a:pt x="259432" y="2588218"/>
+                  <a:pt x="894863" y="3099662"/>
+                </a:cubicBezTo>
+              </a:path>
+            </a:pathLst>
+          </a:custGeom>
+          <a:noFill/>
+          <a:ln w="25400" cap="flat">
+            <a:solidFill>
+              <a:schemeClr val="accent4"/>
+            </a:solidFill>
+            <a:prstDash val="solid"/>
+            <a:round/>
+            <a:tailEnd type="triangle"/>
+          </a:ln>
+          <a:effectLst/>
+          <a:sp3d/>
+        </p:spPr>
+        <p:style>
+          <a:lnRef idx="0">
+            <a:scrgbClr r="0" g="0" b="0"/>
+          </a:lnRef>
+          <a:fillRef idx="0">
+            <a:scrgbClr r="0" g="0" b="0"/>
+          </a:fillRef>
+          <a:effectRef idx="0">
+            <a:scrgbClr r="0" g="0" b="0"/>
+          </a:effectRef>
+          <a:fontRef idx="none"/>
+        </p:style>
+        <p:txBody>
+          <a:bodyPr rot="0" spcFirstLastPara="1" vertOverflow="overflow" horzOverflow="overflow" vert="horz" wrap="square" lIns="91439" tIns="45719" rIns="91439" bIns="45719" numCol="1" spcCol="38100" rtlCol="0" anchor="t">
+            <a:noAutofit/>
+          </a:bodyPr>
+          <a:lstStyle/>
+          <a:p>
+            <a:pPr marL="0" marR="0" indent="0" algn="l" defTabSz="914400" rtl="0" fontAlgn="auto" latinLnBrk="1" hangingPunct="0">
+              <a:lnSpc>
+                <a:spcPct val="100000"/>
+              </a:lnSpc>
+              <a:spcBef>
+                <a:spcPts val="0"/>
+              </a:spcBef>
+              <a:spcAft>
+                <a:spcPts val="0"/>
+              </a:spcAft>
+              <a:buClrTx/>
+              <a:buSzTx/>
+              <a:buFontTx/>
+              <a:buNone/>
+              <a:tabLst/>
+            </a:pPr>
+            <a:endParaRPr kumimoji="0" lang="en-US" sz="1800" b="0" i="0" u="none" strike="noStrike" cap="none" spc="0" normalizeH="0" baseline="0">
+              <a:ln>
+                <a:noFill/>
+              </a:ln>
+              <a:solidFill>
+                <a:srgbClr val="000000"/>
+              </a:solidFill>
+              <a:effectLst/>
+              <a:uFillTx/>
+            </a:endParaRPr>
+          </a:p>
+        </p:txBody>
+      </p:sp>
+      <p:sp>
+        <p:nvSpPr>
+          <p:cNvPr id="31" name="Freeform 30">
+            <a:extLst>
+              <a:ext uri="{FF2B5EF4-FFF2-40B4-BE49-F238E27FC236}">
+                <a16:creationId xmlns:a16="http://schemas.microsoft.com/office/drawing/2014/main" id="{246A1D77-6F2D-E92E-23AE-A43630C2D5A7}"/>
+              </a:ext>
+            </a:extLst>
+          </p:cNvPr>
+          <p:cNvSpPr/>
+          <p:nvPr/>
+        </p:nvSpPr>
+        <p:spPr>
+          <a:xfrm>
+            <a:off x="157487" y="5260689"/>
+            <a:ext cx="540009" cy="2603716"/>
+          </a:xfrm>
+          <a:custGeom>
+            <a:avLst/>
+            <a:gdLst>
+              <a:gd name="connsiteX0" fmla="*/ 636851 w 2140187"/>
+              <a:gd name="connsiteY0" fmla="*/ 0 h 3904754"/>
+              <a:gd name="connsiteX1" fmla="*/ 1421 w 2140187"/>
+              <a:gd name="connsiteY1" fmla="*/ 2131017 h 3904754"/>
+              <a:gd name="connsiteX2" fmla="*/ 791834 w 2140187"/>
+              <a:gd name="connsiteY2" fmla="*/ 3634353 h 3904754"/>
+              <a:gd name="connsiteX3" fmla="*/ 2140187 w 2140187"/>
+              <a:gd name="connsiteY3" fmla="*/ 3897824 h 3904754"/>
+              <a:gd name="connsiteX0" fmla="*/ 650148 w 2153484"/>
+              <a:gd name="connsiteY0" fmla="*/ 0 h 3904754"/>
+              <a:gd name="connsiteX1" fmla="*/ 316935 w 2153484"/>
+              <a:gd name="connsiteY1" fmla="*/ 805912 h 3904754"/>
+              <a:gd name="connsiteX2" fmla="*/ 14718 w 2153484"/>
+              <a:gd name="connsiteY2" fmla="*/ 2131017 h 3904754"/>
+              <a:gd name="connsiteX3" fmla="*/ 805131 w 2153484"/>
+              <a:gd name="connsiteY3" fmla="*/ 3634353 h 3904754"/>
+              <a:gd name="connsiteX4" fmla="*/ 2153484 w 2153484"/>
+              <a:gd name="connsiteY4" fmla="*/ 3897824 h 3904754"/>
+              <a:gd name="connsiteX0" fmla="*/ 716982 w 2220318"/>
+              <a:gd name="connsiteY0" fmla="*/ 0 h 3904754"/>
+              <a:gd name="connsiteX1" fmla="*/ 97050 w 2220318"/>
+              <a:gd name="connsiteY1" fmla="*/ 604434 h 3904754"/>
+              <a:gd name="connsiteX2" fmla="*/ 81552 w 2220318"/>
+              <a:gd name="connsiteY2" fmla="*/ 2131017 h 3904754"/>
+              <a:gd name="connsiteX3" fmla="*/ 871965 w 2220318"/>
+              <a:gd name="connsiteY3" fmla="*/ 3634353 h 3904754"/>
+              <a:gd name="connsiteX4" fmla="*/ 2220318 w 2220318"/>
+              <a:gd name="connsiteY4" fmla="*/ 3897824 h 3904754"/>
+              <a:gd name="connsiteX0" fmla="*/ 742027 w 2245363"/>
+              <a:gd name="connsiteY0" fmla="*/ 0 h 3898257"/>
+              <a:gd name="connsiteX1" fmla="*/ 122095 w 2245363"/>
+              <a:gd name="connsiteY1" fmla="*/ 604434 h 3898257"/>
+              <a:gd name="connsiteX2" fmla="*/ 106597 w 2245363"/>
+              <a:gd name="connsiteY2" fmla="*/ 2131017 h 3898257"/>
+              <a:gd name="connsiteX3" fmla="*/ 176339 w 2245363"/>
+              <a:gd name="connsiteY3" fmla="*/ 3215899 h 3898257"/>
+              <a:gd name="connsiteX4" fmla="*/ 2245363 w 2245363"/>
+              <a:gd name="connsiteY4" fmla="*/ 3897824 h 3898257"/>
+              <a:gd name="connsiteX0" fmla="*/ 742027 w 920258"/>
+              <a:gd name="connsiteY0" fmla="*/ 0 h 3704902"/>
+              <a:gd name="connsiteX1" fmla="*/ 122095 w 920258"/>
+              <a:gd name="connsiteY1" fmla="*/ 604434 h 3704902"/>
+              <a:gd name="connsiteX2" fmla="*/ 106597 w 920258"/>
+              <a:gd name="connsiteY2" fmla="*/ 2131017 h 3704902"/>
+              <a:gd name="connsiteX3" fmla="*/ 176339 w 920258"/>
+              <a:gd name="connsiteY3" fmla="*/ 3215899 h 3704902"/>
+              <a:gd name="connsiteX4" fmla="*/ 920258 w 920258"/>
+              <a:gd name="connsiteY4" fmla="*/ 3704095 h 3704902"/>
+              <a:gd name="connsiteX0" fmla="*/ 776563 w 954794"/>
+              <a:gd name="connsiteY0" fmla="*/ 0 h 3724806"/>
+              <a:gd name="connsiteX1" fmla="*/ 156631 w 954794"/>
+              <a:gd name="connsiteY1" fmla="*/ 604434 h 3724806"/>
+              <a:gd name="connsiteX2" fmla="*/ 141133 w 954794"/>
+              <a:gd name="connsiteY2" fmla="*/ 2131017 h 3724806"/>
+              <a:gd name="connsiteX3" fmla="*/ 164380 w 954794"/>
+              <a:gd name="connsiteY3" fmla="*/ 3502618 h 3724806"/>
+              <a:gd name="connsiteX4" fmla="*/ 954794 w 954794"/>
+              <a:gd name="connsiteY4" fmla="*/ 3704095 h 3724806"/>
+              <a:gd name="connsiteX0" fmla="*/ 704300 w 882531"/>
+              <a:gd name="connsiteY0" fmla="*/ 0 h 3724806"/>
+              <a:gd name="connsiteX1" fmla="*/ 84368 w 882531"/>
+              <a:gd name="connsiteY1" fmla="*/ 604434 h 3724806"/>
+              <a:gd name="connsiteX2" fmla="*/ 92117 w 882531"/>
+              <a:gd name="connsiteY2" fmla="*/ 3502618 h 3724806"/>
+              <a:gd name="connsiteX3" fmla="*/ 882531 w 882531"/>
+              <a:gd name="connsiteY3" fmla="*/ 3704095 h 3724806"/>
+              <a:gd name="connsiteX0" fmla="*/ 704300 w 836036"/>
+              <a:gd name="connsiteY0" fmla="*/ 0 h 3786830"/>
+              <a:gd name="connsiteX1" fmla="*/ 84368 w 836036"/>
+              <a:gd name="connsiteY1" fmla="*/ 604434 h 3786830"/>
+              <a:gd name="connsiteX2" fmla="*/ 92117 w 836036"/>
+              <a:gd name="connsiteY2" fmla="*/ 3502618 h 3786830"/>
+              <a:gd name="connsiteX3" fmla="*/ 836036 w 836036"/>
+              <a:gd name="connsiteY3" fmla="*/ 3781586 h 3786830"/>
+              <a:gd name="connsiteX0" fmla="*/ 776861 w 908597"/>
+              <a:gd name="connsiteY0" fmla="*/ 0 h 3781750"/>
+              <a:gd name="connsiteX1" fmla="*/ 156929 w 908597"/>
+              <a:gd name="connsiteY1" fmla="*/ 604434 h 3781750"/>
+              <a:gd name="connsiteX2" fmla="*/ 56190 w 908597"/>
+              <a:gd name="connsiteY2" fmla="*/ 2417736 h 3781750"/>
+              <a:gd name="connsiteX3" fmla="*/ 908597 w 908597"/>
+              <a:gd name="connsiteY3" fmla="*/ 3781586 h 3781750"/>
+              <a:gd name="connsiteX0" fmla="*/ 776861 w 908597"/>
+              <a:gd name="connsiteY0" fmla="*/ 0 h 3781848"/>
+              <a:gd name="connsiteX1" fmla="*/ 156929 w 908597"/>
+              <a:gd name="connsiteY1" fmla="*/ 604434 h 3781848"/>
+              <a:gd name="connsiteX2" fmla="*/ 56190 w 908597"/>
+              <a:gd name="connsiteY2" fmla="*/ 2417736 h 3781848"/>
+              <a:gd name="connsiteX3" fmla="*/ 908597 w 908597"/>
+              <a:gd name="connsiteY3" fmla="*/ 3781586 h 3781848"/>
+              <a:gd name="connsiteX0" fmla="*/ 742871 w 874607"/>
+              <a:gd name="connsiteY0" fmla="*/ 0 h 3781848"/>
+              <a:gd name="connsiteX1" fmla="*/ 122939 w 874607"/>
+              <a:gd name="connsiteY1" fmla="*/ 604434 h 3781848"/>
+              <a:gd name="connsiteX2" fmla="*/ 22200 w 874607"/>
+              <a:gd name="connsiteY2" fmla="*/ 2417736 h 3781848"/>
+              <a:gd name="connsiteX3" fmla="*/ 874607 w 874607"/>
+              <a:gd name="connsiteY3" fmla="*/ 3781586 h 3781848"/>
+              <a:gd name="connsiteX0" fmla="*/ 742871 w 890105"/>
+              <a:gd name="connsiteY0" fmla="*/ 0 h 3564992"/>
+              <a:gd name="connsiteX1" fmla="*/ 122939 w 890105"/>
+              <a:gd name="connsiteY1" fmla="*/ 604434 h 3564992"/>
+              <a:gd name="connsiteX2" fmla="*/ 22200 w 890105"/>
+              <a:gd name="connsiteY2" fmla="*/ 2417736 h 3564992"/>
+              <a:gd name="connsiteX3" fmla="*/ 890105 w 890105"/>
+              <a:gd name="connsiteY3" fmla="*/ 3564610 h 3564992"/>
+              <a:gd name="connsiteX0" fmla="*/ 742871 w 890105"/>
+              <a:gd name="connsiteY0" fmla="*/ 0 h 3564610"/>
+              <a:gd name="connsiteX1" fmla="*/ 122939 w 890105"/>
+              <a:gd name="connsiteY1" fmla="*/ 604434 h 3564610"/>
+              <a:gd name="connsiteX2" fmla="*/ 22200 w 890105"/>
+              <a:gd name="connsiteY2" fmla="*/ 2417736 h 3564610"/>
+              <a:gd name="connsiteX3" fmla="*/ 890105 w 890105"/>
+              <a:gd name="connsiteY3" fmla="*/ 3564610 h 3564610"/>
+              <a:gd name="connsiteX0" fmla="*/ 742871 w 890105"/>
+              <a:gd name="connsiteY0" fmla="*/ 0 h 3564610"/>
+              <a:gd name="connsiteX1" fmla="*/ 122939 w 890105"/>
+              <a:gd name="connsiteY1" fmla="*/ 604434 h 3564610"/>
+              <a:gd name="connsiteX2" fmla="*/ 22200 w 890105"/>
+              <a:gd name="connsiteY2" fmla="*/ 2417736 h 3564610"/>
+              <a:gd name="connsiteX3" fmla="*/ 890105 w 890105"/>
+              <a:gd name="connsiteY3" fmla="*/ 3564610 h 3564610"/>
+              <a:gd name="connsiteX0" fmla="*/ 721409 w 868643"/>
+              <a:gd name="connsiteY0" fmla="*/ 0 h 3564610"/>
+              <a:gd name="connsiteX1" fmla="*/ 738 w 868643"/>
+              <a:gd name="connsiteY1" fmla="*/ 2417736 h 3564610"/>
+              <a:gd name="connsiteX2" fmla="*/ 868643 w 868643"/>
+              <a:gd name="connsiteY2" fmla="*/ 3564610 h 3564610"/>
+              <a:gd name="connsiteX0" fmla="*/ 729937 w 877171"/>
+              <a:gd name="connsiteY0" fmla="*/ 0 h 3564610"/>
+              <a:gd name="connsiteX1" fmla="*/ 9266 w 877171"/>
+              <a:gd name="connsiteY1" fmla="*/ 2417736 h 3564610"/>
+              <a:gd name="connsiteX2" fmla="*/ 877171 w 877171"/>
+              <a:gd name="connsiteY2" fmla="*/ 3564610 h 3564610"/>
+              <a:gd name="connsiteX0" fmla="*/ 744174 w 875910"/>
+              <a:gd name="connsiteY0" fmla="*/ 0 h 3332136"/>
+              <a:gd name="connsiteX1" fmla="*/ 8005 w 875910"/>
+              <a:gd name="connsiteY1" fmla="*/ 2185262 h 3332136"/>
+              <a:gd name="connsiteX2" fmla="*/ 875910 w 875910"/>
+              <a:gd name="connsiteY2" fmla="*/ 3332136 h 3332136"/>
+              <a:gd name="connsiteX0" fmla="*/ 744174 w 875910"/>
+              <a:gd name="connsiteY0" fmla="*/ 0 h 3332136"/>
+              <a:gd name="connsiteX1" fmla="*/ 8005 w 875910"/>
+              <a:gd name="connsiteY1" fmla="*/ 2185262 h 3332136"/>
+              <a:gd name="connsiteX2" fmla="*/ 875910 w 875910"/>
+              <a:gd name="connsiteY2" fmla="*/ 3332136 h 3332136"/>
+              <a:gd name="connsiteX0" fmla="*/ 744174 w 899158"/>
+              <a:gd name="connsiteY0" fmla="*/ 0 h 3394130"/>
+              <a:gd name="connsiteX1" fmla="*/ 8005 w 899158"/>
+              <a:gd name="connsiteY1" fmla="*/ 2185262 h 3394130"/>
+              <a:gd name="connsiteX2" fmla="*/ 899158 w 899158"/>
+              <a:gd name="connsiteY2" fmla="*/ 3394130 h 3394130"/>
+              <a:gd name="connsiteX0" fmla="*/ 744174 w 899158"/>
+              <a:gd name="connsiteY0" fmla="*/ 0 h 3394130"/>
+              <a:gd name="connsiteX1" fmla="*/ 8005 w 899158"/>
+              <a:gd name="connsiteY1" fmla="*/ 2185262 h 3394130"/>
+              <a:gd name="connsiteX2" fmla="*/ 899158 w 899158"/>
+              <a:gd name="connsiteY2" fmla="*/ 3394130 h 3394130"/>
+              <a:gd name="connsiteX0" fmla="*/ 729937 w 900419"/>
+              <a:gd name="connsiteY0" fmla="*/ 0 h 2998923"/>
+              <a:gd name="connsiteX1" fmla="*/ 9266 w 900419"/>
+              <a:gd name="connsiteY1" fmla="*/ 1790055 h 2998923"/>
+              <a:gd name="connsiteX2" fmla="*/ 900419 w 900419"/>
+              <a:gd name="connsiteY2" fmla="*/ 2998923 h 2998923"/>
+              <a:gd name="connsiteX0" fmla="*/ 737030 w 899763"/>
+              <a:gd name="connsiteY0" fmla="*/ 0 h 3084164"/>
+              <a:gd name="connsiteX1" fmla="*/ 8610 w 899763"/>
+              <a:gd name="connsiteY1" fmla="*/ 1875296 h 3084164"/>
+              <a:gd name="connsiteX2" fmla="*/ 899763 w 899763"/>
+              <a:gd name="connsiteY2" fmla="*/ 3084164 h 3084164"/>
+              <a:gd name="connsiteX0" fmla="*/ 682053 w 906779"/>
+              <a:gd name="connsiteY0" fmla="*/ 0 h 3099662"/>
+              <a:gd name="connsiteX1" fmla="*/ 15626 w 906779"/>
+              <a:gd name="connsiteY1" fmla="*/ 1890794 h 3099662"/>
+              <a:gd name="connsiteX2" fmla="*/ 906779 w 906779"/>
+              <a:gd name="connsiteY2" fmla="*/ 3099662 h 3099662"/>
+              <a:gd name="connsiteX0" fmla="*/ 670137 w 894863"/>
+              <a:gd name="connsiteY0" fmla="*/ 0 h 3099662"/>
+              <a:gd name="connsiteX1" fmla="*/ 3710 w 894863"/>
+              <a:gd name="connsiteY1" fmla="*/ 1890794 h 3099662"/>
+              <a:gd name="connsiteX2" fmla="*/ 894863 w 894863"/>
+              <a:gd name="connsiteY2" fmla="*/ 3099662 h 3099662"/>
+              <a:gd name="connsiteX0" fmla="*/ 662595 w 895071"/>
+              <a:gd name="connsiteY0" fmla="*/ 0 h 2603716"/>
+              <a:gd name="connsiteX1" fmla="*/ 3918 w 895071"/>
+              <a:gd name="connsiteY1" fmla="*/ 1394848 h 2603716"/>
+              <a:gd name="connsiteX2" fmla="*/ 895071 w 895071"/>
+              <a:gd name="connsiteY2" fmla="*/ 2603716 h 2603716"/>
+              <a:gd name="connsiteX0" fmla="*/ 666503 w 898979"/>
+              <a:gd name="connsiteY0" fmla="*/ 0 h 2603716"/>
+              <a:gd name="connsiteX1" fmla="*/ 7826 w 898979"/>
+              <a:gd name="connsiteY1" fmla="*/ 1394848 h 2603716"/>
+              <a:gd name="connsiteX2" fmla="*/ 898979 w 898979"/>
+              <a:gd name="connsiteY2" fmla="*/ 2603716 h 2603716"/>
+            </a:gdLst>
+            <a:ahLst/>
+            <a:cxnLst>
+              <a:cxn ang="0">
+                <a:pos x="connsiteX0" y="connsiteY0"/>
+              </a:cxn>
+              <a:cxn ang="0">
+                <a:pos x="connsiteX1" y="connsiteY1"/>
+              </a:cxn>
+              <a:cxn ang="0">
+                <a:pos x="connsiteX2" y="connsiteY2"/>
+              </a:cxn>
+            </a:cxnLst>
+            <a:rect l="l" t="t" r="r" b="b"/>
+            <a:pathLst>
+              <a:path w="898979" h="2603716">
+                <a:moveTo>
+                  <a:pt x="666503" y="0"/>
+                </a:moveTo>
+                <a:cubicBezTo>
+                  <a:pt x="-26078" y="410705"/>
+                  <a:pt x="-16713" y="800746"/>
+                  <a:pt x="7826" y="1394848"/>
+                </a:cubicBezTo>
+                <a:cubicBezTo>
+                  <a:pt x="108565" y="2100021"/>
+                  <a:pt x="263548" y="2092272"/>
+                  <a:pt x="898979" y="2603716"/>
+                </a:cubicBezTo>
+              </a:path>
+            </a:pathLst>
+          </a:custGeom>
+          <a:noFill/>
+          <a:ln w="25400" cap="flat">
+            <a:solidFill>
+              <a:schemeClr val="accent4"/>
+            </a:solidFill>
+            <a:prstDash val="solid"/>
+            <a:round/>
+            <a:tailEnd type="triangle"/>
+          </a:ln>
+          <a:effectLst/>
+          <a:sp3d/>
+        </p:spPr>
+        <p:style>
+          <a:lnRef idx="0">
+            <a:scrgbClr r="0" g="0" b="0"/>
+          </a:lnRef>
+          <a:fillRef idx="0">
+            <a:scrgbClr r="0" g="0" b="0"/>
+          </a:fillRef>
+          <a:effectRef idx="0">
+            <a:scrgbClr r="0" g="0" b="0"/>
+          </a:effectRef>
+          <a:fontRef idx="none"/>
+        </p:style>
+        <p:txBody>
+          <a:bodyPr rot="0" spcFirstLastPara="1" vertOverflow="overflow" horzOverflow="overflow" vert="horz" wrap="square" lIns="91439" tIns="45719" rIns="91439" bIns="45719" numCol="1" spcCol="38100" rtlCol="0" anchor="t">
+            <a:noAutofit/>
+          </a:bodyPr>
+          <a:lstStyle/>
+          <a:p>
+            <a:pPr marL="0" marR="0" indent="0" algn="l" defTabSz="914400" rtl="0" fontAlgn="auto" latinLnBrk="1" hangingPunct="0">
+              <a:lnSpc>
+                <a:spcPct val="100000"/>
+              </a:lnSpc>
+              <a:spcBef>
+                <a:spcPts val="0"/>
+              </a:spcBef>
+              <a:spcAft>
+                <a:spcPts val="0"/>
+              </a:spcAft>
+              <a:buClrTx/>
+              <a:buSzTx/>
+              <a:buFontTx/>
+              <a:buNone/>
+              <a:tabLst/>
+            </a:pPr>
+            <a:endParaRPr kumimoji="0" lang="en-US" sz="1800" b="0" i="0" u="none" strike="noStrike" cap="none" spc="0" normalizeH="0" baseline="0">
+              <a:ln>
+                <a:noFill/>
+              </a:ln>
+              <a:solidFill>
+                <a:srgbClr val="000000"/>
+              </a:solidFill>
+              <a:effectLst/>
+              <a:uFillTx/>
+            </a:endParaRPr>
+          </a:p>
+        </p:txBody>
+      </p:sp>
+      <p:sp>
+        <p:nvSpPr>
+          <p:cNvPr id="36" name="Freeform 35">
+            <a:extLst>
+              <a:ext uri="{FF2B5EF4-FFF2-40B4-BE49-F238E27FC236}">
+                <a16:creationId xmlns:a16="http://schemas.microsoft.com/office/drawing/2014/main" id="{96AA3E1F-1556-B8BF-374D-2D77862C2E91}"/>
+              </a:ext>
+            </a:extLst>
+          </p:cNvPr>
+          <p:cNvSpPr/>
+          <p:nvPr/>
+        </p:nvSpPr>
+        <p:spPr>
+          <a:xfrm>
+            <a:off x="5490163" y="3213174"/>
+            <a:ext cx="537536" cy="3629327"/>
+          </a:xfrm>
+          <a:custGeom>
+            <a:avLst/>
+            <a:gdLst>
+              <a:gd name="connsiteX0" fmla="*/ 636851 w 2140187"/>
+              <a:gd name="connsiteY0" fmla="*/ 0 h 3904754"/>
+              <a:gd name="connsiteX1" fmla="*/ 1421 w 2140187"/>
+              <a:gd name="connsiteY1" fmla="*/ 2131017 h 3904754"/>
+              <a:gd name="connsiteX2" fmla="*/ 791834 w 2140187"/>
+              <a:gd name="connsiteY2" fmla="*/ 3634353 h 3904754"/>
+              <a:gd name="connsiteX3" fmla="*/ 2140187 w 2140187"/>
+              <a:gd name="connsiteY3" fmla="*/ 3897824 h 3904754"/>
+              <a:gd name="connsiteX0" fmla="*/ 650148 w 2153484"/>
+              <a:gd name="connsiteY0" fmla="*/ 0 h 3904754"/>
+              <a:gd name="connsiteX1" fmla="*/ 316935 w 2153484"/>
+              <a:gd name="connsiteY1" fmla="*/ 805912 h 3904754"/>
+              <a:gd name="connsiteX2" fmla="*/ 14718 w 2153484"/>
+              <a:gd name="connsiteY2" fmla="*/ 2131017 h 3904754"/>
+              <a:gd name="connsiteX3" fmla="*/ 805131 w 2153484"/>
+              <a:gd name="connsiteY3" fmla="*/ 3634353 h 3904754"/>
+              <a:gd name="connsiteX4" fmla="*/ 2153484 w 2153484"/>
+              <a:gd name="connsiteY4" fmla="*/ 3897824 h 3904754"/>
+              <a:gd name="connsiteX0" fmla="*/ 716982 w 2220318"/>
+              <a:gd name="connsiteY0" fmla="*/ 0 h 3904754"/>
+              <a:gd name="connsiteX1" fmla="*/ 97050 w 2220318"/>
+              <a:gd name="connsiteY1" fmla="*/ 604434 h 3904754"/>
+              <a:gd name="connsiteX2" fmla="*/ 81552 w 2220318"/>
+              <a:gd name="connsiteY2" fmla="*/ 2131017 h 3904754"/>
+              <a:gd name="connsiteX3" fmla="*/ 871965 w 2220318"/>
+              <a:gd name="connsiteY3" fmla="*/ 3634353 h 3904754"/>
+              <a:gd name="connsiteX4" fmla="*/ 2220318 w 2220318"/>
+              <a:gd name="connsiteY4" fmla="*/ 3897824 h 3904754"/>
+              <a:gd name="connsiteX0" fmla="*/ 742027 w 2245363"/>
+              <a:gd name="connsiteY0" fmla="*/ 0 h 3898257"/>
+              <a:gd name="connsiteX1" fmla="*/ 122095 w 2245363"/>
+              <a:gd name="connsiteY1" fmla="*/ 604434 h 3898257"/>
+              <a:gd name="connsiteX2" fmla="*/ 106597 w 2245363"/>
+              <a:gd name="connsiteY2" fmla="*/ 2131017 h 3898257"/>
+              <a:gd name="connsiteX3" fmla="*/ 176339 w 2245363"/>
+              <a:gd name="connsiteY3" fmla="*/ 3215899 h 3898257"/>
+              <a:gd name="connsiteX4" fmla="*/ 2245363 w 2245363"/>
+              <a:gd name="connsiteY4" fmla="*/ 3897824 h 3898257"/>
+              <a:gd name="connsiteX0" fmla="*/ 742027 w 920258"/>
+              <a:gd name="connsiteY0" fmla="*/ 0 h 3704902"/>
+              <a:gd name="connsiteX1" fmla="*/ 122095 w 920258"/>
+              <a:gd name="connsiteY1" fmla="*/ 604434 h 3704902"/>
+              <a:gd name="connsiteX2" fmla="*/ 106597 w 920258"/>
+              <a:gd name="connsiteY2" fmla="*/ 2131017 h 3704902"/>
+              <a:gd name="connsiteX3" fmla="*/ 176339 w 920258"/>
+              <a:gd name="connsiteY3" fmla="*/ 3215899 h 3704902"/>
+              <a:gd name="connsiteX4" fmla="*/ 920258 w 920258"/>
+              <a:gd name="connsiteY4" fmla="*/ 3704095 h 3704902"/>
+              <a:gd name="connsiteX0" fmla="*/ 776563 w 954794"/>
+              <a:gd name="connsiteY0" fmla="*/ 0 h 3724806"/>
+              <a:gd name="connsiteX1" fmla="*/ 156631 w 954794"/>
+              <a:gd name="connsiteY1" fmla="*/ 604434 h 3724806"/>
+              <a:gd name="connsiteX2" fmla="*/ 141133 w 954794"/>
+              <a:gd name="connsiteY2" fmla="*/ 2131017 h 3724806"/>
+              <a:gd name="connsiteX3" fmla="*/ 164380 w 954794"/>
+              <a:gd name="connsiteY3" fmla="*/ 3502618 h 3724806"/>
+              <a:gd name="connsiteX4" fmla="*/ 954794 w 954794"/>
+              <a:gd name="connsiteY4" fmla="*/ 3704095 h 3724806"/>
+              <a:gd name="connsiteX0" fmla="*/ 704300 w 882531"/>
+              <a:gd name="connsiteY0" fmla="*/ 0 h 3724806"/>
+              <a:gd name="connsiteX1" fmla="*/ 84368 w 882531"/>
+              <a:gd name="connsiteY1" fmla="*/ 604434 h 3724806"/>
+              <a:gd name="connsiteX2" fmla="*/ 92117 w 882531"/>
+              <a:gd name="connsiteY2" fmla="*/ 3502618 h 3724806"/>
+              <a:gd name="connsiteX3" fmla="*/ 882531 w 882531"/>
+              <a:gd name="connsiteY3" fmla="*/ 3704095 h 3724806"/>
+              <a:gd name="connsiteX0" fmla="*/ 704300 w 836036"/>
+              <a:gd name="connsiteY0" fmla="*/ 0 h 3786830"/>
+              <a:gd name="connsiteX1" fmla="*/ 84368 w 836036"/>
+              <a:gd name="connsiteY1" fmla="*/ 604434 h 3786830"/>
+              <a:gd name="connsiteX2" fmla="*/ 92117 w 836036"/>
+              <a:gd name="connsiteY2" fmla="*/ 3502618 h 3786830"/>
+              <a:gd name="connsiteX3" fmla="*/ 836036 w 836036"/>
+              <a:gd name="connsiteY3" fmla="*/ 3781586 h 3786830"/>
+              <a:gd name="connsiteX0" fmla="*/ 776861 w 908597"/>
+              <a:gd name="connsiteY0" fmla="*/ 0 h 3781750"/>
+              <a:gd name="connsiteX1" fmla="*/ 156929 w 908597"/>
+              <a:gd name="connsiteY1" fmla="*/ 604434 h 3781750"/>
+              <a:gd name="connsiteX2" fmla="*/ 56190 w 908597"/>
+              <a:gd name="connsiteY2" fmla="*/ 2417736 h 3781750"/>
+              <a:gd name="connsiteX3" fmla="*/ 908597 w 908597"/>
+              <a:gd name="connsiteY3" fmla="*/ 3781586 h 3781750"/>
+              <a:gd name="connsiteX0" fmla="*/ 776861 w 908597"/>
+              <a:gd name="connsiteY0" fmla="*/ 0 h 3781848"/>
+              <a:gd name="connsiteX1" fmla="*/ 156929 w 908597"/>
+              <a:gd name="connsiteY1" fmla="*/ 604434 h 3781848"/>
+              <a:gd name="connsiteX2" fmla="*/ 56190 w 908597"/>
+              <a:gd name="connsiteY2" fmla="*/ 2417736 h 3781848"/>
+              <a:gd name="connsiteX3" fmla="*/ 908597 w 908597"/>
+              <a:gd name="connsiteY3" fmla="*/ 3781586 h 3781848"/>
+              <a:gd name="connsiteX0" fmla="*/ 742871 w 874607"/>
+              <a:gd name="connsiteY0" fmla="*/ 0 h 3781848"/>
+              <a:gd name="connsiteX1" fmla="*/ 122939 w 874607"/>
+              <a:gd name="connsiteY1" fmla="*/ 604434 h 3781848"/>
+              <a:gd name="connsiteX2" fmla="*/ 22200 w 874607"/>
+              <a:gd name="connsiteY2" fmla="*/ 2417736 h 3781848"/>
+              <a:gd name="connsiteX3" fmla="*/ 874607 w 874607"/>
+              <a:gd name="connsiteY3" fmla="*/ 3781586 h 3781848"/>
+              <a:gd name="connsiteX0" fmla="*/ 742871 w 890105"/>
+              <a:gd name="connsiteY0" fmla="*/ 0 h 3564992"/>
+              <a:gd name="connsiteX1" fmla="*/ 122939 w 890105"/>
+              <a:gd name="connsiteY1" fmla="*/ 604434 h 3564992"/>
+              <a:gd name="connsiteX2" fmla="*/ 22200 w 890105"/>
+              <a:gd name="connsiteY2" fmla="*/ 2417736 h 3564992"/>
+              <a:gd name="connsiteX3" fmla="*/ 890105 w 890105"/>
+              <a:gd name="connsiteY3" fmla="*/ 3564610 h 3564992"/>
+              <a:gd name="connsiteX0" fmla="*/ 742871 w 890105"/>
+              <a:gd name="connsiteY0" fmla="*/ 0 h 3564610"/>
+              <a:gd name="connsiteX1" fmla="*/ 122939 w 890105"/>
+              <a:gd name="connsiteY1" fmla="*/ 604434 h 3564610"/>
+              <a:gd name="connsiteX2" fmla="*/ 22200 w 890105"/>
+              <a:gd name="connsiteY2" fmla="*/ 2417736 h 3564610"/>
+              <a:gd name="connsiteX3" fmla="*/ 890105 w 890105"/>
+              <a:gd name="connsiteY3" fmla="*/ 3564610 h 3564610"/>
+              <a:gd name="connsiteX0" fmla="*/ 742871 w 890105"/>
+              <a:gd name="connsiteY0" fmla="*/ 0 h 3564610"/>
+              <a:gd name="connsiteX1" fmla="*/ 122939 w 890105"/>
+              <a:gd name="connsiteY1" fmla="*/ 604434 h 3564610"/>
+              <a:gd name="connsiteX2" fmla="*/ 22200 w 890105"/>
+              <a:gd name="connsiteY2" fmla="*/ 2417736 h 3564610"/>
+              <a:gd name="connsiteX3" fmla="*/ 890105 w 890105"/>
+              <a:gd name="connsiteY3" fmla="*/ 3564610 h 3564610"/>
+              <a:gd name="connsiteX0" fmla="*/ 721409 w 868643"/>
+              <a:gd name="connsiteY0" fmla="*/ 0 h 3564610"/>
+              <a:gd name="connsiteX1" fmla="*/ 738 w 868643"/>
+              <a:gd name="connsiteY1" fmla="*/ 2417736 h 3564610"/>
+              <a:gd name="connsiteX2" fmla="*/ 868643 w 868643"/>
+              <a:gd name="connsiteY2" fmla="*/ 3564610 h 3564610"/>
+              <a:gd name="connsiteX0" fmla="*/ 729937 w 877171"/>
+              <a:gd name="connsiteY0" fmla="*/ 0 h 3564610"/>
+              <a:gd name="connsiteX1" fmla="*/ 9266 w 877171"/>
+              <a:gd name="connsiteY1" fmla="*/ 2417736 h 3564610"/>
+              <a:gd name="connsiteX2" fmla="*/ 877171 w 877171"/>
+              <a:gd name="connsiteY2" fmla="*/ 3564610 h 3564610"/>
+              <a:gd name="connsiteX0" fmla="*/ 744174 w 875910"/>
+              <a:gd name="connsiteY0" fmla="*/ 0 h 3332136"/>
+              <a:gd name="connsiteX1" fmla="*/ 8005 w 875910"/>
+              <a:gd name="connsiteY1" fmla="*/ 2185262 h 3332136"/>
+              <a:gd name="connsiteX2" fmla="*/ 875910 w 875910"/>
+              <a:gd name="connsiteY2" fmla="*/ 3332136 h 3332136"/>
+              <a:gd name="connsiteX0" fmla="*/ 744174 w 875910"/>
+              <a:gd name="connsiteY0" fmla="*/ 0 h 3332136"/>
+              <a:gd name="connsiteX1" fmla="*/ 8005 w 875910"/>
+              <a:gd name="connsiteY1" fmla="*/ 2185262 h 3332136"/>
+              <a:gd name="connsiteX2" fmla="*/ 875910 w 875910"/>
+              <a:gd name="connsiteY2" fmla="*/ 3332136 h 3332136"/>
+              <a:gd name="connsiteX0" fmla="*/ 744174 w 899158"/>
+              <a:gd name="connsiteY0" fmla="*/ 0 h 3394130"/>
+              <a:gd name="connsiteX1" fmla="*/ 8005 w 899158"/>
+              <a:gd name="connsiteY1" fmla="*/ 2185262 h 3394130"/>
+              <a:gd name="connsiteX2" fmla="*/ 899158 w 899158"/>
+              <a:gd name="connsiteY2" fmla="*/ 3394130 h 3394130"/>
+              <a:gd name="connsiteX0" fmla="*/ 744174 w 899158"/>
+              <a:gd name="connsiteY0" fmla="*/ 0 h 3394130"/>
+              <a:gd name="connsiteX1" fmla="*/ 8005 w 899158"/>
+              <a:gd name="connsiteY1" fmla="*/ 2185262 h 3394130"/>
+              <a:gd name="connsiteX2" fmla="*/ 899158 w 899158"/>
+              <a:gd name="connsiteY2" fmla="*/ 3394130 h 3394130"/>
+              <a:gd name="connsiteX0" fmla="*/ 729937 w 900419"/>
+              <a:gd name="connsiteY0" fmla="*/ 0 h 2998923"/>
+              <a:gd name="connsiteX1" fmla="*/ 9266 w 900419"/>
+              <a:gd name="connsiteY1" fmla="*/ 1790055 h 2998923"/>
+              <a:gd name="connsiteX2" fmla="*/ 900419 w 900419"/>
+              <a:gd name="connsiteY2" fmla="*/ 2998923 h 2998923"/>
+              <a:gd name="connsiteX0" fmla="*/ 737030 w 899763"/>
+              <a:gd name="connsiteY0" fmla="*/ 0 h 3084164"/>
+              <a:gd name="connsiteX1" fmla="*/ 8610 w 899763"/>
+              <a:gd name="connsiteY1" fmla="*/ 1875296 h 3084164"/>
+              <a:gd name="connsiteX2" fmla="*/ 899763 w 899763"/>
+              <a:gd name="connsiteY2" fmla="*/ 3084164 h 3084164"/>
+              <a:gd name="connsiteX0" fmla="*/ 682053 w 906779"/>
+              <a:gd name="connsiteY0" fmla="*/ 0 h 3099662"/>
+              <a:gd name="connsiteX1" fmla="*/ 15626 w 906779"/>
+              <a:gd name="connsiteY1" fmla="*/ 1890794 h 3099662"/>
+              <a:gd name="connsiteX2" fmla="*/ 906779 w 906779"/>
+              <a:gd name="connsiteY2" fmla="*/ 3099662 h 3099662"/>
+              <a:gd name="connsiteX0" fmla="*/ 670137 w 894863"/>
+              <a:gd name="connsiteY0" fmla="*/ 0 h 3099662"/>
+              <a:gd name="connsiteX1" fmla="*/ 3710 w 894863"/>
+              <a:gd name="connsiteY1" fmla="*/ 1890794 h 3099662"/>
+              <a:gd name="connsiteX2" fmla="*/ 894863 w 894863"/>
+              <a:gd name="connsiteY2" fmla="*/ 3099662 h 3099662"/>
+              <a:gd name="connsiteX0" fmla="*/ 662595 w 895071"/>
+              <a:gd name="connsiteY0" fmla="*/ 0 h 2603716"/>
+              <a:gd name="connsiteX1" fmla="*/ 3918 w 895071"/>
+              <a:gd name="connsiteY1" fmla="*/ 1394848 h 2603716"/>
+              <a:gd name="connsiteX2" fmla="*/ 895071 w 895071"/>
+              <a:gd name="connsiteY2" fmla="*/ 2603716 h 2603716"/>
+              <a:gd name="connsiteX0" fmla="*/ 666503 w 898979"/>
+              <a:gd name="connsiteY0" fmla="*/ 0 h 2603716"/>
+              <a:gd name="connsiteX1" fmla="*/ 7826 w 898979"/>
+              <a:gd name="connsiteY1" fmla="*/ 1394848 h 2603716"/>
+              <a:gd name="connsiteX2" fmla="*/ 898979 w 898979"/>
+              <a:gd name="connsiteY2" fmla="*/ 2603716 h 2603716"/>
+              <a:gd name="connsiteX0" fmla="*/ 862191 w 893189"/>
+              <a:gd name="connsiteY0" fmla="*/ 193133 h 1402002"/>
+              <a:gd name="connsiteX1" fmla="*/ 2036 w 893189"/>
+              <a:gd name="connsiteY1" fmla="*/ 193134 h 1402002"/>
+              <a:gd name="connsiteX2" fmla="*/ 893189 w 893189"/>
+              <a:gd name="connsiteY2" fmla="*/ 1402002 h 1402002"/>
+              <a:gd name="connsiteX0" fmla="*/ 0 w 30998"/>
+              <a:gd name="connsiteY0" fmla="*/ 0 h 1208869"/>
+              <a:gd name="connsiteX1" fmla="*/ 30998 w 30998"/>
+              <a:gd name="connsiteY1" fmla="*/ 1208869 h 1208869"/>
+              <a:gd name="connsiteX0" fmla="*/ 289418 w 320416"/>
+              <a:gd name="connsiteY0" fmla="*/ 0 h 1208869"/>
+              <a:gd name="connsiteX1" fmla="*/ 320416 w 320416"/>
+              <a:gd name="connsiteY1" fmla="*/ 1208869 h 1208869"/>
+              <a:gd name="connsiteX0" fmla="*/ 635456 w 666454"/>
+              <a:gd name="connsiteY0" fmla="*/ 0 h 1208869"/>
+              <a:gd name="connsiteX1" fmla="*/ 666454 w 666454"/>
+              <a:gd name="connsiteY1" fmla="*/ 1208869 h 1208869"/>
+              <a:gd name="connsiteX0" fmla="*/ 644334 w 659834"/>
+              <a:gd name="connsiteY0" fmla="*/ 0 h 1139126"/>
+              <a:gd name="connsiteX1" fmla="*/ 659834 w 659834"/>
+              <a:gd name="connsiteY1" fmla="*/ 1139126 h 1139126"/>
+              <a:gd name="connsiteX0" fmla="*/ 662379 w 662379"/>
+              <a:gd name="connsiteY0" fmla="*/ 0 h 1177872"/>
+              <a:gd name="connsiteX1" fmla="*/ 646883 w 662379"/>
+              <a:gd name="connsiteY1" fmla="*/ 1177872 h 1177872"/>
+              <a:gd name="connsiteX0" fmla="*/ 659857 w 659857"/>
+              <a:gd name="connsiteY0" fmla="*/ 0 h 1177872"/>
+              <a:gd name="connsiteX1" fmla="*/ 644361 w 659857"/>
+              <a:gd name="connsiteY1" fmla="*/ 1177872 h 1177872"/>
+              <a:gd name="connsiteX0" fmla="*/ 655296 w 655296"/>
+              <a:gd name="connsiteY0" fmla="*/ 0 h 1123628"/>
+              <a:gd name="connsiteX1" fmla="*/ 647549 w 655296"/>
+              <a:gd name="connsiteY1" fmla="*/ 1123628 h 1123628"/>
+              <a:gd name="connsiteX0" fmla="*/ 628431 w 667179"/>
+              <a:gd name="connsiteY0" fmla="*/ 0 h 3587859"/>
+              <a:gd name="connsiteX1" fmla="*/ 667179 w 667179"/>
+              <a:gd name="connsiteY1" fmla="*/ 3587859 h 3587859"/>
+              <a:gd name="connsiteX0" fmla="*/ 801059 w 839807"/>
+              <a:gd name="connsiteY0" fmla="*/ 0 h 3587859"/>
+              <a:gd name="connsiteX1" fmla="*/ 839807 w 839807"/>
+              <a:gd name="connsiteY1" fmla="*/ 3587859 h 3587859"/>
+              <a:gd name="connsiteX0" fmla="*/ 852409 w 891157"/>
+              <a:gd name="connsiteY0" fmla="*/ 0 h 3587859"/>
+              <a:gd name="connsiteX1" fmla="*/ 891157 w 891157"/>
+              <a:gd name="connsiteY1" fmla="*/ 3587859 h 3587859"/>
+              <a:gd name="connsiteX0" fmla="*/ 864045 w 902793"/>
+              <a:gd name="connsiteY0" fmla="*/ 0 h 3587859"/>
+              <a:gd name="connsiteX1" fmla="*/ 902793 w 902793"/>
+              <a:gd name="connsiteY1" fmla="*/ 3587859 h 3587859"/>
+              <a:gd name="connsiteX0" fmla="*/ 1119278 w 1158026"/>
+              <a:gd name="connsiteY0" fmla="*/ 0 h 3587859"/>
+              <a:gd name="connsiteX1" fmla="*/ 128700 w 1158026"/>
+              <a:gd name="connsiteY1" fmla="*/ 1443406 h 3587859"/>
+              <a:gd name="connsiteX2" fmla="*/ 1158026 w 1158026"/>
+              <a:gd name="connsiteY2" fmla="*/ 3587859 h 3587859"/>
+              <a:gd name="connsiteX0" fmla="*/ 1085306 w 1124054"/>
+              <a:gd name="connsiteY0" fmla="*/ 0 h 3587859"/>
+              <a:gd name="connsiteX1" fmla="*/ 94728 w 1124054"/>
+              <a:gd name="connsiteY1" fmla="*/ 1443406 h 3587859"/>
+              <a:gd name="connsiteX2" fmla="*/ 1124054 w 1124054"/>
+              <a:gd name="connsiteY2" fmla="*/ 3587859 h 3587859"/>
+              <a:gd name="connsiteX0" fmla="*/ 756365 w 795113"/>
+              <a:gd name="connsiteY0" fmla="*/ 0 h 3587859"/>
+              <a:gd name="connsiteX1" fmla="*/ 269482 w 795113"/>
+              <a:gd name="connsiteY1" fmla="*/ 1443406 h 3587859"/>
+              <a:gd name="connsiteX2" fmla="*/ 795113 w 795113"/>
+              <a:gd name="connsiteY2" fmla="*/ 3587859 h 3587859"/>
+              <a:gd name="connsiteX0" fmla="*/ 756365 w 795113"/>
+              <a:gd name="connsiteY0" fmla="*/ 0 h 3587859"/>
+              <a:gd name="connsiteX1" fmla="*/ 269482 w 795113"/>
+              <a:gd name="connsiteY1" fmla="*/ 1443406 h 3587859"/>
+              <a:gd name="connsiteX2" fmla="*/ 795113 w 795113"/>
+              <a:gd name="connsiteY2" fmla="*/ 3587859 h 3587859"/>
+              <a:gd name="connsiteX0" fmla="*/ 834712 w 873460"/>
+              <a:gd name="connsiteY0" fmla="*/ 0 h 3587859"/>
+              <a:gd name="connsiteX1" fmla="*/ 347829 w 873460"/>
+              <a:gd name="connsiteY1" fmla="*/ 1443406 h 3587859"/>
+              <a:gd name="connsiteX2" fmla="*/ 873460 w 873460"/>
+              <a:gd name="connsiteY2" fmla="*/ 3587859 h 3587859"/>
+              <a:gd name="connsiteX0" fmla="*/ 945932 w 984680"/>
+              <a:gd name="connsiteY0" fmla="*/ 0 h 3587859"/>
+              <a:gd name="connsiteX1" fmla="*/ 273069 w 984680"/>
+              <a:gd name="connsiteY1" fmla="*/ 1373664 h 3587859"/>
+              <a:gd name="connsiteX2" fmla="*/ 984680 w 984680"/>
+              <a:gd name="connsiteY2" fmla="*/ 3587859 h 3587859"/>
+              <a:gd name="connsiteX0" fmla="*/ 1002605 w 1041353"/>
+              <a:gd name="connsiteY0" fmla="*/ 0 h 3587859"/>
+              <a:gd name="connsiteX1" fmla="*/ 244502 w 1041353"/>
+              <a:gd name="connsiteY1" fmla="*/ 1187685 h 3587859"/>
+              <a:gd name="connsiteX2" fmla="*/ 1041353 w 1041353"/>
+              <a:gd name="connsiteY2" fmla="*/ 3587859 h 3587859"/>
+              <a:gd name="connsiteX0" fmla="*/ 1002605 w 1041353"/>
+              <a:gd name="connsiteY0" fmla="*/ 0 h 3587859"/>
+              <a:gd name="connsiteX1" fmla="*/ 244502 w 1041353"/>
+              <a:gd name="connsiteY1" fmla="*/ 1187685 h 3587859"/>
+              <a:gd name="connsiteX2" fmla="*/ 1041353 w 1041353"/>
+              <a:gd name="connsiteY2" fmla="*/ 3587859 h 3587859"/>
+              <a:gd name="connsiteX0" fmla="*/ 907591 w 946339"/>
+              <a:gd name="connsiteY0" fmla="*/ 0 h 3587859"/>
+              <a:gd name="connsiteX1" fmla="*/ 149488 w 946339"/>
+              <a:gd name="connsiteY1" fmla="*/ 1187685 h 3587859"/>
+              <a:gd name="connsiteX2" fmla="*/ 946339 w 946339"/>
+              <a:gd name="connsiteY2" fmla="*/ 3587859 h 3587859"/>
+              <a:gd name="connsiteX0" fmla="*/ 778476 w 817224"/>
+              <a:gd name="connsiteY0" fmla="*/ 0 h 3587859"/>
+              <a:gd name="connsiteX1" fmla="*/ 237349 w 817224"/>
+              <a:gd name="connsiteY1" fmla="*/ 1241929 h 3587859"/>
+              <a:gd name="connsiteX2" fmla="*/ 817224 w 817224"/>
+              <a:gd name="connsiteY2" fmla="*/ 3587859 h 3587859"/>
+              <a:gd name="connsiteX0" fmla="*/ 778476 w 817224"/>
+              <a:gd name="connsiteY0" fmla="*/ 0 h 3587859"/>
+              <a:gd name="connsiteX1" fmla="*/ 237349 w 817224"/>
+              <a:gd name="connsiteY1" fmla="*/ 1241929 h 3587859"/>
+              <a:gd name="connsiteX2" fmla="*/ 817224 w 817224"/>
+              <a:gd name="connsiteY2" fmla="*/ 3587859 h 3587859"/>
+              <a:gd name="connsiteX0" fmla="*/ 778476 w 817224"/>
+              <a:gd name="connsiteY0" fmla="*/ 0 h 3587859"/>
+              <a:gd name="connsiteX1" fmla="*/ 237349 w 817224"/>
+              <a:gd name="connsiteY1" fmla="*/ 1241929 h 3587859"/>
+              <a:gd name="connsiteX2" fmla="*/ 817224 w 817224"/>
+              <a:gd name="connsiteY2" fmla="*/ 3587859 h 3587859"/>
+              <a:gd name="connsiteX0" fmla="*/ 787561 w 826309"/>
+              <a:gd name="connsiteY0" fmla="*/ 0 h 3587859"/>
+              <a:gd name="connsiteX1" fmla="*/ 246434 w 826309"/>
+              <a:gd name="connsiteY1" fmla="*/ 1241929 h 3587859"/>
+              <a:gd name="connsiteX2" fmla="*/ 826309 w 826309"/>
+              <a:gd name="connsiteY2" fmla="*/ 3587859 h 3587859"/>
+              <a:gd name="connsiteX0" fmla="*/ 853769 w 892517"/>
+              <a:gd name="connsiteY0" fmla="*/ 0 h 3587859"/>
+              <a:gd name="connsiteX1" fmla="*/ 196405 w 892517"/>
+              <a:gd name="connsiteY1" fmla="*/ 823475 h 3587859"/>
+              <a:gd name="connsiteX2" fmla="*/ 892517 w 892517"/>
+              <a:gd name="connsiteY2" fmla="*/ 3587859 h 3587859"/>
+              <a:gd name="connsiteX0" fmla="*/ 0 w 38748"/>
+              <a:gd name="connsiteY0" fmla="*/ 0 h 3587859"/>
+              <a:gd name="connsiteX1" fmla="*/ 38748 w 38748"/>
+              <a:gd name="connsiteY1" fmla="*/ 3587859 h 3587859"/>
+              <a:gd name="connsiteX0" fmla="*/ 493471 w 532219"/>
+              <a:gd name="connsiteY0" fmla="*/ 0 h 3587859"/>
+              <a:gd name="connsiteX1" fmla="*/ 532219 w 532219"/>
+              <a:gd name="connsiteY1" fmla="*/ 3587859 h 3587859"/>
+              <a:gd name="connsiteX0" fmla="*/ 762292 w 801040"/>
+              <a:gd name="connsiteY0" fmla="*/ 0 h 3587859"/>
+              <a:gd name="connsiteX1" fmla="*/ 801040 w 801040"/>
+              <a:gd name="connsiteY1" fmla="*/ 3587859 h 3587859"/>
+              <a:gd name="connsiteX0" fmla="*/ 707734 w 746482"/>
+              <a:gd name="connsiteY0" fmla="*/ 0 h 3587859"/>
+              <a:gd name="connsiteX1" fmla="*/ 746482 w 746482"/>
+              <a:gd name="connsiteY1" fmla="*/ 3587859 h 3587859"/>
+              <a:gd name="connsiteX0" fmla="*/ 704748 w 743496"/>
+              <a:gd name="connsiteY0" fmla="*/ 0 h 3587859"/>
+              <a:gd name="connsiteX1" fmla="*/ 743496 w 743496"/>
+              <a:gd name="connsiteY1" fmla="*/ 3587859 h 3587859"/>
+              <a:gd name="connsiteX0" fmla="*/ 965186 w 1003934"/>
+              <a:gd name="connsiteY0" fmla="*/ 0 h 3587859"/>
+              <a:gd name="connsiteX1" fmla="*/ 1003934 w 1003934"/>
+              <a:gd name="connsiteY1" fmla="*/ 3587859 h 3587859"/>
+              <a:gd name="connsiteX0" fmla="*/ 967763 w 1006511"/>
+              <a:gd name="connsiteY0" fmla="*/ 0 h 3587859"/>
+              <a:gd name="connsiteX1" fmla="*/ 1006511 w 1006511"/>
+              <a:gd name="connsiteY1" fmla="*/ 3587859 h 3587859"/>
+            </a:gdLst>
+            <a:ahLst/>
+            <a:cxnLst>
+              <a:cxn ang="0">
+                <a:pos x="connsiteX0" y="connsiteY0"/>
+              </a:cxn>
+              <a:cxn ang="0">
+                <a:pos x="connsiteX1" y="connsiteY1"/>
+              </a:cxn>
+            </a:cxnLst>
+            <a:rect l="l" t="t" r="r" b="b"/>
+            <a:pathLst>
+              <a:path w="1006511" h="3587859">
+                <a:moveTo>
+                  <a:pt x="967763" y="0"/>
+                </a:moveTo>
+                <a:cubicBezTo>
+                  <a:pt x="-18961" y="278320"/>
+                  <a:pt x="-610480" y="2897963"/>
+                  <a:pt x="1006511" y="3587859"/>
+                </a:cubicBezTo>
+              </a:path>
+            </a:pathLst>
+          </a:custGeom>
+          <a:noFill/>
+          <a:ln w="25400" cap="flat">
+            <a:solidFill>
+              <a:srgbClr val="FF00FF"/>
+            </a:solidFill>
+            <a:prstDash val="solid"/>
+            <a:round/>
+            <a:tailEnd type="triangle"/>
+          </a:ln>
+          <a:effectLst/>
+          <a:sp3d/>
+        </p:spPr>
+        <p:style>
+          <a:lnRef idx="0">
+            <a:scrgbClr r="0" g="0" b="0"/>
+          </a:lnRef>
+          <a:fillRef idx="0">
+            <a:scrgbClr r="0" g="0" b="0"/>
+          </a:fillRef>
+          <a:effectRef idx="0">
+            <a:scrgbClr r="0" g="0" b="0"/>
+          </a:effectRef>
+          <a:fontRef idx="none"/>
+        </p:style>
+        <p:txBody>
+          <a:bodyPr rot="0" spcFirstLastPara="1" vertOverflow="overflow" horzOverflow="overflow" vert="horz" wrap="square" lIns="91439" tIns="45719" rIns="91439" bIns="45719" numCol="1" spcCol="38100" rtlCol="0" anchor="t">
+            <a:noAutofit/>
+          </a:bodyPr>
+          <a:lstStyle/>
+          <a:p>
+            <a:pPr marL="0" marR="0" indent="0" algn="l" defTabSz="914400" rtl="0" fontAlgn="auto" latinLnBrk="1" hangingPunct="0">
+              <a:lnSpc>
+                <a:spcPct val="100000"/>
+              </a:lnSpc>
+              <a:spcBef>
+                <a:spcPts val="0"/>
+              </a:spcBef>
+              <a:spcAft>
+                <a:spcPts val="0"/>
+              </a:spcAft>
+              <a:buClrTx/>
+              <a:buSzTx/>
+              <a:buFontTx/>
+              <a:buNone/>
+              <a:tabLst/>
+            </a:pPr>
+            <a:endParaRPr kumimoji="0" lang="en-US" sz="1800" b="0" i="0" u="none" strike="noStrike" cap="none" spc="0" normalizeH="0" baseline="0">
+              <a:ln>
+                <a:noFill/>
+              </a:ln>
+              <a:solidFill>
+                <a:srgbClr val="000000"/>
+              </a:solidFill>
+              <a:effectLst/>
+              <a:uFillTx/>
+            </a:endParaRPr>
+          </a:p>
+        </p:txBody>
+      </p:sp>
+      <p:sp>
+        <p:nvSpPr>
+          <p:cNvPr id="37" name="Freeform 36">
+            <a:extLst>
+              <a:ext uri="{FF2B5EF4-FFF2-40B4-BE49-F238E27FC236}">
+                <a16:creationId xmlns:a16="http://schemas.microsoft.com/office/drawing/2014/main" id="{0678B37E-5109-5D9B-6A35-9D53735EAFC8}"/>
+              </a:ext>
+            </a:extLst>
+          </p:cNvPr>
+          <p:cNvSpPr/>
+          <p:nvPr/>
+        </p:nvSpPr>
+        <p:spPr>
+          <a:xfrm>
+            <a:off x="5517813" y="3712316"/>
+            <a:ext cx="537536" cy="3629327"/>
+          </a:xfrm>
+          <a:custGeom>
+            <a:avLst/>
+            <a:gdLst>
+              <a:gd name="connsiteX0" fmla="*/ 636851 w 2140187"/>
+              <a:gd name="connsiteY0" fmla="*/ 0 h 3904754"/>
+              <a:gd name="connsiteX1" fmla="*/ 1421 w 2140187"/>
+              <a:gd name="connsiteY1" fmla="*/ 2131017 h 3904754"/>
+              <a:gd name="connsiteX2" fmla="*/ 791834 w 2140187"/>
+              <a:gd name="connsiteY2" fmla="*/ 3634353 h 3904754"/>
+              <a:gd name="connsiteX3" fmla="*/ 2140187 w 2140187"/>
+              <a:gd name="connsiteY3" fmla="*/ 3897824 h 3904754"/>
+              <a:gd name="connsiteX0" fmla="*/ 650148 w 2153484"/>
+              <a:gd name="connsiteY0" fmla="*/ 0 h 3904754"/>
+              <a:gd name="connsiteX1" fmla="*/ 316935 w 2153484"/>
+              <a:gd name="connsiteY1" fmla="*/ 805912 h 3904754"/>
+              <a:gd name="connsiteX2" fmla="*/ 14718 w 2153484"/>
+              <a:gd name="connsiteY2" fmla="*/ 2131017 h 3904754"/>
+              <a:gd name="connsiteX3" fmla="*/ 805131 w 2153484"/>
+              <a:gd name="connsiteY3" fmla="*/ 3634353 h 3904754"/>
+              <a:gd name="connsiteX4" fmla="*/ 2153484 w 2153484"/>
+              <a:gd name="connsiteY4" fmla="*/ 3897824 h 3904754"/>
+              <a:gd name="connsiteX0" fmla="*/ 716982 w 2220318"/>
+              <a:gd name="connsiteY0" fmla="*/ 0 h 3904754"/>
+              <a:gd name="connsiteX1" fmla="*/ 97050 w 2220318"/>
+              <a:gd name="connsiteY1" fmla="*/ 604434 h 3904754"/>
+              <a:gd name="connsiteX2" fmla="*/ 81552 w 2220318"/>
+              <a:gd name="connsiteY2" fmla="*/ 2131017 h 3904754"/>
+              <a:gd name="connsiteX3" fmla="*/ 871965 w 2220318"/>
+              <a:gd name="connsiteY3" fmla="*/ 3634353 h 3904754"/>
+              <a:gd name="connsiteX4" fmla="*/ 2220318 w 2220318"/>
+              <a:gd name="connsiteY4" fmla="*/ 3897824 h 3904754"/>
+              <a:gd name="connsiteX0" fmla="*/ 742027 w 2245363"/>
+              <a:gd name="connsiteY0" fmla="*/ 0 h 3898257"/>
+              <a:gd name="connsiteX1" fmla="*/ 122095 w 2245363"/>
+              <a:gd name="connsiteY1" fmla="*/ 604434 h 3898257"/>
+              <a:gd name="connsiteX2" fmla="*/ 106597 w 2245363"/>
+              <a:gd name="connsiteY2" fmla="*/ 2131017 h 3898257"/>
+              <a:gd name="connsiteX3" fmla="*/ 176339 w 2245363"/>
+              <a:gd name="connsiteY3" fmla="*/ 3215899 h 3898257"/>
+              <a:gd name="connsiteX4" fmla="*/ 2245363 w 2245363"/>
+              <a:gd name="connsiteY4" fmla="*/ 3897824 h 3898257"/>
+              <a:gd name="connsiteX0" fmla="*/ 742027 w 920258"/>
+              <a:gd name="connsiteY0" fmla="*/ 0 h 3704902"/>
+              <a:gd name="connsiteX1" fmla="*/ 122095 w 920258"/>
+              <a:gd name="connsiteY1" fmla="*/ 604434 h 3704902"/>
+              <a:gd name="connsiteX2" fmla="*/ 106597 w 920258"/>
+              <a:gd name="connsiteY2" fmla="*/ 2131017 h 3704902"/>
+              <a:gd name="connsiteX3" fmla="*/ 176339 w 920258"/>
+              <a:gd name="connsiteY3" fmla="*/ 3215899 h 3704902"/>
+              <a:gd name="connsiteX4" fmla="*/ 920258 w 920258"/>
+              <a:gd name="connsiteY4" fmla="*/ 3704095 h 3704902"/>
+              <a:gd name="connsiteX0" fmla="*/ 776563 w 954794"/>
+              <a:gd name="connsiteY0" fmla="*/ 0 h 3724806"/>
+              <a:gd name="connsiteX1" fmla="*/ 156631 w 954794"/>
+              <a:gd name="connsiteY1" fmla="*/ 604434 h 3724806"/>
+              <a:gd name="connsiteX2" fmla="*/ 141133 w 954794"/>
+              <a:gd name="connsiteY2" fmla="*/ 2131017 h 3724806"/>
+              <a:gd name="connsiteX3" fmla="*/ 164380 w 954794"/>
+              <a:gd name="connsiteY3" fmla="*/ 3502618 h 3724806"/>
+              <a:gd name="connsiteX4" fmla="*/ 954794 w 954794"/>
+              <a:gd name="connsiteY4" fmla="*/ 3704095 h 3724806"/>
+              <a:gd name="connsiteX0" fmla="*/ 704300 w 882531"/>
+              <a:gd name="connsiteY0" fmla="*/ 0 h 3724806"/>
+              <a:gd name="connsiteX1" fmla="*/ 84368 w 882531"/>
+              <a:gd name="connsiteY1" fmla="*/ 604434 h 3724806"/>
+              <a:gd name="connsiteX2" fmla="*/ 92117 w 882531"/>
+              <a:gd name="connsiteY2" fmla="*/ 3502618 h 3724806"/>
+              <a:gd name="connsiteX3" fmla="*/ 882531 w 882531"/>
+              <a:gd name="connsiteY3" fmla="*/ 3704095 h 3724806"/>
+              <a:gd name="connsiteX0" fmla="*/ 704300 w 836036"/>
+              <a:gd name="connsiteY0" fmla="*/ 0 h 3786830"/>
+              <a:gd name="connsiteX1" fmla="*/ 84368 w 836036"/>
+              <a:gd name="connsiteY1" fmla="*/ 604434 h 3786830"/>
+              <a:gd name="connsiteX2" fmla="*/ 92117 w 836036"/>
+              <a:gd name="connsiteY2" fmla="*/ 3502618 h 3786830"/>
+              <a:gd name="connsiteX3" fmla="*/ 836036 w 836036"/>
+              <a:gd name="connsiteY3" fmla="*/ 3781586 h 3786830"/>
+              <a:gd name="connsiteX0" fmla="*/ 776861 w 908597"/>
+              <a:gd name="connsiteY0" fmla="*/ 0 h 3781750"/>
+              <a:gd name="connsiteX1" fmla="*/ 156929 w 908597"/>
+              <a:gd name="connsiteY1" fmla="*/ 604434 h 3781750"/>
+              <a:gd name="connsiteX2" fmla="*/ 56190 w 908597"/>
+              <a:gd name="connsiteY2" fmla="*/ 2417736 h 3781750"/>
+              <a:gd name="connsiteX3" fmla="*/ 908597 w 908597"/>
+              <a:gd name="connsiteY3" fmla="*/ 3781586 h 3781750"/>
+              <a:gd name="connsiteX0" fmla="*/ 776861 w 908597"/>
+              <a:gd name="connsiteY0" fmla="*/ 0 h 3781848"/>
+              <a:gd name="connsiteX1" fmla="*/ 156929 w 908597"/>
+              <a:gd name="connsiteY1" fmla="*/ 604434 h 3781848"/>
+              <a:gd name="connsiteX2" fmla="*/ 56190 w 908597"/>
+              <a:gd name="connsiteY2" fmla="*/ 2417736 h 3781848"/>
+              <a:gd name="connsiteX3" fmla="*/ 908597 w 908597"/>
+              <a:gd name="connsiteY3" fmla="*/ 3781586 h 3781848"/>
+              <a:gd name="connsiteX0" fmla="*/ 742871 w 874607"/>
+              <a:gd name="connsiteY0" fmla="*/ 0 h 3781848"/>
+              <a:gd name="connsiteX1" fmla="*/ 122939 w 874607"/>
+              <a:gd name="connsiteY1" fmla="*/ 604434 h 3781848"/>
+              <a:gd name="connsiteX2" fmla="*/ 22200 w 874607"/>
+              <a:gd name="connsiteY2" fmla="*/ 2417736 h 3781848"/>
+              <a:gd name="connsiteX3" fmla="*/ 874607 w 874607"/>
+              <a:gd name="connsiteY3" fmla="*/ 3781586 h 3781848"/>
+              <a:gd name="connsiteX0" fmla="*/ 742871 w 890105"/>
+              <a:gd name="connsiteY0" fmla="*/ 0 h 3564992"/>
+              <a:gd name="connsiteX1" fmla="*/ 122939 w 890105"/>
+              <a:gd name="connsiteY1" fmla="*/ 604434 h 3564992"/>
+              <a:gd name="connsiteX2" fmla="*/ 22200 w 890105"/>
+              <a:gd name="connsiteY2" fmla="*/ 2417736 h 3564992"/>
+              <a:gd name="connsiteX3" fmla="*/ 890105 w 890105"/>
+              <a:gd name="connsiteY3" fmla="*/ 3564610 h 3564992"/>
+              <a:gd name="connsiteX0" fmla="*/ 742871 w 890105"/>
+              <a:gd name="connsiteY0" fmla="*/ 0 h 3564610"/>
+              <a:gd name="connsiteX1" fmla="*/ 122939 w 890105"/>
+              <a:gd name="connsiteY1" fmla="*/ 604434 h 3564610"/>
+              <a:gd name="connsiteX2" fmla="*/ 22200 w 890105"/>
+              <a:gd name="connsiteY2" fmla="*/ 2417736 h 3564610"/>
+              <a:gd name="connsiteX3" fmla="*/ 890105 w 890105"/>
+              <a:gd name="connsiteY3" fmla="*/ 3564610 h 3564610"/>
+              <a:gd name="connsiteX0" fmla="*/ 742871 w 890105"/>
+              <a:gd name="connsiteY0" fmla="*/ 0 h 3564610"/>
+              <a:gd name="connsiteX1" fmla="*/ 122939 w 890105"/>
+              <a:gd name="connsiteY1" fmla="*/ 604434 h 3564610"/>
+              <a:gd name="connsiteX2" fmla="*/ 22200 w 890105"/>
+              <a:gd name="connsiteY2" fmla="*/ 2417736 h 3564610"/>
+              <a:gd name="connsiteX3" fmla="*/ 890105 w 890105"/>
+              <a:gd name="connsiteY3" fmla="*/ 3564610 h 3564610"/>
+              <a:gd name="connsiteX0" fmla="*/ 721409 w 868643"/>
+              <a:gd name="connsiteY0" fmla="*/ 0 h 3564610"/>
+              <a:gd name="connsiteX1" fmla="*/ 738 w 868643"/>
+              <a:gd name="connsiteY1" fmla="*/ 2417736 h 3564610"/>
+              <a:gd name="connsiteX2" fmla="*/ 868643 w 868643"/>
+              <a:gd name="connsiteY2" fmla="*/ 3564610 h 3564610"/>
+              <a:gd name="connsiteX0" fmla="*/ 729937 w 877171"/>
+              <a:gd name="connsiteY0" fmla="*/ 0 h 3564610"/>
+              <a:gd name="connsiteX1" fmla="*/ 9266 w 877171"/>
+              <a:gd name="connsiteY1" fmla="*/ 2417736 h 3564610"/>
+              <a:gd name="connsiteX2" fmla="*/ 877171 w 877171"/>
+              <a:gd name="connsiteY2" fmla="*/ 3564610 h 3564610"/>
+              <a:gd name="connsiteX0" fmla="*/ 744174 w 875910"/>
+              <a:gd name="connsiteY0" fmla="*/ 0 h 3332136"/>
+              <a:gd name="connsiteX1" fmla="*/ 8005 w 875910"/>
+              <a:gd name="connsiteY1" fmla="*/ 2185262 h 3332136"/>
+              <a:gd name="connsiteX2" fmla="*/ 875910 w 875910"/>
+              <a:gd name="connsiteY2" fmla="*/ 3332136 h 3332136"/>
+              <a:gd name="connsiteX0" fmla="*/ 744174 w 875910"/>
+              <a:gd name="connsiteY0" fmla="*/ 0 h 3332136"/>
+              <a:gd name="connsiteX1" fmla="*/ 8005 w 875910"/>
+              <a:gd name="connsiteY1" fmla="*/ 2185262 h 3332136"/>
+              <a:gd name="connsiteX2" fmla="*/ 875910 w 875910"/>
+              <a:gd name="connsiteY2" fmla="*/ 3332136 h 3332136"/>
+              <a:gd name="connsiteX0" fmla="*/ 744174 w 899158"/>
+              <a:gd name="connsiteY0" fmla="*/ 0 h 3394130"/>
+              <a:gd name="connsiteX1" fmla="*/ 8005 w 899158"/>
+              <a:gd name="connsiteY1" fmla="*/ 2185262 h 3394130"/>
+              <a:gd name="connsiteX2" fmla="*/ 899158 w 899158"/>
+              <a:gd name="connsiteY2" fmla="*/ 3394130 h 3394130"/>
+              <a:gd name="connsiteX0" fmla="*/ 744174 w 899158"/>
+              <a:gd name="connsiteY0" fmla="*/ 0 h 3394130"/>
+              <a:gd name="connsiteX1" fmla="*/ 8005 w 899158"/>
+              <a:gd name="connsiteY1" fmla="*/ 2185262 h 3394130"/>
+              <a:gd name="connsiteX2" fmla="*/ 899158 w 899158"/>
+              <a:gd name="connsiteY2" fmla="*/ 3394130 h 3394130"/>
+              <a:gd name="connsiteX0" fmla="*/ 729937 w 900419"/>
+              <a:gd name="connsiteY0" fmla="*/ 0 h 2998923"/>
+              <a:gd name="connsiteX1" fmla="*/ 9266 w 900419"/>
+              <a:gd name="connsiteY1" fmla="*/ 1790055 h 2998923"/>
+              <a:gd name="connsiteX2" fmla="*/ 900419 w 900419"/>
+              <a:gd name="connsiteY2" fmla="*/ 2998923 h 2998923"/>
+              <a:gd name="connsiteX0" fmla="*/ 737030 w 899763"/>
+              <a:gd name="connsiteY0" fmla="*/ 0 h 3084164"/>
+              <a:gd name="connsiteX1" fmla="*/ 8610 w 899763"/>
+              <a:gd name="connsiteY1" fmla="*/ 1875296 h 3084164"/>
+              <a:gd name="connsiteX2" fmla="*/ 899763 w 899763"/>
+              <a:gd name="connsiteY2" fmla="*/ 3084164 h 3084164"/>
+              <a:gd name="connsiteX0" fmla="*/ 682053 w 906779"/>
+              <a:gd name="connsiteY0" fmla="*/ 0 h 3099662"/>
+              <a:gd name="connsiteX1" fmla="*/ 15626 w 906779"/>
+              <a:gd name="connsiteY1" fmla="*/ 1890794 h 3099662"/>
+              <a:gd name="connsiteX2" fmla="*/ 906779 w 906779"/>
+              <a:gd name="connsiteY2" fmla="*/ 3099662 h 3099662"/>
+              <a:gd name="connsiteX0" fmla="*/ 670137 w 894863"/>
+              <a:gd name="connsiteY0" fmla="*/ 0 h 3099662"/>
+              <a:gd name="connsiteX1" fmla="*/ 3710 w 894863"/>
+              <a:gd name="connsiteY1" fmla="*/ 1890794 h 3099662"/>
+              <a:gd name="connsiteX2" fmla="*/ 894863 w 894863"/>
+              <a:gd name="connsiteY2" fmla="*/ 3099662 h 3099662"/>
+              <a:gd name="connsiteX0" fmla="*/ 662595 w 895071"/>
+              <a:gd name="connsiteY0" fmla="*/ 0 h 2603716"/>
+              <a:gd name="connsiteX1" fmla="*/ 3918 w 895071"/>
+              <a:gd name="connsiteY1" fmla="*/ 1394848 h 2603716"/>
+              <a:gd name="connsiteX2" fmla="*/ 895071 w 895071"/>
+              <a:gd name="connsiteY2" fmla="*/ 2603716 h 2603716"/>
+              <a:gd name="connsiteX0" fmla="*/ 666503 w 898979"/>
+              <a:gd name="connsiteY0" fmla="*/ 0 h 2603716"/>
+              <a:gd name="connsiteX1" fmla="*/ 7826 w 898979"/>
+              <a:gd name="connsiteY1" fmla="*/ 1394848 h 2603716"/>
+              <a:gd name="connsiteX2" fmla="*/ 898979 w 898979"/>
+              <a:gd name="connsiteY2" fmla="*/ 2603716 h 2603716"/>
+              <a:gd name="connsiteX0" fmla="*/ 862191 w 893189"/>
+              <a:gd name="connsiteY0" fmla="*/ 193133 h 1402002"/>
+              <a:gd name="connsiteX1" fmla="*/ 2036 w 893189"/>
+              <a:gd name="connsiteY1" fmla="*/ 193134 h 1402002"/>
+              <a:gd name="connsiteX2" fmla="*/ 893189 w 893189"/>
+              <a:gd name="connsiteY2" fmla="*/ 1402002 h 1402002"/>
+              <a:gd name="connsiteX0" fmla="*/ 0 w 30998"/>
+              <a:gd name="connsiteY0" fmla="*/ 0 h 1208869"/>
+              <a:gd name="connsiteX1" fmla="*/ 30998 w 30998"/>
+              <a:gd name="connsiteY1" fmla="*/ 1208869 h 1208869"/>
+              <a:gd name="connsiteX0" fmla="*/ 289418 w 320416"/>
+              <a:gd name="connsiteY0" fmla="*/ 0 h 1208869"/>
+              <a:gd name="connsiteX1" fmla="*/ 320416 w 320416"/>
+              <a:gd name="connsiteY1" fmla="*/ 1208869 h 1208869"/>
+              <a:gd name="connsiteX0" fmla="*/ 635456 w 666454"/>
+              <a:gd name="connsiteY0" fmla="*/ 0 h 1208869"/>
+              <a:gd name="connsiteX1" fmla="*/ 666454 w 666454"/>
+              <a:gd name="connsiteY1" fmla="*/ 1208869 h 1208869"/>
+              <a:gd name="connsiteX0" fmla="*/ 644334 w 659834"/>
+              <a:gd name="connsiteY0" fmla="*/ 0 h 1139126"/>
+              <a:gd name="connsiteX1" fmla="*/ 659834 w 659834"/>
+              <a:gd name="connsiteY1" fmla="*/ 1139126 h 1139126"/>
+              <a:gd name="connsiteX0" fmla="*/ 662379 w 662379"/>
+              <a:gd name="connsiteY0" fmla="*/ 0 h 1177872"/>
+              <a:gd name="connsiteX1" fmla="*/ 646883 w 662379"/>
+              <a:gd name="connsiteY1" fmla="*/ 1177872 h 1177872"/>
+              <a:gd name="connsiteX0" fmla="*/ 659857 w 659857"/>
+              <a:gd name="connsiteY0" fmla="*/ 0 h 1177872"/>
+              <a:gd name="connsiteX1" fmla="*/ 644361 w 659857"/>
+              <a:gd name="connsiteY1" fmla="*/ 1177872 h 1177872"/>
+              <a:gd name="connsiteX0" fmla="*/ 655296 w 655296"/>
+              <a:gd name="connsiteY0" fmla="*/ 0 h 1123628"/>
+              <a:gd name="connsiteX1" fmla="*/ 647549 w 655296"/>
+              <a:gd name="connsiteY1" fmla="*/ 1123628 h 1123628"/>
+              <a:gd name="connsiteX0" fmla="*/ 628431 w 667179"/>
+              <a:gd name="connsiteY0" fmla="*/ 0 h 3587859"/>
+              <a:gd name="connsiteX1" fmla="*/ 667179 w 667179"/>
+              <a:gd name="connsiteY1" fmla="*/ 3587859 h 3587859"/>
+              <a:gd name="connsiteX0" fmla="*/ 801059 w 839807"/>
+              <a:gd name="connsiteY0" fmla="*/ 0 h 3587859"/>
+              <a:gd name="connsiteX1" fmla="*/ 839807 w 839807"/>
+              <a:gd name="connsiteY1" fmla="*/ 3587859 h 3587859"/>
+              <a:gd name="connsiteX0" fmla="*/ 852409 w 891157"/>
+              <a:gd name="connsiteY0" fmla="*/ 0 h 3587859"/>
+              <a:gd name="connsiteX1" fmla="*/ 891157 w 891157"/>
+              <a:gd name="connsiteY1" fmla="*/ 3587859 h 3587859"/>
+              <a:gd name="connsiteX0" fmla="*/ 864045 w 902793"/>
+              <a:gd name="connsiteY0" fmla="*/ 0 h 3587859"/>
+              <a:gd name="connsiteX1" fmla="*/ 902793 w 902793"/>
+              <a:gd name="connsiteY1" fmla="*/ 3587859 h 3587859"/>
+              <a:gd name="connsiteX0" fmla="*/ 1119278 w 1158026"/>
+              <a:gd name="connsiteY0" fmla="*/ 0 h 3587859"/>
+              <a:gd name="connsiteX1" fmla="*/ 128700 w 1158026"/>
+              <a:gd name="connsiteY1" fmla="*/ 1443406 h 3587859"/>
+              <a:gd name="connsiteX2" fmla="*/ 1158026 w 1158026"/>
+              <a:gd name="connsiteY2" fmla="*/ 3587859 h 3587859"/>
+              <a:gd name="connsiteX0" fmla="*/ 1085306 w 1124054"/>
+              <a:gd name="connsiteY0" fmla="*/ 0 h 3587859"/>
+              <a:gd name="connsiteX1" fmla="*/ 94728 w 1124054"/>
+              <a:gd name="connsiteY1" fmla="*/ 1443406 h 3587859"/>
+              <a:gd name="connsiteX2" fmla="*/ 1124054 w 1124054"/>
+              <a:gd name="connsiteY2" fmla="*/ 3587859 h 3587859"/>
+              <a:gd name="connsiteX0" fmla="*/ 756365 w 795113"/>
+              <a:gd name="connsiteY0" fmla="*/ 0 h 3587859"/>
+              <a:gd name="connsiteX1" fmla="*/ 269482 w 795113"/>
+              <a:gd name="connsiteY1" fmla="*/ 1443406 h 3587859"/>
+              <a:gd name="connsiteX2" fmla="*/ 795113 w 795113"/>
+              <a:gd name="connsiteY2" fmla="*/ 3587859 h 3587859"/>
+              <a:gd name="connsiteX0" fmla="*/ 756365 w 795113"/>
+              <a:gd name="connsiteY0" fmla="*/ 0 h 3587859"/>
+              <a:gd name="connsiteX1" fmla="*/ 269482 w 795113"/>
+              <a:gd name="connsiteY1" fmla="*/ 1443406 h 3587859"/>
+              <a:gd name="connsiteX2" fmla="*/ 795113 w 795113"/>
+              <a:gd name="connsiteY2" fmla="*/ 3587859 h 3587859"/>
+              <a:gd name="connsiteX0" fmla="*/ 834712 w 873460"/>
+              <a:gd name="connsiteY0" fmla="*/ 0 h 3587859"/>
+              <a:gd name="connsiteX1" fmla="*/ 347829 w 873460"/>
+              <a:gd name="connsiteY1" fmla="*/ 1443406 h 3587859"/>
+              <a:gd name="connsiteX2" fmla="*/ 873460 w 873460"/>
+              <a:gd name="connsiteY2" fmla="*/ 3587859 h 3587859"/>
+              <a:gd name="connsiteX0" fmla="*/ 945932 w 984680"/>
+              <a:gd name="connsiteY0" fmla="*/ 0 h 3587859"/>
+              <a:gd name="connsiteX1" fmla="*/ 273069 w 984680"/>
+              <a:gd name="connsiteY1" fmla="*/ 1373664 h 3587859"/>
+              <a:gd name="connsiteX2" fmla="*/ 984680 w 984680"/>
+              <a:gd name="connsiteY2" fmla="*/ 3587859 h 3587859"/>
+              <a:gd name="connsiteX0" fmla="*/ 1002605 w 1041353"/>
+              <a:gd name="connsiteY0" fmla="*/ 0 h 3587859"/>
+              <a:gd name="connsiteX1" fmla="*/ 244502 w 1041353"/>
+              <a:gd name="connsiteY1" fmla="*/ 1187685 h 3587859"/>
+              <a:gd name="connsiteX2" fmla="*/ 1041353 w 1041353"/>
+              <a:gd name="connsiteY2" fmla="*/ 3587859 h 3587859"/>
+              <a:gd name="connsiteX0" fmla="*/ 1002605 w 1041353"/>
+              <a:gd name="connsiteY0" fmla="*/ 0 h 3587859"/>
+              <a:gd name="connsiteX1" fmla="*/ 244502 w 1041353"/>
+              <a:gd name="connsiteY1" fmla="*/ 1187685 h 3587859"/>
+              <a:gd name="connsiteX2" fmla="*/ 1041353 w 1041353"/>
+              <a:gd name="connsiteY2" fmla="*/ 3587859 h 3587859"/>
+              <a:gd name="connsiteX0" fmla="*/ 907591 w 946339"/>
+              <a:gd name="connsiteY0" fmla="*/ 0 h 3587859"/>
+              <a:gd name="connsiteX1" fmla="*/ 149488 w 946339"/>
+              <a:gd name="connsiteY1" fmla="*/ 1187685 h 3587859"/>
+              <a:gd name="connsiteX2" fmla="*/ 946339 w 946339"/>
+              <a:gd name="connsiteY2" fmla="*/ 3587859 h 3587859"/>
+              <a:gd name="connsiteX0" fmla="*/ 778476 w 817224"/>
+              <a:gd name="connsiteY0" fmla="*/ 0 h 3587859"/>
+              <a:gd name="connsiteX1" fmla="*/ 237349 w 817224"/>
+              <a:gd name="connsiteY1" fmla="*/ 1241929 h 3587859"/>
+              <a:gd name="connsiteX2" fmla="*/ 817224 w 817224"/>
+              <a:gd name="connsiteY2" fmla="*/ 3587859 h 3587859"/>
+              <a:gd name="connsiteX0" fmla="*/ 778476 w 817224"/>
+              <a:gd name="connsiteY0" fmla="*/ 0 h 3587859"/>
+              <a:gd name="connsiteX1" fmla="*/ 237349 w 817224"/>
+              <a:gd name="connsiteY1" fmla="*/ 1241929 h 3587859"/>
+              <a:gd name="connsiteX2" fmla="*/ 817224 w 817224"/>
+              <a:gd name="connsiteY2" fmla="*/ 3587859 h 3587859"/>
+              <a:gd name="connsiteX0" fmla="*/ 778476 w 817224"/>
+              <a:gd name="connsiteY0" fmla="*/ 0 h 3587859"/>
+              <a:gd name="connsiteX1" fmla="*/ 237349 w 817224"/>
+              <a:gd name="connsiteY1" fmla="*/ 1241929 h 3587859"/>
+              <a:gd name="connsiteX2" fmla="*/ 817224 w 817224"/>
+              <a:gd name="connsiteY2" fmla="*/ 3587859 h 3587859"/>
+              <a:gd name="connsiteX0" fmla="*/ 787561 w 826309"/>
+              <a:gd name="connsiteY0" fmla="*/ 0 h 3587859"/>
+              <a:gd name="connsiteX1" fmla="*/ 246434 w 826309"/>
+              <a:gd name="connsiteY1" fmla="*/ 1241929 h 3587859"/>
+              <a:gd name="connsiteX2" fmla="*/ 826309 w 826309"/>
+              <a:gd name="connsiteY2" fmla="*/ 3587859 h 3587859"/>
+              <a:gd name="connsiteX0" fmla="*/ 853769 w 892517"/>
+              <a:gd name="connsiteY0" fmla="*/ 0 h 3587859"/>
+              <a:gd name="connsiteX1" fmla="*/ 196405 w 892517"/>
+              <a:gd name="connsiteY1" fmla="*/ 823475 h 3587859"/>
+              <a:gd name="connsiteX2" fmla="*/ 892517 w 892517"/>
+              <a:gd name="connsiteY2" fmla="*/ 3587859 h 3587859"/>
+              <a:gd name="connsiteX0" fmla="*/ 0 w 38748"/>
+              <a:gd name="connsiteY0" fmla="*/ 0 h 3587859"/>
+              <a:gd name="connsiteX1" fmla="*/ 38748 w 38748"/>
+              <a:gd name="connsiteY1" fmla="*/ 3587859 h 3587859"/>
+              <a:gd name="connsiteX0" fmla="*/ 493471 w 532219"/>
+              <a:gd name="connsiteY0" fmla="*/ 0 h 3587859"/>
+              <a:gd name="connsiteX1" fmla="*/ 532219 w 532219"/>
+              <a:gd name="connsiteY1" fmla="*/ 3587859 h 3587859"/>
+              <a:gd name="connsiteX0" fmla="*/ 762292 w 801040"/>
+              <a:gd name="connsiteY0" fmla="*/ 0 h 3587859"/>
+              <a:gd name="connsiteX1" fmla="*/ 801040 w 801040"/>
+              <a:gd name="connsiteY1" fmla="*/ 3587859 h 3587859"/>
+              <a:gd name="connsiteX0" fmla="*/ 707734 w 746482"/>
+              <a:gd name="connsiteY0" fmla="*/ 0 h 3587859"/>
+              <a:gd name="connsiteX1" fmla="*/ 746482 w 746482"/>
+              <a:gd name="connsiteY1" fmla="*/ 3587859 h 3587859"/>
+              <a:gd name="connsiteX0" fmla="*/ 704748 w 743496"/>
+              <a:gd name="connsiteY0" fmla="*/ 0 h 3587859"/>
+              <a:gd name="connsiteX1" fmla="*/ 743496 w 743496"/>
+              <a:gd name="connsiteY1" fmla="*/ 3587859 h 3587859"/>
+              <a:gd name="connsiteX0" fmla="*/ 965186 w 1003934"/>
+              <a:gd name="connsiteY0" fmla="*/ 0 h 3587859"/>
+              <a:gd name="connsiteX1" fmla="*/ 1003934 w 1003934"/>
+              <a:gd name="connsiteY1" fmla="*/ 3587859 h 3587859"/>
+              <a:gd name="connsiteX0" fmla="*/ 967763 w 1006511"/>
+              <a:gd name="connsiteY0" fmla="*/ 0 h 3587859"/>
+              <a:gd name="connsiteX1" fmla="*/ 1006511 w 1006511"/>
+              <a:gd name="connsiteY1" fmla="*/ 3587859 h 3587859"/>
+            </a:gdLst>
+            <a:ahLst/>
+            <a:cxnLst>
+              <a:cxn ang="0">
+                <a:pos x="connsiteX0" y="connsiteY0"/>
+              </a:cxn>
+              <a:cxn ang="0">
+                <a:pos x="connsiteX1" y="connsiteY1"/>
+              </a:cxn>
+            </a:cxnLst>
+            <a:rect l="l" t="t" r="r" b="b"/>
+            <a:pathLst>
+              <a:path w="1006511" h="3587859">
+                <a:moveTo>
+                  <a:pt x="967763" y="0"/>
+                </a:moveTo>
+                <a:cubicBezTo>
+                  <a:pt x="-18961" y="278320"/>
+                  <a:pt x="-610480" y="2897963"/>
+                  <a:pt x="1006511" y="3587859"/>
+                </a:cubicBezTo>
+              </a:path>
+            </a:pathLst>
+          </a:custGeom>
+          <a:noFill/>
+          <a:ln w="25400" cap="flat">
+            <a:solidFill>
+              <a:schemeClr val="accent5"/>
+            </a:solidFill>
+            <a:prstDash val="solid"/>
+            <a:round/>
+            <a:tailEnd type="triangle"/>
+          </a:ln>
+          <a:effectLst/>
+          <a:sp3d/>
+        </p:spPr>
+        <p:style>
+          <a:lnRef idx="0">
+            <a:scrgbClr r="0" g="0" b="0"/>
+          </a:lnRef>
+          <a:fillRef idx="0">
+            <a:scrgbClr r="0" g="0" b="0"/>
+          </a:fillRef>
+          <a:effectRef idx="0">
+            <a:scrgbClr r="0" g="0" b="0"/>
+          </a:effectRef>
+          <a:fontRef idx="none"/>
+        </p:style>
+        <p:txBody>
+          <a:bodyPr rot="0" spcFirstLastPara="1" vertOverflow="overflow" horzOverflow="overflow" vert="horz" wrap="square" lIns="91439" tIns="45719" rIns="91439" bIns="45719" numCol="1" spcCol="38100" rtlCol="0" anchor="t">
+            <a:noAutofit/>
+          </a:bodyPr>
+          <a:lstStyle/>
+          <a:p>
+            <a:pPr marL="0" marR="0" indent="0" algn="l" defTabSz="914400" rtl="0" fontAlgn="auto" latinLnBrk="1" hangingPunct="0">
+              <a:lnSpc>
+                <a:spcPct val="100000"/>
+              </a:lnSpc>
+              <a:spcBef>
+                <a:spcPts val="0"/>
+              </a:spcBef>
+              <a:spcAft>
+                <a:spcPts val="0"/>
+              </a:spcAft>
+              <a:buClrTx/>
+              <a:buSzTx/>
+              <a:buFontTx/>
+              <a:buNone/>
+              <a:tabLst/>
+            </a:pPr>
+            <a:endParaRPr kumimoji="0" lang="en-US" sz="1800" b="0" i="0" u="none" strike="noStrike" cap="none" spc="0" normalizeH="0" baseline="0">
+              <a:ln>
+                <a:noFill/>
+              </a:ln>
+              <a:solidFill>
+                <a:srgbClr val="000000"/>
+              </a:solidFill>
+              <a:effectLst/>
+              <a:uFillTx/>
+            </a:endParaRPr>
+          </a:p>
+        </p:txBody>
+      </p:sp>
+      <p:sp>
+        <p:nvSpPr>
+          <p:cNvPr id="38" name="Freeform 37">
+            <a:extLst>
+              <a:ext uri="{FF2B5EF4-FFF2-40B4-BE49-F238E27FC236}">
+                <a16:creationId xmlns:a16="http://schemas.microsoft.com/office/drawing/2014/main" id="{C3B9A8F7-4943-3D19-8FCB-77778D877DE3}"/>
+              </a:ext>
+            </a:extLst>
+          </p:cNvPr>
+          <p:cNvSpPr/>
+          <p:nvPr/>
+        </p:nvSpPr>
+        <p:spPr>
+          <a:xfrm>
+            <a:off x="5530904" y="4267434"/>
+            <a:ext cx="537536" cy="3629327"/>
+          </a:xfrm>
+          <a:custGeom>
+            <a:avLst/>
+            <a:gdLst>
+              <a:gd name="connsiteX0" fmla="*/ 636851 w 2140187"/>
+              <a:gd name="connsiteY0" fmla="*/ 0 h 3904754"/>
+              <a:gd name="connsiteX1" fmla="*/ 1421 w 2140187"/>
+              <a:gd name="connsiteY1" fmla="*/ 2131017 h 3904754"/>
+              <a:gd name="connsiteX2" fmla="*/ 791834 w 2140187"/>
+              <a:gd name="connsiteY2" fmla="*/ 3634353 h 3904754"/>
+              <a:gd name="connsiteX3" fmla="*/ 2140187 w 2140187"/>
+              <a:gd name="connsiteY3" fmla="*/ 3897824 h 3904754"/>
+              <a:gd name="connsiteX0" fmla="*/ 650148 w 2153484"/>
+              <a:gd name="connsiteY0" fmla="*/ 0 h 3904754"/>
+              <a:gd name="connsiteX1" fmla="*/ 316935 w 2153484"/>
+              <a:gd name="connsiteY1" fmla="*/ 805912 h 3904754"/>
+              <a:gd name="connsiteX2" fmla="*/ 14718 w 2153484"/>
+              <a:gd name="connsiteY2" fmla="*/ 2131017 h 3904754"/>
+              <a:gd name="connsiteX3" fmla="*/ 805131 w 2153484"/>
+              <a:gd name="connsiteY3" fmla="*/ 3634353 h 3904754"/>
+              <a:gd name="connsiteX4" fmla="*/ 2153484 w 2153484"/>
+              <a:gd name="connsiteY4" fmla="*/ 3897824 h 3904754"/>
+              <a:gd name="connsiteX0" fmla="*/ 716982 w 2220318"/>
+              <a:gd name="connsiteY0" fmla="*/ 0 h 3904754"/>
+              <a:gd name="connsiteX1" fmla="*/ 97050 w 2220318"/>
+              <a:gd name="connsiteY1" fmla="*/ 604434 h 3904754"/>
+              <a:gd name="connsiteX2" fmla="*/ 81552 w 2220318"/>
+              <a:gd name="connsiteY2" fmla="*/ 2131017 h 3904754"/>
+              <a:gd name="connsiteX3" fmla="*/ 871965 w 2220318"/>
+              <a:gd name="connsiteY3" fmla="*/ 3634353 h 3904754"/>
+              <a:gd name="connsiteX4" fmla="*/ 2220318 w 2220318"/>
+              <a:gd name="connsiteY4" fmla="*/ 3897824 h 3904754"/>
+              <a:gd name="connsiteX0" fmla="*/ 742027 w 2245363"/>
+              <a:gd name="connsiteY0" fmla="*/ 0 h 3898257"/>
+              <a:gd name="connsiteX1" fmla="*/ 122095 w 2245363"/>
+              <a:gd name="connsiteY1" fmla="*/ 604434 h 3898257"/>
+              <a:gd name="connsiteX2" fmla="*/ 106597 w 2245363"/>
+              <a:gd name="connsiteY2" fmla="*/ 2131017 h 3898257"/>
+              <a:gd name="connsiteX3" fmla="*/ 176339 w 2245363"/>
+              <a:gd name="connsiteY3" fmla="*/ 3215899 h 3898257"/>
+              <a:gd name="connsiteX4" fmla="*/ 2245363 w 2245363"/>
+              <a:gd name="connsiteY4" fmla="*/ 3897824 h 3898257"/>
+              <a:gd name="connsiteX0" fmla="*/ 742027 w 920258"/>
+              <a:gd name="connsiteY0" fmla="*/ 0 h 3704902"/>
+              <a:gd name="connsiteX1" fmla="*/ 122095 w 920258"/>
+              <a:gd name="connsiteY1" fmla="*/ 604434 h 3704902"/>
+              <a:gd name="connsiteX2" fmla="*/ 106597 w 920258"/>
+              <a:gd name="connsiteY2" fmla="*/ 2131017 h 3704902"/>
+              <a:gd name="connsiteX3" fmla="*/ 176339 w 920258"/>
+              <a:gd name="connsiteY3" fmla="*/ 3215899 h 3704902"/>
+              <a:gd name="connsiteX4" fmla="*/ 920258 w 920258"/>
+              <a:gd name="connsiteY4" fmla="*/ 3704095 h 3704902"/>
+              <a:gd name="connsiteX0" fmla="*/ 776563 w 954794"/>
+              <a:gd name="connsiteY0" fmla="*/ 0 h 3724806"/>
+              <a:gd name="connsiteX1" fmla="*/ 156631 w 954794"/>
+              <a:gd name="connsiteY1" fmla="*/ 604434 h 3724806"/>
+              <a:gd name="connsiteX2" fmla="*/ 141133 w 954794"/>
+              <a:gd name="connsiteY2" fmla="*/ 2131017 h 3724806"/>
+              <a:gd name="connsiteX3" fmla="*/ 164380 w 954794"/>
+              <a:gd name="connsiteY3" fmla="*/ 3502618 h 3724806"/>
+              <a:gd name="connsiteX4" fmla="*/ 954794 w 954794"/>
+              <a:gd name="connsiteY4" fmla="*/ 3704095 h 3724806"/>
+              <a:gd name="connsiteX0" fmla="*/ 704300 w 882531"/>
+              <a:gd name="connsiteY0" fmla="*/ 0 h 3724806"/>
+              <a:gd name="connsiteX1" fmla="*/ 84368 w 882531"/>
+              <a:gd name="connsiteY1" fmla="*/ 604434 h 3724806"/>
+              <a:gd name="connsiteX2" fmla="*/ 92117 w 882531"/>
+              <a:gd name="connsiteY2" fmla="*/ 3502618 h 3724806"/>
+              <a:gd name="connsiteX3" fmla="*/ 882531 w 882531"/>
+              <a:gd name="connsiteY3" fmla="*/ 3704095 h 3724806"/>
+              <a:gd name="connsiteX0" fmla="*/ 704300 w 836036"/>
+              <a:gd name="connsiteY0" fmla="*/ 0 h 3786830"/>
+              <a:gd name="connsiteX1" fmla="*/ 84368 w 836036"/>
+              <a:gd name="connsiteY1" fmla="*/ 604434 h 3786830"/>
+              <a:gd name="connsiteX2" fmla="*/ 92117 w 836036"/>
+              <a:gd name="connsiteY2" fmla="*/ 3502618 h 3786830"/>
+              <a:gd name="connsiteX3" fmla="*/ 836036 w 836036"/>
+              <a:gd name="connsiteY3" fmla="*/ 3781586 h 3786830"/>
+              <a:gd name="connsiteX0" fmla="*/ 776861 w 908597"/>
+              <a:gd name="connsiteY0" fmla="*/ 0 h 3781750"/>
+              <a:gd name="connsiteX1" fmla="*/ 156929 w 908597"/>
+              <a:gd name="connsiteY1" fmla="*/ 604434 h 3781750"/>
+              <a:gd name="connsiteX2" fmla="*/ 56190 w 908597"/>
+              <a:gd name="connsiteY2" fmla="*/ 2417736 h 3781750"/>
+              <a:gd name="connsiteX3" fmla="*/ 908597 w 908597"/>
+              <a:gd name="connsiteY3" fmla="*/ 3781586 h 3781750"/>
+              <a:gd name="connsiteX0" fmla="*/ 776861 w 908597"/>
+              <a:gd name="connsiteY0" fmla="*/ 0 h 3781848"/>
+              <a:gd name="connsiteX1" fmla="*/ 156929 w 908597"/>
+              <a:gd name="connsiteY1" fmla="*/ 604434 h 3781848"/>
+              <a:gd name="connsiteX2" fmla="*/ 56190 w 908597"/>
+              <a:gd name="connsiteY2" fmla="*/ 2417736 h 3781848"/>
+              <a:gd name="connsiteX3" fmla="*/ 908597 w 908597"/>
+              <a:gd name="connsiteY3" fmla="*/ 3781586 h 3781848"/>
+              <a:gd name="connsiteX0" fmla="*/ 742871 w 874607"/>
+              <a:gd name="connsiteY0" fmla="*/ 0 h 3781848"/>
+              <a:gd name="connsiteX1" fmla="*/ 122939 w 874607"/>
+              <a:gd name="connsiteY1" fmla="*/ 604434 h 3781848"/>
+              <a:gd name="connsiteX2" fmla="*/ 22200 w 874607"/>
+              <a:gd name="connsiteY2" fmla="*/ 2417736 h 3781848"/>
+              <a:gd name="connsiteX3" fmla="*/ 874607 w 874607"/>
+              <a:gd name="connsiteY3" fmla="*/ 3781586 h 3781848"/>
+              <a:gd name="connsiteX0" fmla="*/ 742871 w 890105"/>
+              <a:gd name="connsiteY0" fmla="*/ 0 h 3564992"/>
+              <a:gd name="connsiteX1" fmla="*/ 122939 w 890105"/>
+              <a:gd name="connsiteY1" fmla="*/ 604434 h 3564992"/>
+              <a:gd name="connsiteX2" fmla="*/ 22200 w 890105"/>
+              <a:gd name="connsiteY2" fmla="*/ 2417736 h 3564992"/>
+              <a:gd name="connsiteX3" fmla="*/ 890105 w 890105"/>
+              <a:gd name="connsiteY3" fmla="*/ 3564610 h 3564992"/>
+              <a:gd name="connsiteX0" fmla="*/ 742871 w 890105"/>
+              <a:gd name="connsiteY0" fmla="*/ 0 h 3564610"/>
+              <a:gd name="connsiteX1" fmla="*/ 122939 w 890105"/>
+              <a:gd name="connsiteY1" fmla="*/ 604434 h 3564610"/>
+              <a:gd name="connsiteX2" fmla="*/ 22200 w 890105"/>
+              <a:gd name="connsiteY2" fmla="*/ 2417736 h 3564610"/>
+              <a:gd name="connsiteX3" fmla="*/ 890105 w 890105"/>
+              <a:gd name="connsiteY3" fmla="*/ 3564610 h 3564610"/>
+              <a:gd name="connsiteX0" fmla="*/ 742871 w 890105"/>
+              <a:gd name="connsiteY0" fmla="*/ 0 h 3564610"/>
+              <a:gd name="connsiteX1" fmla="*/ 122939 w 890105"/>
+              <a:gd name="connsiteY1" fmla="*/ 604434 h 3564610"/>
+              <a:gd name="connsiteX2" fmla="*/ 22200 w 890105"/>
+              <a:gd name="connsiteY2" fmla="*/ 2417736 h 3564610"/>
+              <a:gd name="connsiteX3" fmla="*/ 890105 w 890105"/>
+              <a:gd name="connsiteY3" fmla="*/ 3564610 h 3564610"/>
+              <a:gd name="connsiteX0" fmla="*/ 721409 w 868643"/>
+              <a:gd name="connsiteY0" fmla="*/ 0 h 3564610"/>
+              <a:gd name="connsiteX1" fmla="*/ 738 w 868643"/>
+              <a:gd name="connsiteY1" fmla="*/ 2417736 h 3564610"/>
+              <a:gd name="connsiteX2" fmla="*/ 868643 w 868643"/>
+              <a:gd name="connsiteY2" fmla="*/ 3564610 h 3564610"/>
+              <a:gd name="connsiteX0" fmla="*/ 729937 w 877171"/>
+              <a:gd name="connsiteY0" fmla="*/ 0 h 3564610"/>
+              <a:gd name="connsiteX1" fmla="*/ 9266 w 877171"/>
+              <a:gd name="connsiteY1" fmla="*/ 2417736 h 3564610"/>
+              <a:gd name="connsiteX2" fmla="*/ 877171 w 877171"/>
+              <a:gd name="connsiteY2" fmla="*/ 3564610 h 3564610"/>
+              <a:gd name="connsiteX0" fmla="*/ 744174 w 875910"/>
+              <a:gd name="connsiteY0" fmla="*/ 0 h 3332136"/>
+              <a:gd name="connsiteX1" fmla="*/ 8005 w 875910"/>
+              <a:gd name="connsiteY1" fmla="*/ 2185262 h 3332136"/>
+              <a:gd name="connsiteX2" fmla="*/ 875910 w 875910"/>
+              <a:gd name="connsiteY2" fmla="*/ 3332136 h 3332136"/>
+              <a:gd name="connsiteX0" fmla="*/ 744174 w 875910"/>
+              <a:gd name="connsiteY0" fmla="*/ 0 h 3332136"/>
+              <a:gd name="connsiteX1" fmla="*/ 8005 w 875910"/>
+              <a:gd name="connsiteY1" fmla="*/ 2185262 h 3332136"/>
+              <a:gd name="connsiteX2" fmla="*/ 875910 w 875910"/>
+              <a:gd name="connsiteY2" fmla="*/ 3332136 h 3332136"/>
+              <a:gd name="connsiteX0" fmla="*/ 744174 w 899158"/>
+              <a:gd name="connsiteY0" fmla="*/ 0 h 3394130"/>
+              <a:gd name="connsiteX1" fmla="*/ 8005 w 899158"/>
+              <a:gd name="connsiteY1" fmla="*/ 2185262 h 3394130"/>
+              <a:gd name="connsiteX2" fmla="*/ 899158 w 899158"/>
+              <a:gd name="connsiteY2" fmla="*/ 3394130 h 3394130"/>
+              <a:gd name="connsiteX0" fmla="*/ 744174 w 899158"/>
+              <a:gd name="connsiteY0" fmla="*/ 0 h 3394130"/>
+              <a:gd name="connsiteX1" fmla="*/ 8005 w 899158"/>
+              <a:gd name="connsiteY1" fmla="*/ 2185262 h 3394130"/>
+              <a:gd name="connsiteX2" fmla="*/ 899158 w 899158"/>
+              <a:gd name="connsiteY2" fmla="*/ 3394130 h 3394130"/>
+              <a:gd name="connsiteX0" fmla="*/ 729937 w 900419"/>
+              <a:gd name="connsiteY0" fmla="*/ 0 h 2998923"/>
+              <a:gd name="connsiteX1" fmla="*/ 9266 w 900419"/>
+              <a:gd name="connsiteY1" fmla="*/ 1790055 h 2998923"/>
+              <a:gd name="connsiteX2" fmla="*/ 900419 w 900419"/>
+              <a:gd name="connsiteY2" fmla="*/ 2998923 h 2998923"/>
+              <a:gd name="connsiteX0" fmla="*/ 737030 w 899763"/>
+              <a:gd name="connsiteY0" fmla="*/ 0 h 3084164"/>
+              <a:gd name="connsiteX1" fmla="*/ 8610 w 899763"/>
+              <a:gd name="connsiteY1" fmla="*/ 1875296 h 3084164"/>
+              <a:gd name="connsiteX2" fmla="*/ 899763 w 899763"/>
+              <a:gd name="connsiteY2" fmla="*/ 3084164 h 3084164"/>
+              <a:gd name="connsiteX0" fmla="*/ 682053 w 906779"/>
+              <a:gd name="connsiteY0" fmla="*/ 0 h 3099662"/>
+              <a:gd name="connsiteX1" fmla="*/ 15626 w 906779"/>
+              <a:gd name="connsiteY1" fmla="*/ 1890794 h 3099662"/>
+              <a:gd name="connsiteX2" fmla="*/ 906779 w 906779"/>
+              <a:gd name="connsiteY2" fmla="*/ 3099662 h 3099662"/>
+              <a:gd name="connsiteX0" fmla="*/ 670137 w 894863"/>
+              <a:gd name="connsiteY0" fmla="*/ 0 h 3099662"/>
+              <a:gd name="connsiteX1" fmla="*/ 3710 w 894863"/>
+              <a:gd name="connsiteY1" fmla="*/ 1890794 h 3099662"/>
+              <a:gd name="connsiteX2" fmla="*/ 894863 w 894863"/>
+              <a:gd name="connsiteY2" fmla="*/ 3099662 h 3099662"/>
+              <a:gd name="connsiteX0" fmla="*/ 662595 w 895071"/>
+              <a:gd name="connsiteY0" fmla="*/ 0 h 2603716"/>
+              <a:gd name="connsiteX1" fmla="*/ 3918 w 895071"/>
+              <a:gd name="connsiteY1" fmla="*/ 1394848 h 2603716"/>
+              <a:gd name="connsiteX2" fmla="*/ 895071 w 895071"/>
+              <a:gd name="connsiteY2" fmla="*/ 2603716 h 2603716"/>
+              <a:gd name="connsiteX0" fmla="*/ 666503 w 898979"/>
+              <a:gd name="connsiteY0" fmla="*/ 0 h 2603716"/>
+              <a:gd name="connsiteX1" fmla="*/ 7826 w 898979"/>
+              <a:gd name="connsiteY1" fmla="*/ 1394848 h 2603716"/>
+              <a:gd name="connsiteX2" fmla="*/ 898979 w 898979"/>
+              <a:gd name="connsiteY2" fmla="*/ 2603716 h 2603716"/>
+              <a:gd name="connsiteX0" fmla="*/ 862191 w 893189"/>
+              <a:gd name="connsiteY0" fmla="*/ 193133 h 1402002"/>
+              <a:gd name="connsiteX1" fmla="*/ 2036 w 893189"/>
+              <a:gd name="connsiteY1" fmla="*/ 193134 h 1402002"/>
+              <a:gd name="connsiteX2" fmla="*/ 893189 w 893189"/>
+              <a:gd name="connsiteY2" fmla="*/ 1402002 h 1402002"/>
+              <a:gd name="connsiteX0" fmla="*/ 0 w 30998"/>
+              <a:gd name="connsiteY0" fmla="*/ 0 h 1208869"/>
+              <a:gd name="connsiteX1" fmla="*/ 30998 w 30998"/>
+              <a:gd name="connsiteY1" fmla="*/ 1208869 h 1208869"/>
+              <a:gd name="connsiteX0" fmla="*/ 289418 w 320416"/>
+              <a:gd name="connsiteY0" fmla="*/ 0 h 1208869"/>
+              <a:gd name="connsiteX1" fmla="*/ 320416 w 320416"/>
+              <a:gd name="connsiteY1" fmla="*/ 1208869 h 1208869"/>
+              <a:gd name="connsiteX0" fmla="*/ 635456 w 666454"/>
+              <a:gd name="connsiteY0" fmla="*/ 0 h 1208869"/>
+              <a:gd name="connsiteX1" fmla="*/ 666454 w 666454"/>
+              <a:gd name="connsiteY1" fmla="*/ 1208869 h 1208869"/>
+              <a:gd name="connsiteX0" fmla="*/ 644334 w 659834"/>
+              <a:gd name="connsiteY0" fmla="*/ 0 h 1139126"/>
+              <a:gd name="connsiteX1" fmla="*/ 659834 w 659834"/>
+              <a:gd name="connsiteY1" fmla="*/ 1139126 h 1139126"/>
+              <a:gd name="connsiteX0" fmla="*/ 662379 w 662379"/>
+              <a:gd name="connsiteY0" fmla="*/ 0 h 1177872"/>
+              <a:gd name="connsiteX1" fmla="*/ 646883 w 662379"/>
+              <a:gd name="connsiteY1" fmla="*/ 1177872 h 1177872"/>
+              <a:gd name="connsiteX0" fmla="*/ 659857 w 659857"/>
+              <a:gd name="connsiteY0" fmla="*/ 0 h 1177872"/>
+              <a:gd name="connsiteX1" fmla="*/ 644361 w 659857"/>
+              <a:gd name="connsiteY1" fmla="*/ 1177872 h 1177872"/>
+              <a:gd name="connsiteX0" fmla="*/ 655296 w 655296"/>
+              <a:gd name="connsiteY0" fmla="*/ 0 h 1123628"/>
+              <a:gd name="connsiteX1" fmla="*/ 647549 w 655296"/>
+              <a:gd name="connsiteY1" fmla="*/ 1123628 h 1123628"/>
+              <a:gd name="connsiteX0" fmla="*/ 628431 w 667179"/>
+              <a:gd name="connsiteY0" fmla="*/ 0 h 3587859"/>
+              <a:gd name="connsiteX1" fmla="*/ 667179 w 667179"/>
+              <a:gd name="connsiteY1" fmla="*/ 3587859 h 3587859"/>
+              <a:gd name="connsiteX0" fmla="*/ 801059 w 839807"/>
+              <a:gd name="connsiteY0" fmla="*/ 0 h 3587859"/>
+              <a:gd name="connsiteX1" fmla="*/ 839807 w 839807"/>
+              <a:gd name="connsiteY1" fmla="*/ 3587859 h 3587859"/>
+              <a:gd name="connsiteX0" fmla="*/ 852409 w 891157"/>
+              <a:gd name="connsiteY0" fmla="*/ 0 h 3587859"/>
+              <a:gd name="connsiteX1" fmla="*/ 891157 w 891157"/>
+              <a:gd name="connsiteY1" fmla="*/ 3587859 h 3587859"/>
+              <a:gd name="connsiteX0" fmla="*/ 864045 w 902793"/>
+              <a:gd name="connsiteY0" fmla="*/ 0 h 3587859"/>
+              <a:gd name="connsiteX1" fmla="*/ 902793 w 902793"/>
+              <a:gd name="connsiteY1" fmla="*/ 3587859 h 3587859"/>
+              <a:gd name="connsiteX0" fmla="*/ 1119278 w 1158026"/>
+              <a:gd name="connsiteY0" fmla="*/ 0 h 3587859"/>
+              <a:gd name="connsiteX1" fmla="*/ 128700 w 1158026"/>
+              <a:gd name="connsiteY1" fmla="*/ 1443406 h 3587859"/>
+              <a:gd name="connsiteX2" fmla="*/ 1158026 w 1158026"/>
+              <a:gd name="connsiteY2" fmla="*/ 3587859 h 3587859"/>
+              <a:gd name="connsiteX0" fmla="*/ 1085306 w 1124054"/>
+              <a:gd name="connsiteY0" fmla="*/ 0 h 3587859"/>
+              <a:gd name="connsiteX1" fmla="*/ 94728 w 1124054"/>
+              <a:gd name="connsiteY1" fmla="*/ 1443406 h 3587859"/>
+              <a:gd name="connsiteX2" fmla="*/ 1124054 w 1124054"/>
+              <a:gd name="connsiteY2" fmla="*/ 3587859 h 3587859"/>
+              <a:gd name="connsiteX0" fmla="*/ 756365 w 795113"/>
+              <a:gd name="connsiteY0" fmla="*/ 0 h 3587859"/>
+              <a:gd name="connsiteX1" fmla="*/ 269482 w 795113"/>
+              <a:gd name="connsiteY1" fmla="*/ 1443406 h 3587859"/>
+              <a:gd name="connsiteX2" fmla="*/ 795113 w 795113"/>
+              <a:gd name="connsiteY2" fmla="*/ 3587859 h 3587859"/>
+              <a:gd name="connsiteX0" fmla="*/ 756365 w 795113"/>
+              <a:gd name="connsiteY0" fmla="*/ 0 h 3587859"/>
+              <a:gd name="connsiteX1" fmla="*/ 269482 w 795113"/>
+              <a:gd name="connsiteY1" fmla="*/ 1443406 h 3587859"/>
+              <a:gd name="connsiteX2" fmla="*/ 795113 w 795113"/>
+              <a:gd name="connsiteY2" fmla="*/ 3587859 h 3587859"/>
+              <a:gd name="connsiteX0" fmla="*/ 834712 w 873460"/>
+              <a:gd name="connsiteY0" fmla="*/ 0 h 3587859"/>
+              <a:gd name="connsiteX1" fmla="*/ 347829 w 873460"/>
+              <a:gd name="connsiteY1" fmla="*/ 1443406 h 3587859"/>
+              <a:gd name="connsiteX2" fmla="*/ 873460 w 873460"/>
+              <a:gd name="connsiteY2" fmla="*/ 3587859 h 3587859"/>
+              <a:gd name="connsiteX0" fmla="*/ 945932 w 984680"/>
+              <a:gd name="connsiteY0" fmla="*/ 0 h 3587859"/>
+              <a:gd name="connsiteX1" fmla="*/ 273069 w 984680"/>
+              <a:gd name="connsiteY1" fmla="*/ 1373664 h 3587859"/>
+              <a:gd name="connsiteX2" fmla="*/ 984680 w 984680"/>
+              <a:gd name="connsiteY2" fmla="*/ 3587859 h 3587859"/>
+              <a:gd name="connsiteX0" fmla="*/ 1002605 w 1041353"/>
+              <a:gd name="connsiteY0" fmla="*/ 0 h 3587859"/>
+              <a:gd name="connsiteX1" fmla="*/ 244502 w 1041353"/>
+              <a:gd name="connsiteY1" fmla="*/ 1187685 h 3587859"/>
+              <a:gd name="connsiteX2" fmla="*/ 1041353 w 1041353"/>
+              <a:gd name="connsiteY2" fmla="*/ 3587859 h 3587859"/>
+              <a:gd name="connsiteX0" fmla="*/ 1002605 w 1041353"/>
+              <a:gd name="connsiteY0" fmla="*/ 0 h 3587859"/>
+              <a:gd name="connsiteX1" fmla="*/ 244502 w 1041353"/>
+              <a:gd name="connsiteY1" fmla="*/ 1187685 h 3587859"/>
+              <a:gd name="connsiteX2" fmla="*/ 1041353 w 1041353"/>
+              <a:gd name="connsiteY2" fmla="*/ 3587859 h 3587859"/>
+              <a:gd name="connsiteX0" fmla="*/ 907591 w 946339"/>
+              <a:gd name="connsiteY0" fmla="*/ 0 h 3587859"/>
+              <a:gd name="connsiteX1" fmla="*/ 149488 w 946339"/>
+              <a:gd name="connsiteY1" fmla="*/ 1187685 h 3587859"/>
+              <a:gd name="connsiteX2" fmla="*/ 946339 w 946339"/>
+              <a:gd name="connsiteY2" fmla="*/ 3587859 h 3587859"/>
+              <a:gd name="connsiteX0" fmla="*/ 778476 w 817224"/>
+              <a:gd name="connsiteY0" fmla="*/ 0 h 3587859"/>
+              <a:gd name="connsiteX1" fmla="*/ 237349 w 817224"/>
+              <a:gd name="connsiteY1" fmla="*/ 1241929 h 3587859"/>
+              <a:gd name="connsiteX2" fmla="*/ 817224 w 817224"/>
+              <a:gd name="connsiteY2" fmla="*/ 3587859 h 3587859"/>
+              <a:gd name="connsiteX0" fmla="*/ 778476 w 817224"/>
+              <a:gd name="connsiteY0" fmla="*/ 0 h 3587859"/>
+              <a:gd name="connsiteX1" fmla="*/ 237349 w 817224"/>
+              <a:gd name="connsiteY1" fmla="*/ 1241929 h 3587859"/>
+              <a:gd name="connsiteX2" fmla="*/ 817224 w 817224"/>
+              <a:gd name="connsiteY2" fmla="*/ 3587859 h 3587859"/>
+              <a:gd name="connsiteX0" fmla="*/ 778476 w 817224"/>
+              <a:gd name="connsiteY0" fmla="*/ 0 h 3587859"/>
+              <a:gd name="connsiteX1" fmla="*/ 237349 w 817224"/>
+              <a:gd name="connsiteY1" fmla="*/ 1241929 h 3587859"/>
+              <a:gd name="connsiteX2" fmla="*/ 817224 w 817224"/>
+              <a:gd name="connsiteY2" fmla="*/ 3587859 h 3587859"/>
+              <a:gd name="connsiteX0" fmla="*/ 787561 w 826309"/>
+              <a:gd name="connsiteY0" fmla="*/ 0 h 3587859"/>
+              <a:gd name="connsiteX1" fmla="*/ 246434 w 826309"/>
+              <a:gd name="connsiteY1" fmla="*/ 1241929 h 3587859"/>
+              <a:gd name="connsiteX2" fmla="*/ 826309 w 826309"/>
+              <a:gd name="connsiteY2" fmla="*/ 3587859 h 3587859"/>
+              <a:gd name="connsiteX0" fmla="*/ 853769 w 892517"/>
+              <a:gd name="connsiteY0" fmla="*/ 0 h 3587859"/>
+              <a:gd name="connsiteX1" fmla="*/ 196405 w 892517"/>
+              <a:gd name="connsiteY1" fmla="*/ 823475 h 3587859"/>
+              <a:gd name="connsiteX2" fmla="*/ 892517 w 892517"/>
+              <a:gd name="connsiteY2" fmla="*/ 3587859 h 3587859"/>
+              <a:gd name="connsiteX0" fmla="*/ 0 w 38748"/>
+              <a:gd name="connsiteY0" fmla="*/ 0 h 3587859"/>
+              <a:gd name="connsiteX1" fmla="*/ 38748 w 38748"/>
+              <a:gd name="connsiteY1" fmla="*/ 3587859 h 3587859"/>
+              <a:gd name="connsiteX0" fmla="*/ 493471 w 532219"/>
+              <a:gd name="connsiteY0" fmla="*/ 0 h 3587859"/>
+              <a:gd name="connsiteX1" fmla="*/ 532219 w 532219"/>
+              <a:gd name="connsiteY1" fmla="*/ 3587859 h 3587859"/>
+              <a:gd name="connsiteX0" fmla="*/ 762292 w 801040"/>
+              <a:gd name="connsiteY0" fmla="*/ 0 h 3587859"/>
+              <a:gd name="connsiteX1" fmla="*/ 801040 w 801040"/>
+              <a:gd name="connsiteY1" fmla="*/ 3587859 h 3587859"/>
+              <a:gd name="connsiteX0" fmla="*/ 707734 w 746482"/>
+              <a:gd name="connsiteY0" fmla="*/ 0 h 3587859"/>
+              <a:gd name="connsiteX1" fmla="*/ 746482 w 746482"/>
+              <a:gd name="connsiteY1" fmla="*/ 3587859 h 3587859"/>
+              <a:gd name="connsiteX0" fmla="*/ 704748 w 743496"/>
+              <a:gd name="connsiteY0" fmla="*/ 0 h 3587859"/>
+              <a:gd name="connsiteX1" fmla="*/ 743496 w 743496"/>
+              <a:gd name="connsiteY1" fmla="*/ 3587859 h 3587859"/>
+              <a:gd name="connsiteX0" fmla="*/ 965186 w 1003934"/>
+              <a:gd name="connsiteY0" fmla="*/ 0 h 3587859"/>
+              <a:gd name="connsiteX1" fmla="*/ 1003934 w 1003934"/>
+              <a:gd name="connsiteY1" fmla="*/ 3587859 h 3587859"/>
+              <a:gd name="connsiteX0" fmla="*/ 967763 w 1006511"/>
+              <a:gd name="connsiteY0" fmla="*/ 0 h 3587859"/>
+              <a:gd name="connsiteX1" fmla="*/ 1006511 w 1006511"/>
+              <a:gd name="connsiteY1" fmla="*/ 3587859 h 3587859"/>
+            </a:gdLst>
+            <a:ahLst/>
+            <a:cxnLst>
+              <a:cxn ang="0">
+                <a:pos x="connsiteX0" y="connsiteY0"/>
+              </a:cxn>
+              <a:cxn ang="0">
+                <a:pos x="connsiteX1" y="connsiteY1"/>
+              </a:cxn>
+            </a:cxnLst>
+            <a:rect l="l" t="t" r="r" b="b"/>
+            <a:pathLst>
+              <a:path w="1006511" h="3587859">
+                <a:moveTo>
+                  <a:pt x="967763" y="0"/>
+                </a:moveTo>
+                <a:cubicBezTo>
+                  <a:pt x="-18961" y="278320"/>
+                  <a:pt x="-610480" y="2897963"/>
+                  <a:pt x="1006511" y="3587859"/>
+                </a:cubicBezTo>
+              </a:path>
+            </a:pathLst>
+          </a:custGeom>
+          <a:noFill/>
+          <a:ln w="25400" cap="flat">
+            <a:solidFill>
+              <a:schemeClr val="accent6"/>
+            </a:solidFill>
+            <a:prstDash val="solid"/>
+            <a:round/>
+            <a:tailEnd type="triangle"/>
+          </a:ln>
+          <a:effectLst/>
+          <a:sp3d/>
+        </p:spPr>
+        <p:style>
+          <a:lnRef idx="0">
+            <a:scrgbClr r="0" g="0" b="0"/>
+          </a:lnRef>
+          <a:fillRef idx="0">
+            <a:scrgbClr r="0" g="0" b="0"/>
+          </a:fillRef>
+          <a:effectRef idx="0">
+            <a:scrgbClr r="0" g="0" b="0"/>
+          </a:effectRef>
+          <a:fontRef idx="none"/>
+        </p:style>
+        <p:txBody>
+          <a:bodyPr rot="0" spcFirstLastPara="1" vertOverflow="overflow" horzOverflow="overflow" vert="horz" wrap="square" lIns="91439" tIns="45719" rIns="91439" bIns="45719" numCol="1" spcCol="38100" rtlCol="0" anchor="t">
+            <a:noAutofit/>
+          </a:bodyPr>
+          <a:lstStyle/>
+          <a:p>
+            <a:pPr marL="0" marR="0" indent="0" algn="l" defTabSz="914400" rtl="0" fontAlgn="auto" latinLnBrk="1" hangingPunct="0">
+              <a:lnSpc>
+                <a:spcPct val="100000"/>
+              </a:lnSpc>
+              <a:spcBef>
+                <a:spcPts val="0"/>
+              </a:spcBef>
+              <a:spcAft>
+                <a:spcPts val="0"/>
+              </a:spcAft>
+              <a:buClrTx/>
+              <a:buSzTx/>
+              <a:buFontTx/>
+              <a:buNone/>
+              <a:tabLst/>
+            </a:pPr>
+            <a:endParaRPr kumimoji="0" lang="en-US" sz="1800" b="0" i="0" u="none" strike="noStrike" cap="none" spc="0" normalizeH="0" baseline="0">
+              <a:ln>
+                <a:noFill/>
+              </a:ln>
+              <a:solidFill>
+                <a:srgbClr val="000000"/>
+              </a:solidFill>
+              <a:effectLst/>
+              <a:uFillTx/>
+            </a:endParaRPr>
+          </a:p>
+        </p:txBody>
+      </p:sp>
+      <p:sp>
+        <p:nvSpPr>
+          <p:cNvPr id="39" name="Freeform 38">
+            <a:extLst>
+              <a:ext uri="{FF2B5EF4-FFF2-40B4-BE49-F238E27FC236}">
+                <a16:creationId xmlns:a16="http://schemas.microsoft.com/office/drawing/2014/main" id="{7DACA144-FFCB-7FDC-C413-6FB37AE8BB91}"/>
+              </a:ext>
+            </a:extLst>
+          </p:cNvPr>
+          <p:cNvSpPr/>
+          <p:nvPr/>
+        </p:nvSpPr>
+        <p:spPr>
+          <a:xfrm>
+            <a:off x="5450712" y="4747883"/>
+            <a:ext cx="537536" cy="3629327"/>
+          </a:xfrm>
+          <a:custGeom>
+            <a:avLst/>
+            <a:gdLst>
+              <a:gd name="connsiteX0" fmla="*/ 636851 w 2140187"/>
+              <a:gd name="connsiteY0" fmla="*/ 0 h 3904754"/>
+              <a:gd name="connsiteX1" fmla="*/ 1421 w 2140187"/>
+              <a:gd name="connsiteY1" fmla="*/ 2131017 h 3904754"/>
+              <a:gd name="connsiteX2" fmla="*/ 791834 w 2140187"/>
+              <a:gd name="connsiteY2" fmla="*/ 3634353 h 3904754"/>
+              <a:gd name="connsiteX3" fmla="*/ 2140187 w 2140187"/>
+              <a:gd name="connsiteY3" fmla="*/ 3897824 h 3904754"/>
+              <a:gd name="connsiteX0" fmla="*/ 650148 w 2153484"/>
+              <a:gd name="connsiteY0" fmla="*/ 0 h 3904754"/>
+              <a:gd name="connsiteX1" fmla="*/ 316935 w 2153484"/>
+              <a:gd name="connsiteY1" fmla="*/ 805912 h 3904754"/>
+              <a:gd name="connsiteX2" fmla="*/ 14718 w 2153484"/>
+              <a:gd name="connsiteY2" fmla="*/ 2131017 h 3904754"/>
+              <a:gd name="connsiteX3" fmla="*/ 805131 w 2153484"/>
+              <a:gd name="connsiteY3" fmla="*/ 3634353 h 3904754"/>
+              <a:gd name="connsiteX4" fmla="*/ 2153484 w 2153484"/>
+              <a:gd name="connsiteY4" fmla="*/ 3897824 h 3904754"/>
+              <a:gd name="connsiteX0" fmla="*/ 716982 w 2220318"/>
+              <a:gd name="connsiteY0" fmla="*/ 0 h 3904754"/>
+              <a:gd name="connsiteX1" fmla="*/ 97050 w 2220318"/>
+              <a:gd name="connsiteY1" fmla="*/ 604434 h 3904754"/>
+              <a:gd name="connsiteX2" fmla="*/ 81552 w 2220318"/>
+              <a:gd name="connsiteY2" fmla="*/ 2131017 h 3904754"/>
+              <a:gd name="connsiteX3" fmla="*/ 871965 w 2220318"/>
+              <a:gd name="connsiteY3" fmla="*/ 3634353 h 3904754"/>
+              <a:gd name="connsiteX4" fmla="*/ 2220318 w 2220318"/>
+              <a:gd name="connsiteY4" fmla="*/ 3897824 h 3904754"/>
+              <a:gd name="connsiteX0" fmla="*/ 742027 w 2245363"/>
+              <a:gd name="connsiteY0" fmla="*/ 0 h 3898257"/>
+              <a:gd name="connsiteX1" fmla="*/ 122095 w 2245363"/>
+              <a:gd name="connsiteY1" fmla="*/ 604434 h 3898257"/>
+              <a:gd name="connsiteX2" fmla="*/ 106597 w 2245363"/>
+              <a:gd name="connsiteY2" fmla="*/ 2131017 h 3898257"/>
+              <a:gd name="connsiteX3" fmla="*/ 176339 w 2245363"/>
+              <a:gd name="connsiteY3" fmla="*/ 3215899 h 3898257"/>
+              <a:gd name="connsiteX4" fmla="*/ 2245363 w 2245363"/>
+              <a:gd name="connsiteY4" fmla="*/ 3897824 h 3898257"/>
+              <a:gd name="connsiteX0" fmla="*/ 742027 w 920258"/>
+              <a:gd name="connsiteY0" fmla="*/ 0 h 3704902"/>
+              <a:gd name="connsiteX1" fmla="*/ 122095 w 920258"/>
+              <a:gd name="connsiteY1" fmla="*/ 604434 h 3704902"/>
+              <a:gd name="connsiteX2" fmla="*/ 106597 w 920258"/>
+              <a:gd name="connsiteY2" fmla="*/ 2131017 h 3704902"/>
+              <a:gd name="connsiteX3" fmla="*/ 176339 w 920258"/>
+              <a:gd name="connsiteY3" fmla="*/ 3215899 h 3704902"/>
+              <a:gd name="connsiteX4" fmla="*/ 920258 w 920258"/>
+              <a:gd name="connsiteY4" fmla="*/ 3704095 h 3704902"/>
+              <a:gd name="connsiteX0" fmla="*/ 776563 w 954794"/>
+              <a:gd name="connsiteY0" fmla="*/ 0 h 3724806"/>
+              <a:gd name="connsiteX1" fmla="*/ 156631 w 954794"/>
+              <a:gd name="connsiteY1" fmla="*/ 604434 h 3724806"/>
+              <a:gd name="connsiteX2" fmla="*/ 141133 w 954794"/>
+              <a:gd name="connsiteY2" fmla="*/ 2131017 h 3724806"/>
+              <a:gd name="connsiteX3" fmla="*/ 164380 w 954794"/>
+              <a:gd name="connsiteY3" fmla="*/ 3502618 h 3724806"/>
+              <a:gd name="connsiteX4" fmla="*/ 954794 w 954794"/>
+              <a:gd name="connsiteY4" fmla="*/ 3704095 h 3724806"/>
+              <a:gd name="connsiteX0" fmla="*/ 704300 w 882531"/>
+              <a:gd name="connsiteY0" fmla="*/ 0 h 3724806"/>
+              <a:gd name="connsiteX1" fmla="*/ 84368 w 882531"/>
+              <a:gd name="connsiteY1" fmla="*/ 604434 h 3724806"/>
+              <a:gd name="connsiteX2" fmla="*/ 92117 w 882531"/>
+              <a:gd name="connsiteY2" fmla="*/ 3502618 h 3724806"/>
+              <a:gd name="connsiteX3" fmla="*/ 882531 w 882531"/>
+              <a:gd name="connsiteY3" fmla="*/ 3704095 h 3724806"/>
+              <a:gd name="connsiteX0" fmla="*/ 704300 w 836036"/>
+              <a:gd name="connsiteY0" fmla="*/ 0 h 3786830"/>
+              <a:gd name="connsiteX1" fmla="*/ 84368 w 836036"/>
+              <a:gd name="connsiteY1" fmla="*/ 604434 h 3786830"/>
+              <a:gd name="connsiteX2" fmla="*/ 92117 w 836036"/>
+              <a:gd name="connsiteY2" fmla="*/ 3502618 h 3786830"/>
+              <a:gd name="connsiteX3" fmla="*/ 836036 w 836036"/>
+              <a:gd name="connsiteY3" fmla="*/ 3781586 h 3786830"/>
+              <a:gd name="connsiteX0" fmla="*/ 776861 w 908597"/>
+              <a:gd name="connsiteY0" fmla="*/ 0 h 3781750"/>
+              <a:gd name="connsiteX1" fmla="*/ 156929 w 908597"/>
+              <a:gd name="connsiteY1" fmla="*/ 604434 h 3781750"/>
+              <a:gd name="connsiteX2" fmla="*/ 56190 w 908597"/>
+              <a:gd name="connsiteY2" fmla="*/ 2417736 h 3781750"/>
+              <a:gd name="connsiteX3" fmla="*/ 908597 w 908597"/>
+              <a:gd name="connsiteY3" fmla="*/ 3781586 h 3781750"/>
+              <a:gd name="connsiteX0" fmla="*/ 776861 w 908597"/>
+              <a:gd name="connsiteY0" fmla="*/ 0 h 3781848"/>
+              <a:gd name="connsiteX1" fmla="*/ 156929 w 908597"/>
+              <a:gd name="connsiteY1" fmla="*/ 604434 h 3781848"/>
+              <a:gd name="connsiteX2" fmla="*/ 56190 w 908597"/>
+              <a:gd name="connsiteY2" fmla="*/ 2417736 h 3781848"/>
+              <a:gd name="connsiteX3" fmla="*/ 908597 w 908597"/>
+              <a:gd name="connsiteY3" fmla="*/ 3781586 h 3781848"/>
+              <a:gd name="connsiteX0" fmla="*/ 742871 w 874607"/>
+              <a:gd name="connsiteY0" fmla="*/ 0 h 3781848"/>
+              <a:gd name="connsiteX1" fmla="*/ 122939 w 874607"/>
+              <a:gd name="connsiteY1" fmla="*/ 604434 h 3781848"/>
+              <a:gd name="connsiteX2" fmla="*/ 22200 w 874607"/>
+              <a:gd name="connsiteY2" fmla="*/ 2417736 h 3781848"/>
+              <a:gd name="connsiteX3" fmla="*/ 874607 w 874607"/>
+              <a:gd name="connsiteY3" fmla="*/ 3781586 h 3781848"/>
+              <a:gd name="connsiteX0" fmla="*/ 742871 w 890105"/>
+              <a:gd name="connsiteY0" fmla="*/ 0 h 3564992"/>
+              <a:gd name="connsiteX1" fmla="*/ 122939 w 890105"/>
+              <a:gd name="connsiteY1" fmla="*/ 604434 h 3564992"/>
+              <a:gd name="connsiteX2" fmla="*/ 22200 w 890105"/>
+              <a:gd name="connsiteY2" fmla="*/ 2417736 h 3564992"/>
+              <a:gd name="connsiteX3" fmla="*/ 890105 w 890105"/>
+              <a:gd name="connsiteY3" fmla="*/ 3564610 h 3564992"/>
+              <a:gd name="connsiteX0" fmla="*/ 742871 w 890105"/>
+              <a:gd name="connsiteY0" fmla="*/ 0 h 3564610"/>
+              <a:gd name="connsiteX1" fmla="*/ 122939 w 890105"/>
+              <a:gd name="connsiteY1" fmla="*/ 604434 h 3564610"/>
+              <a:gd name="connsiteX2" fmla="*/ 22200 w 890105"/>
+              <a:gd name="connsiteY2" fmla="*/ 2417736 h 3564610"/>
+              <a:gd name="connsiteX3" fmla="*/ 890105 w 890105"/>
+              <a:gd name="connsiteY3" fmla="*/ 3564610 h 3564610"/>
+              <a:gd name="connsiteX0" fmla="*/ 742871 w 890105"/>
+              <a:gd name="connsiteY0" fmla="*/ 0 h 3564610"/>
+              <a:gd name="connsiteX1" fmla="*/ 122939 w 890105"/>
+              <a:gd name="connsiteY1" fmla="*/ 604434 h 3564610"/>
+              <a:gd name="connsiteX2" fmla="*/ 22200 w 890105"/>
+              <a:gd name="connsiteY2" fmla="*/ 2417736 h 3564610"/>
+              <a:gd name="connsiteX3" fmla="*/ 890105 w 890105"/>
+              <a:gd name="connsiteY3" fmla="*/ 3564610 h 3564610"/>
+              <a:gd name="connsiteX0" fmla="*/ 721409 w 868643"/>
+              <a:gd name="connsiteY0" fmla="*/ 0 h 3564610"/>
+              <a:gd name="connsiteX1" fmla="*/ 738 w 868643"/>
+              <a:gd name="connsiteY1" fmla="*/ 2417736 h 3564610"/>
+              <a:gd name="connsiteX2" fmla="*/ 868643 w 868643"/>
+              <a:gd name="connsiteY2" fmla="*/ 3564610 h 3564610"/>
+              <a:gd name="connsiteX0" fmla="*/ 729937 w 877171"/>
+              <a:gd name="connsiteY0" fmla="*/ 0 h 3564610"/>
+              <a:gd name="connsiteX1" fmla="*/ 9266 w 877171"/>
+              <a:gd name="connsiteY1" fmla="*/ 2417736 h 3564610"/>
+              <a:gd name="connsiteX2" fmla="*/ 877171 w 877171"/>
+              <a:gd name="connsiteY2" fmla="*/ 3564610 h 3564610"/>
+              <a:gd name="connsiteX0" fmla="*/ 744174 w 875910"/>
+              <a:gd name="connsiteY0" fmla="*/ 0 h 3332136"/>
+              <a:gd name="connsiteX1" fmla="*/ 8005 w 875910"/>
+              <a:gd name="connsiteY1" fmla="*/ 2185262 h 3332136"/>
+              <a:gd name="connsiteX2" fmla="*/ 875910 w 875910"/>
+              <a:gd name="connsiteY2" fmla="*/ 3332136 h 3332136"/>
+              <a:gd name="connsiteX0" fmla="*/ 744174 w 875910"/>
+              <a:gd name="connsiteY0" fmla="*/ 0 h 3332136"/>
+              <a:gd name="connsiteX1" fmla="*/ 8005 w 875910"/>
+              <a:gd name="connsiteY1" fmla="*/ 2185262 h 3332136"/>
+              <a:gd name="connsiteX2" fmla="*/ 875910 w 875910"/>
+              <a:gd name="connsiteY2" fmla="*/ 3332136 h 3332136"/>
+              <a:gd name="connsiteX0" fmla="*/ 744174 w 899158"/>
+              <a:gd name="connsiteY0" fmla="*/ 0 h 3394130"/>
+              <a:gd name="connsiteX1" fmla="*/ 8005 w 899158"/>
+              <a:gd name="connsiteY1" fmla="*/ 2185262 h 3394130"/>
+              <a:gd name="connsiteX2" fmla="*/ 899158 w 899158"/>
+              <a:gd name="connsiteY2" fmla="*/ 3394130 h 3394130"/>
+              <a:gd name="connsiteX0" fmla="*/ 744174 w 899158"/>
+              <a:gd name="connsiteY0" fmla="*/ 0 h 3394130"/>
+              <a:gd name="connsiteX1" fmla="*/ 8005 w 899158"/>
+              <a:gd name="connsiteY1" fmla="*/ 2185262 h 3394130"/>
+              <a:gd name="connsiteX2" fmla="*/ 899158 w 899158"/>
+              <a:gd name="connsiteY2" fmla="*/ 3394130 h 3394130"/>
+              <a:gd name="connsiteX0" fmla="*/ 729937 w 900419"/>
+              <a:gd name="connsiteY0" fmla="*/ 0 h 2998923"/>
+              <a:gd name="connsiteX1" fmla="*/ 9266 w 900419"/>
+              <a:gd name="connsiteY1" fmla="*/ 1790055 h 2998923"/>
+              <a:gd name="connsiteX2" fmla="*/ 900419 w 900419"/>
+              <a:gd name="connsiteY2" fmla="*/ 2998923 h 2998923"/>
+              <a:gd name="connsiteX0" fmla="*/ 737030 w 899763"/>
+              <a:gd name="connsiteY0" fmla="*/ 0 h 3084164"/>
+              <a:gd name="connsiteX1" fmla="*/ 8610 w 899763"/>
+              <a:gd name="connsiteY1" fmla="*/ 1875296 h 3084164"/>
+              <a:gd name="connsiteX2" fmla="*/ 899763 w 899763"/>
+              <a:gd name="connsiteY2" fmla="*/ 3084164 h 3084164"/>
+              <a:gd name="connsiteX0" fmla="*/ 682053 w 906779"/>
+              <a:gd name="connsiteY0" fmla="*/ 0 h 3099662"/>
+              <a:gd name="connsiteX1" fmla="*/ 15626 w 906779"/>
+              <a:gd name="connsiteY1" fmla="*/ 1890794 h 3099662"/>
+              <a:gd name="connsiteX2" fmla="*/ 906779 w 906779"/>
+              <a:gd name="connsiteY2" fmla="*/ 3099662 h 3099662"/>
+              <a:gd name="connsiteX0" fmla="*/ 670137 w 894863"/>
+              <a:gd name="connsiteY0" fmla="*/ 0 h 3099662"/>
+              <a:gd name="connsiteX1" fmla="*/ 3710 w 894863"/>
+              <a:gd name="connsiteY1" fmla="*/ 1890794 h 3099662"/>
+              <a:gd name="connsiteX2" fmla="*/ 894863 w 894863"/>
+              <a:gd name="connsiteY2" fmla="*/ 3099662 h 3099662"/>
+              <a:gd name="connsiteX0" fmla="*/ 662595 w 895071"/>
+              <a:gd name="connsiteY0" fmla="*/ 0 h 2603716"/>
+              <a:gd name="connsiteX1" fmla="*/ 3918 w 895071"/>
+              <a:gd name="connsiteY1" fmla="*/ 1394848 h 2603716"/>
+              <a:gd name="connsiteX2" fmla="*/ 895071 w 895071"/>
+              <a:gd name="connsiteY2" fmla="*/ 2603716 h 2603716"/>
+              <a:gd name="connsiteX0" fmla="*/ 666503 w 898979"/>
+              <a:gd name="connsiteY0" fmla="*/ 0 h 2603716"/>
+              <a:gd name="connsiteX1" fmla="*/ 7826 w 898979"/>
+              <a:gd name="connsiteY1" fmla="*/ 1394848 h 2603716"/>
+              <a:gd name="connsiteX2" fmla="*/ 898979 w 898979"/>
+              <a:gd name="connsiteY2" fmla="*/ 2603716 h 2603716"/>
+              <a:gd name="connsiteX0" fmla="*/ 862191 w 893189"/>
+              <a:gd name="connsiteY0" fmla="*/ 193133 h 1402002"/>
+              <a:gd name="connsiteX1" fmla="*/ 2036 w 893189"/>
+              <a:gd name="connsiteY1" fmla="*/ 193134 h 1402002"/>
+              <a:gd name="connsiteX2" fmla="*/ 893189 w 893189"/>
+              <a:gd name="connsiteY2" fmla="*/ 1402002 h 1402002"/>
+              <a:gd name="connsiteX0" fmla="*/ 0 w 30998"/>
+              <a:gd name="connsiteY0" fmla="*/ 0 h 1208869"/>
+              <a:gd name="connsiteX1" fmla="*/ 30998 w 30998"/>
+              <a:gd name="connsiteY1" fmla="*/ 1208869 h 1208869"/>
+              <a:gd name="connsiteX0" fmla="*/ 289418 w 320416"/>
+              <a:gd name="connsiteY0" fmla="*/ 0 h 1208869"/>
+              <a:gd name="connsiteX1" fmla="*/ 320416 w 320416"/>
+              <a:gd name="connsiteY1" fmla="*/ 1208869 h 1208869"/>
+              <a:gd name="connsiteX0" fmla="*/ 635456 w 666454"/>
+              <a:gd name="connsiteY0" fmla="*/ 0 h 1208869"/>
+              <a:gd name="connsiteX1" fmla="*/ 666454 w 666454"/>
+              <a:gd name="connsiteY1" fmla="*/ 1208869 h 1208869"/>
+              <a:gd name="connsiteX0" fmla="*/ 644334 w 659834"/>
+              <a:gd name="connsiteY0" fmla="*/ 0 h 1139126"/>
+              <a:gd name="connsiteX1" fmla="*/ 659834 w 659834"/>
+              <a:gd name="connsiteY1" fmla="*/ 1139126 h 1139126"/>
+              <a:gd name="connsiteX0" fmla="*/ 662379 w 662379"/>
+              <a:gd name="connsiteY0" fmla="*/ 0 h 1177872"/>
+              <a:gd name="connsiteX1" fmla="*/ 646883 w 662379"/>
+              <a:gd name="connsiteY1" fmla="*/ 1177872 h 1177872"/>
+              <a:gd name="connsiteX0" fmla="*/ 659857 w 659857"/>
+              <a:gd name="connsiteY0" fmla="*/ 0 h 1177872"/>
+              <a:gd name="connsiteX1" fmla="*/ 644361 w 659857"/>
+              <a:gd name="connsiteY1" fmla="*/ 1177872 h 1177872"/>
+              <a:gd name="connsiteX0" fmla="*/ 655296 w 655296"/>
+              <a:gd name="connsiteY0" fmla="*/ 0 h 1123628"/>
+              <a:gd name="connsiteX1" fmla="*/ 647549 w 655296"/>
+              <a:gd name="connsiteY1" fmla="*/ 1123628 h 1123628"/>
+              <a:gd name="connsiteX0" fmla="*/ 628431 w 667179"/>
+              <a:gd name="connsiteY0" fmla="*/ 0 h 3587859"/>
+              <a:gd name="connsiteX1" fmla="*/ 667179 w 667179"/>
+              <a:gd name="connsiteY1" fmla="*/ 3587859 h 3587859"/>
+              <a:gd name="connsiteX0" fmla="*/ 801059 w 839807"/>
+              <a:gd name="connsiteY0" fmla="*/ 0 h 3587859"/>
+              <a:gd name="connsiteX1" fmla="*/ 839807 w 839807"/>
+              <a:gd name="connsiteY1" fmla="*/ 3587859 h 3587859"/>
+              <a:gd name="connsiteX0" fmla="*/ 852409 w 891157"/>
+              <a:gd name="connsiteY0" fmla="*/ 0 h 3587859"/>
+              <a:gd name="connsiteX1" fmla="*/ 891157 w 891157"/>
+              <a:gd name="connsiteY1" fmla="*/ 3587859 h 3587859"/>
+              <a:gd name="connsiteX0" fmla="*/ 864045 w 902793"/>
+              <a:gd name="connsiteY0" fmla="*/ 0 h 3587859"/>
+              <a:gd name="connsiteX1" fmla="*/ 902793 w 902793"/>
+              <a:gd name="connsiteY1" fmla="*/ 3587859 h 3587859"/>
+              <a:gd name="connsiteX0" fmla="*/ 1119278 w 1158026"/>
+              <a:gd name="connsiteY0" fmla="*/ 0 h 3587859"/>
+              <a:gd name="connsiteX1" fmla="*/ 128700 w 1158026"/>
+              <a:gd name="connsiteY1" fmla="*/ 1443406 h 3587859"/>
+              <a:gd name="connsiteX2" fmla="*/ 1158026 w 1158026"/>
+              <a:gd name="connsiteY2" fmla="*/ 3587859 h 3587859"/>
+              <a:gd name="connsiteX0" fmla="*/ 1085306 w 1124054"/>
+              <a:gd name="connsiteY0" fmla="*/ 0 h 3587859"/>
+              <a:gd name="connsiteX1" fmla="*/ 94728 w 1124054"/>
+              <a:gd name="connsiteY1" fmla="*/ 1443406 h 3587859"/>
+              <a:gd name="connsiteX2" fmla="*/ 1124054 w 1124054"/>
+              <a:gd name="connsiteY2" fmla="*/ 3587859 h 3587859"/>
+              <a:gd name="connsiteX0" fmla="*/ 756365 w 795113"/>
+              <a:gd name="connsiteY0" fmla="*/ 0 h 3587859"/>
+              <a:gd name="connsiteX1" fmla="*/ 269482 w 795113"/>
+              <a:gd name="connsiteY1" fmla="*/ 1443406 h 3587859"/>
+              <a:gd name="connsiteX2" fmla="*/ 795113 w 795113"/>
+              <a:gd name="connsiteY2" fmla="*/ 3587859 h 3587859"/>
+              <a:gd name="connsiteX0" fmla="*/ 756365 w 795113"/>
+              <a:gd name="connsiteY0" fmla="*/ 0 h 3587859"/>
+              <a:gd name="connsiteX1" fmla="*/ 269482 w 795113"/>
+              <a:gd name="connsiteY1" fmla="*/ 1443406 h 3587859"/>
+              <a:gd name="connsiteX2" fmla="*/ 795113 w 795113"/>
+              <a:gd name="connsiteY2" fmla="*/ 3587859 h 3587859"/>
+              <a:gd name="connsiteX0" fmla="*/ 834712 w 873460"/>
+              <a:gd name="connsiteY0" fmla="*/ 0 h 3587859"/>
+              <a:gd name="connsiteX1" fmla="*/ 347829 w 873460"/>
+              <a:gd name="connsiteY1" fmla="*/ 1443406 h 3587859"/>
+              <a:gd name="connsiteX2" fmla="*/ 873460 w 873460"/>
+              <a:gd name="connsiteY2" fmla="*/ 3587859 h 3587859"/>
+              <a:gd name="connsiteX0" fmla="*/ 945932 w 984680"/>
+              <a:gd name="connsiteY0" fmla="*/ 0 h 3587859"/>
+              <a:gd name="connsiteX1" fmla="*/ 273069 w 984680"/>
+              <a:gd name="connsiteY1" fmla="*/ 1373664 h 3587859"/>
+              <a:gd name="connsiteX2" fmla="*/ 984680 w 984680"/>
+              <a:gd name="connsiteY2" fmla="*/ 3587859 h 3587859"/>
+              <a:gd name="connsiteX0" fmla="*/ 1002605 w 1041353"/>
+              <a:gd name="connsiteY0" fmla="*/ 0 h 3587859"/>
+              <a:gd name="connsiteX1" fmla="*/ 244502 w 1041353"/>
+              <a:gd name="connsiteY1" fmla="*/ 1187685 h 3587859"/>
+              <a:gd name="connsiteX2" fmla="*/ 1041353 w 1041353"/>
+              <a:gd name="connsiteY2" fmla="*/ 3587859 h 3587859"/>
+              <a:gd name="connsiteX0" fmla="*/ 1002605 w 1041353"/>
+              <a:gd name="connsiteY0" fmla="*/ 0 h 3587859"/>
+              <a:gd name="connsiteX1" fmla="*/ 244502 w 1041353"/>
+              <a:gd name="connsiteY1" fmla="*/ 1187685 h 3587859"/>
+              <a:gd name="connsiteX2" fmla="*/ 1041353 w 1041353"/>
+              <a:gd name="connsiteY2" fmla="*/ 3587859 h 3587859"/>
+              <a:gd name="connsiteX0" fmla="*/ 907591 w 946339"/>
+              <a:gd name="connsiteY0" fmla="*/ 0 h 3587859"/>
+              <a:gd name="connsiteX1" fmla="*/ 149488 w 946339"/>
+              <a:gd name="connsiteY1" fmla="*/ 1187685 h 3587859"/>
+              <a:gd name="connsiteX2" fmla="*/ 946339 w 946339"/>
+              <a:gd name="connsiteY2" fmla="*/ 3587859 h 3587859"/>
+              <a:gd name="connsiteX0" fmla="*/ 778476 w 817224"/>
+              <a:gd name="connsiteY0" fmla="*/ 0 h 3587859"/>
+              <a:gd name="connsiteX1" fmla="*/ 237349 w 817224"/>
+              <a:gd name="connsiteY1" fmla="*/ 1241929 h 3587859"/>
+              <a:gd name="connsiteX2" fmla="*/ 817224 w 817224"/>
+              <a:gd name="connsiteY2" fmla="*/ 3587859 h 3587859"/>
+              <a:gd name="connsiteX0" fmla="*/ 778476 w 817224"/>
+              <a:gd name="connsiteY0" fmla="*/ 0 h 3587859"/>
+              <a:gd name="connsiteX1" fmla="*/ 237349 w 817224"/>
+              <a:gd name="connsiteY1" fmla="*/ 1241929 h 3587859"/>
+              <a:gd name="connsiteX2" fmla="*/ 817224 w 817224"/>
+              <a:gd name="connsiteY2" fmla="*/ 3587859 h 3587859"/>
+              <a:gd name="connsiteX0" fmla="*/ 778476 w 817224"/>
+              <a:gd name="connsiteY0" fmla="*/ 0 h 3587859"/>
+              <a:gd name="connsiteX1" fmla="*/ 237349 w 817224"/>
+              <a:gd name="connsiteY1" fmla="*/ 1241929 h 3587859"/>
+              <a:gd name="connsiteX2" fmla="*/ 817224 w 817224"/>
+              <a:gd name="connsiteY2" fmla="*/ 3587859 h 3587859"/>
+              <a:gd name="connsiteX0" fmla="*/ 787561 w 826309"/>
+              <a:gd name="connsiteY0" fmla="*/ 0 h 3587859"/>
+              <a:gd name="connsiteX1" fmla="*/ 246434 w 826309"/>
+              <a:gd name="connsiteY1" fmla="*/ 1241929 h 3587859"/>
+              <a:gd name="connsiteX2" fmla="*/ 826309 w 826309"/>
+              <a:gd name="connsiteY2" fmla="*/ 3587859 h 3587859"/>
+              <a:gd name="connsiteX0" fmla="*/ 853769 w 892517"/>
+              <a:gd name="connsiteY0" fmla="*/ 0 h 3587859"/>
+              <a:gd name="connsiteX1" fmla="*/ 196405 w 892517"/>
+              <a:gd name="connsiteY1" fmla="*/ 823475 h 3587859"/>
+              <a:gd name="connsiteX2" fmla="*/ 892517 w 892517"/>
+              <a:gd name="connsiteY2" fmla="*/ 3587859 h 3587859"/>
+              <a:gd name="connsiteX0" fmla="*/ 0 w 38748"/>
+              <a:gd name="connsiteY0" fmla="*/ 0 h 3587859"/>
+              <a:gd name="connsiteX1" fmla="*/ 38748 w 38748"/>
+              <a:gd name="connsiteY1" fmla="*/ 3587859 h 3587859"/>
+              <a:gd name="connsiteX0" fmla="*/ 493471 w 532219"/>
+              <a:gd name="connsiteY0" fmla="*/ 0 h 3587859"/>
+              <a:gd name="connsiteX1" fmla="*/ 532219 w 532219"/>
+              <a:gd name="connsiteY1" fmla="*/ 3587859 h 3587859"/>
+              <a:gd name="connsiteX0" fmla="*/ 762292 w 801040"/>
+              <a:gd name="connsiteY0" fmla="*/ 0 h 3587859"/>
+              <a:gd name="connsiteX1" fmla="*/ 801040 w 801040"/>
+              <a:gd name="connsiteY1" fmla="*/ 3587859 h 3587859"/>
+              <a:gd name="connsiteX0" fmla="*/ 707734 w 746482"/>
+              <a:gd name="connsiteY0" fmla="*/ 0 h 3587859"/>
+              <a:gd name="connsiteX1" fmla="*/ 746482 w 746482"/>
+              <a:gd name="connsiteY1" fmla="*/ 3587859 h 3587859"/>
+              <a:gd name="connsiteX0" fmla="*/ 704748 w 743496"/>
+              <a:gd name="connsiteY0" fmla="*/ 0 h 3587859"/>
+              <a:gd name="connsiteX1" fmla="*/ 743496 w 743496"/>
+              <a:gd name="connsiteY1" fmla="*/ 3587859 h 3587859"/>
+              <a:gd name="connsiteX0" fmla="*/ 965186 w 1003934"/>
+              <a:gd name="connsiteY0" fmla="*/ 0 h 3587859"/>
+              <a:gd name="connsiteX1" fmla="*/ 1003934 w 1003934"/>
+              <a:gd name="connsiteY1" fmla="*/ 3587859 h 3587859"/>
+              <a:gd name="connsiteX0" fmla="*/ 967763 w 1006511"/>
+              <a:gd name="connsiteY0" fmla="*/ 0 h 3587859"/>
+              <a:gd name="connsiteX1" fmla="*/ 1006511 w 1006511"/>
+              <a:gd name="connsiteY1" fmla="*/ 3587859 h 3587859"/>
+            </a:gdLst>
+            <a:ahLst/>
+            <a:cxnLst>
+              <a:cxn ang="0">
+                <a:pos x="connsiteX0" y="connsiteY0"/>
+              </a:cxn>
+              <a:cxn ang="0">
+                <a:pos x="connsiteX1" y="connsiteY1"/>
+              </a:cxn>
+            </a:cxnLst>
+            <a:rect l="l" t="t" r="r" b="b"/>
+            <a:pathLst>
+              <a:path w="1006511" h="3587859">
+                <a:moveTo>
+                  <a:pt x="967763" y="0"/>
+                </a:moveTo>
+                <a:cubicBezTo>
+                  <a:pt x="-18961" y="278320"/>
+                  <a:pt x="-610480" y="2897963"/>
+                  <a:pt x="1006511" y="3587859"/>
+                </a:cubicBezTo>
+              </a:path>
+            </a:pathLst>
+          </a:custGeom>
+          <a:noFill/>
+          <a:ln w="25400" cap="flat">
+            <a:solidFill>
+              <a:schemeClr val="accent3"/>
+            </a:solidFill>
+            <a:prstDash val="solid"/>
+            <a:round/>
+            <a:tailEnd type="triangle"/>
+          </a:ln>
+          <a:effectLst/>
+          <a:sp3d/>
+        </p:spPr>
+        <p:style>
+          <a:lnRef idx="0">
+            <a:scrgbClr r="0" g="0" b="0"/>
+          </a:lnRef>
+          <a:fillRef idx="0">
+            <a:scrgbClr r="0" g="0" b="0"/>
+          </a:fillRef>
+          <a:effectRef idx="0">
+            <a:scrgbClr r="0" g="0" b="0"/>
+          </a:effectRef>
+          <a:fontRef idx="none"/>
+        </p:style>
+        <p:txBody>
+          <a:bodyPr rot="0" spcFirstLastPara="1" vertOverflow="overflow" horzOverflow="overflow" vert="horz" wrap="square" lIns="91439" tIns="45719" rIns="91439" bIns="45719" numCol="1" spcCol="38100" rtlCol="0" anchor="t">
+            <a:noAutofit/>
+          </a:bodyPr>
+          <a:lstStyle/>
+          <a:p>
+            <a:pPr marL="0" marR="0" indent="0" algn="l" defTabSz="914400" rtl="0" fontAlgn="auto" latinLnBrk="1" hangingPunct="0">
+              <a:lnSpc>
+                <a:spcPct val="100000"/>
+              </a:lnSpc>
+              <a:spcBef>
+                <a:spcPts val="0"/>
+              </a:spcBef>
+              <a:spcAft>
+                <a:spcPts val="0"/>
+              </a:spcAft>
+              <a:buClrTx/>
+              <a:buSzTx/>
+              <a:buFontTx/>
+              <a:buNone/>
+              <a:tabLst/>
+            </a:pPr>
+            <a:endParaRPr kumimoji="0" lang="en-US" sz="1800" b="0" i="0" u="none" strike="noStrike" cap="none" spc="0" normalizeH="0" baseline="0">
+              <a:ln>
+                <a:noFill/>
+              </a:ln>
+              <a:solidFill>
+                <a:srgbClr val="000000"/>
+              </a:solidFill>
+              <a:effectLst/>
+              <a:uFillTx/>
+            </a:endParaRPr>
+          </a:p>
+        </p:txBody>
+      </p:sp>
+      <p:sp>
+        <p:nvSpPr>
+          <p:cNvPr id="40" name="Freeform 39">
+            <a:extLst>
+              <a:ext uri="{FF2B5EF4-FFF2-40B4-BE49-F238E27FC236}">
+                <a16:creationId xmlns:a16="http://schemas.microsoft.com/office/drawing/2014/main" id="{9FE68057-92CA-8923-6193-422E3B35FFB7}"/>
+              </a:ext>
+            </a:extLst>
+          </p:cNvPr>
+          <p:cNvSpPr/>
+          <p:nvPr/>
+        </p:nvSpPr>
+        <p:spPr>
+          <a:xfrm>
+            <a:off x="5455180" y="5248640"/>
+            <a:ext cx="537536" cy="3629327"/>
+          </a:xfrm>
+          <a:custGeom>
+            <a:avLst/>
+            <a:gdLst>
+              <a:gd name="connsiteX0" fmla="*/ 636851 w 2140187"/>
+              <a:gd name="connsiteY0" fmla="*/ 0 h 3904754"/>
+              <a:gd name="connsiteX1" fmla="*/ 1421 w 2140187"/>
+              <a:gd name="connsiteY1" fmla="*/ 2131017 h 3904754"/>
+              <a:gd name="connsiteX2" fmla="*/ 791834 w 2140187"/>
+              <a:gd name="connsiteY2" fmla="*/ 3634353 h 3904754"/>
+              <a:gd name="connsiteX3" fmla="*/ 2140187 w 2140187"/>
+              <a:gd name="connsiteY3" fmla="*/ 3897824 h 3904754"/>
+              <a:gd name="connsiteX0" fmla="*/ 650148 w 2153484"/>
+              <a:gd name="connsiteY0" fmla="*/ 0 h 3904754"/>
+              <a:gd name="connsiteX1" fmla="*/ 316935 w 2153484"/>
+              <a:gd name="connsiteY1" fmla="*/ 805912 h 3904754"/>
+              <a:gd name="connsiteX2" fmla="*/ 14718 w 2153484"/>
+              <a:gd name="connsiteY2" fmla="*/ 2131017 h 3904754"/>
+              <a:gd name="connsiteX3" fmla="*/ 805131 w 2153484"/>
+              <a:gd name="connsiteY3" fmla="*/ 3634353 h 3904754"/>
+              <a:gd name="connsiteX4" fmla="*/ 2153484 w 2153484"/>
+              <a:gd name="connsiteY4" fmla="*/ 3897824 h 3904754"/>
+              <a:gd name="connsiteX0" fmla="*/ 716982 w 2220318"/>
+              <a:gd name="connsiteY0" fmla="*/ 0 h 3904754"/>
+              <a:gd name="connsiteX1" fmla="*/ 97050 w 2220318"/>
+              <a:gd name="connsiteY1" fmla="*/ 604434 h 3904754"/>
+              <a:gd name="connsiteX2" fmla="*/ 81552 w 2220318"/>
+              <a:gd name="connsiteY2" fmla="*/ 2131017 h 3904754"/>
+              <a:gd name="connsiteX3" fmla="*/ 871965 w 2220318"/>
+              <a:gd name="connsiteY3" fmla="*/ 3634353 h 3904754"/>
+              <a:gd name="connsiteX4" fmla="*/ 2220318 w 2220318"/>
+              <a:gd name="connsiteY4" fmla="*/ 3897824 h 3904754"/>
+              <a:gd name="connsiteX0" fmla="*/ 742027 w 2245363"/>
+              <a:gd name="connsiteY0" fmla="*/ 0 h 3898257"/>
+              <a:gd name="connsiteX1" fmla="*/ 122095 w 2245363"/>
+              <a:gd name="connsiteY1" fmla="*/ 604434 h 3898257"/>
+              <a:gd name="connsiteX2" fmla="*/ 106597 w 2245363"/>
+              <a:gd name="connsiteY2" fmla="*/ 2131017 h 3898257"/>
+              <a:gd name="connsiteX3" fmla="*/ 176339 w 2245363"/>
+              <a:gd name="connsiteY3" fmla="*/ 3215899 h 3898257"/>
+              <a:gd name="connsiteX4" fmla="*/ 2245363 w 2245363"/>
+              <a:gd name="connsiteY4" fmla="*/ 3897824 h 3898257"/>
+              <a:gd name="connsiteX0" fmla="*/ 742027 w 920258"/>
+              <a:gd name="connsiteY0" fmla="*/ 0 h 3704902"/>
+              <a:gd name="connsiteX1" fmla="*/ 122095 w 920258"/>
+              <a:gd name="connsiteY1" fmla="*/ 604434 h 3704902"/>
+              <a:gd name="connsiteX2" fmla="*/ 106597 w 920258"/>
+              <a:gd name="connsiteY2" fmla="*/ 2131017 h 3704902"/>
+              <a:gd name="connsiteX3" fmla="*/ 176339 w 920258"/>
+              <a:gd name="connsiteY3" fmla="*/ 3215899 h 3704902"/>
+              <a:gd name="connsiteX4" fmla="*/ 920258 w 920258"/>
+              <a:gd name="connsiteY4" fmla="*/ 3704095 h 3704902"/>
+              <a:gd name="connsiteX0" fmla="*/ 776563 w 954794"/>
+              <a:gd name="connsiteY0" fmla="*/ 0 h 3724806"/>
+              <a:gd name="connsiteX1" fmla="*/ 156631 w 954794"/>
+              <a:gd name="connsiteY1" fmla="*/ 604434 h 3724806"/>
+              <a:gd name="connsiteX2" fmla="*/ 141133 w 954794"/>
+              <a:gd name="connsiteY2" fmla="*/ 2131017 h 3724806"/>
+              <a:gd name="connsiteX3" fmla="*/ 164380 w 954794"/>
+              <a:gd name="connsiteY3" fmla="*/ 3502618 h 3724806"/>
+              <a:gd name="connsiteX4" fmla="*/ 954794 w 954794"/>
+              <a:gd name="connsiteY4" fmla="*/ 3704095 h 3724806"/>
+              <a:gd name="connsiteX0" fmla="*/ 704300 w 882531"/>
+              <a:gd name="connsiteY0" fmla="*/ 0 h 3724806"/>
+              <a:gd name="connsiteX1" fmla="*/ 84368 w 882531"/>
+              <a:gd name="connsiteY1" fmla="*/ 604434 h 3724806"/>
+              <a:gd name="connsiteX2" fmla="*/ 92117 w 882531"/>
+              <a:gd name="connsiteY2" fmla="*/ 3502618 h 3724806"/>
+              <a:gd name="connsiteX3" fmla="*/ 882531 w 882531"/>
+              <a:gd name="connsiteY3" fmla="*/ 3704095 h 3724806"/>
+              <a:gd name="connsiteX0" fmla="*/ 704300 w 836036"/>
+              <a:gd name="connsiteY0" fmla="*/ 0 h 3786830"/>
+              <a:gd name="connsiteX1" fmla="*/ 84368 w 836036"/>
+              <a:gd name="connsiteY1" fmla="*/ 604434 h 3786830"/>
+              <a:gd name="connsiteX2" fmla="*/ 92117 w 836036"/>
+              <a:gd name="connsiteY2" fmla="*/ 3502618 h 3786830"/>
+              <a:gd name="connsiteX3" fmla="*/ 836036 w 836036"/>
+              <a:gd name="connsiteY3" fmla="*/ 3781586 h 3786830"/>
+              <a:gd name="connsiteX0" fmla="*/ 776861 w 908597"/>
+              <a:gd name="connsiteY0" fmla="*/ 0 h 3781750"/>
+              <a:gd name="connsiteX1" fmla="*/ 156929 w 908597"/>
+              <a:gd name="connsiteY1" fmla="*/ 604434 h 3781750"/>
+              <a:gd name="connsiteX2" fmla="*/ 56190 w 908597"/>
+              <a:gd name="connsiteY2" fmla="*/ 2417736 h 3781750"/>
+              <a:gd name="connsiteX3" fmla="*/ 908597 w 908597"/>
+              <a:gd name="connsiteY3" fmla="*/ 3781586 h 3781750"/>
+              <a:gd name="connsiteX0" fmla="*/ 776861 w 908597"/>
+              <a:gd name="connsiteY0" fmla="*/ 0 h 3781848"/>
+              <a:gd name="connsiteX1" fmla="*/ 156929 w 908597"/>
+              <a:gd name="connsiteY1" fmla="*/ 604434 h 3781848"/>
+              <a:gd name="connsiteX2" fmla="*/ 56190 w 908597"/>
+              <a:gd name="connsiteY2" fmla="*/ 2417736 h 3781848"/>
+              <a:gd name="connsiteX3" fmla="*/ 908597 w 908597"/>
+              <a:gd name="connsiteY3" fmla="*/ 3781586 h 3781848"/>
+              <a:gd name="connsiteX0" fmla="*/ 742871 w 874607"/>
+              <a:gd name="connsiteY0" fmla="*/ 0 h 3781848"/>
+              <a:gd name="connsiteX1" fmla="*/ 122939 w 874607"/>
+              <a:gd name="connsiteY1" fmla="*/ 604434 h 3781848"/>
+              <a:gd name="connsiteX2" fmla="*/ 22200 w 874607"/>
+              <a:gd name="connsiteY2" fmla="*/ 2417736 h 3781848"/>
+              <a:gd name="connsiteX3" fmla="*/ 874607 w 874607"/>
+              <a:gd name="connsiteY3" fmla="*/ 3781586 h 3781848"/>
+              <a:gd name="connsiteX0" fmla="*/ 742871 w 890105"/>
+              <a:gd name="connsiteY0" fmla="*/ 0 h 3564992"/>
+              <a:gd name="connsiteX1" fmla="*/ 122939 w 890105"/>
+              <a:gd name="connsiteY1" fmla="*/ 604434 h 3564992"/>
+              <a:gd name="connsiteX2" fmla="*/ 22200 w 890105"/>
+              <a:gd name="connsiteY2" fmla="*/ 2417736 h 3564992"/>
+              <a:gd name="connsiteX3" fmla="*/ 890105 w 890105"/>
+              <a:gd name="connsiteY3" fmla="*/ 3564610 h 3564992"/>
+              <a:gd name="connsiteX0" fmla="*/ 742871 w 890105"/>
+              <a:gd name="connsiteY0" fmla="*/ 0 h 3564610"/>
+              <a:gd name="connsiteX1" fmla="*/ 122939 w 890105"/>
+              <a:gd name="connsiteY1" fmla="*/ 604434 h 3564610"/>
+              <a:gd name="connsiteX2" fmla="*/ 22200 w 890105"/>
+              <a:gd name="connsiteY2" fmla="*/ 2417736 h 3564610"/>
+              <a:gd name="connsiteX3" fmla="*/ 890105 w 890105"/>
+              <a:gd name="connsiteY3" fmla="*/ 3564610 h 3564610"/>
+              <a:gd name="connsiteX0" fmla="*/ 742871 w 890105"/>
+              <a:gd name="connsiteY0" fmla="*/ 0 h 3564610"/>
+              <a:gd name="connsiteX1" fmla="*/ 122939 w 890105"/>
+              <a:gd name="connsiteY1" fmla="*/ 604434 h 3564610"/>
+              <a:gd name="connsiteX2" fmla="*/ 22200 w 890105"/>
+              <a:gd name="connsiteY2" fmla="*/ 2417736 h 3564610"/>
+              <a:gd name="connsiteX3" fmla="*/ 890105 w 890105"/>
+              <a:gd name="connsiteY3" fmla="*/ 3564610 h 3564610"/>
+              <a:gd name="connsiteX0" fmla="*/ 721409 w 868643"/>
+              <a:gd name="connsiteY0" fmla="*/ 0 h 3564610"/>
+              <a:gd name="connsiteX1" fmla="*/ 738 w 868643"/>
+              <a:gd name="connsiteY1" fmla="*/ 2417736 h 3564610"/>
+              <a:gd name="connsiteX2" fmla="*/ 868643 w 868643"/>
+              <a:gd name="connsiteY2" fmla="*/ 3564610 h 3564610"/>
+              <a:gd name="connsiteX0" fmla="*/ 729937 w 877171"/>
+              <a:gd name="connsiteY0" fmla="*/ 0 h 3564610"/>
+              <a:gd name="connsiteX1" fmla="*/ 9266 w 877171"/>
+              <a:gd name="connsiteY1" fmla="*/ 2417736 h 3564610"/>
+              <a:gd name="connsiteX2" fmla="*/ 877171 w 877171"/>
+              <a:gd name="connsiteY2" fmla="*/ 3564610 h 3564610"/>
+              <a:gd name="connsiteX0" fmla="*/ 744174 w 875910"/>
+              <a:gd name="connsiteY0" fmla="*/ 0 h 3332136"/>
+              <a:gd name="connsiteX1" fmla="*/ 8005 w 875910"/>
+              <a:gd name="connsiteY1" fmla="*/ 2185262 h 3332136"/>
+              <a:gd name="connsiteX2" fmla="*/ 875910 w 875910"/>
+              <a:gd name="connsiteY2" fmla="*/ 3332136 h 3332136"/>
+              <a:gd name="connsiteX0" fmla="*/ 744174 w 875910"/>
+              <a:gd name="connsiteY0" fmla="*/ 0 h 3332136"/>
+              <a:gd name="connsiteX1" fmla="*/ 8005 w 875910"/>
+              <a:gd name="connsiteY1" fmla="*/ 2185262 h 3332136"/>
+              <a:gd name="connsiteX2" fmla="*/ 875910 w 875910"/>
+              <a:gd name="connsiteY2" fmla="*/ 3332136 h 3332136"/>
+              <a:gd name="connsiteX0" fmla="*/ 744174 w 899158"/>
+              <a:gd name="connsiteY0" fmla="*/ 0 h 3394130"/>
+              <a:gd name="connsiteX1" fmla="*/ 8005 w 899158"/>
+              <a:gd name="connsiteY1" fmla="*/ 2185262 h 3394130"/>
+              <a:gd name="connsiteX2" fmla="*/ 899158 w 899158"/>
+              <a:gd name="connsiteY2" fmla="*/ 3394130 h 3394130"/>
+              <a:gd name="connsiteX0" fmla="*/ 744174 w 899158"/>
+              <a:gd name="connsiteY0" fmla="*/ 0 h 3394130"/>
+              <a:gd name="connsiteX1" fmla="*/ 8005 w 899158"/>
+              <a:gd name="connsiteY1" fmla="*/ 2185262 h 3394130"/>
+              <a:gd name="connsiteX2" fmla="*/ 899158 w 899158"/>
+              <a:gd name="connsiteY2" fmla="*/ 3394130 h 3394130"/>
+              <a:gd name="connsiteX0" fmla="*/ 729937 w 900419"/>
+              <a:gd name="connsiteY0" fmla="*/ 0 h 2998923"/>
+              <a:gd name="connsiteX1" fmla="*/ 9266 w 900419"/>
+              <a:gd name="connsiteY1" fmla="*/ 1790055 h 2998923"/>
+              <a:gd name="connsiteX2" fmla="*/ 900419 w 900419"/>
+              <a:gd name="connsiteY2" fmla="*/ 2998923 h 2998923"/>
+              <a:gd name="connsiteX0" fmla="*/ 737030 w 899763"/>
+              <a:gd name="connsiteY0" fmla="*/ 0 h 3084164"/>
+              <a:gd name="connsiteX1" fmla="*/ 8610 w 899763"/>
+              <a:gd name="connsiteY1" fmla="*/ 1875296 h 3084164"/>
+              <a:gd name="connsiteX2" fmla="*/ 899763 w 899763"/>
+              <a:gd name="connsiteY2" fmla="*/ 3084164 h 3084164"/>
+              <a:gd name="connsiteX0" fmla="*/ 682053 w 906779"/>
+              <a:gd name="connsiteY0" fmla="*/ 0 h 3099662"/>
+              <a:gd name="connsiteX1" fmla="*/ 15626 w 906779"/>
+              <a:gd name="connsiteY1" fmla="*/ 1890794 h 3099662"/>
+              <a:gd name="connsiteX2" fmla="*/ 906779 w 906779"/>
+              <a:gd name="connsiteY2" fmla="*/ 3099662 h 3099662"/>
+              <a:gd name="connsiteX0" fmla="*/ 670137 w 894863"/>
+              <a:gd name="connsiteY0" fmla="*/ 0 h 3099662"/>
+              <a:gd name="connsiteX1" fmla="*/ 3710 w 894863"/>
+              <a:gd name="connsiteY1" fmla="*/ 1890794 h 3099662"/>
+              <a:gd name="connsiteX2" fmla="*/ 894863 w 894863"/>
+              <a:gd name="connsiteY2" fmla="*/ 3099662 h 3099662"/>
+              <a:gd name="connsiteX0" fmla="*/ 662595 w 895071"/>
+              <a:gd name="connsiteY0" fmla="*/ 0 h 2603716"/>
+              <a:gd name="connsiteX1" fmla="*/ 3918 w 895071"/>
+              <a:gd name="connsiteY1" fmla="*/ 1394848 h 2603716"/>
+              <a:gd name="connsiteX2" fmla="*/ 895071 w 895071"/>
+              <a:gd name="connsiteY2" fmla="*/ 2603716 h 2603716"/>
+              <a:gd name="connsiteX0" fmla="*/ 666503 w 898979"/>
+              <a:gd name="connsiteY0" fmla="*/ 0 h 2603716"/>
+              <a:gd name="connsiteX1" fmla="*/ 7826 w 898979"/>
+              <a:gd name="connsiteY1" fmla="*/ 1394848 h 2603716"/>
+              <a:gd name="connsiteX2" fmla="*/ 898979 w 898979"/>
+              <a:gd name="connsiteY2" fmla="*/ 2603716 h 2603716"/>
+              <a:gd name="connsiteX0" fmla="*/ 862191 w 893189"/>
+              <a:gd name="connsiteY0" fmla="*/ 193133 h 1402002"/>
+              <a:gd name="connsiteX1" fmla="*/ 2036 w 893189"/>
+              <a:gd name="connsiteY1" fmla="*/ 193134 h 1402002"/>
+              <a:gd name="connsiteX2" fmla="*/ 893189 w 893189"/>
+              <a:gd name="connsiteY2" fmla="*/ 1402002 h 1402002"/>
+              <a:gd name="connsiteX0" fmla="*/ 0 w 30998"/>
+              <a:gd name="connsiteY0" fmla="*/ 0 h 1208869"/>
+              <a:gd name="connsiteX1" fmla="*/ 30998 w 30998"/>
+              <a:gd name="connsiteY1" fmla="*/ 1208869 h 1208869"/>
+              <a:gd name="connsiteX0" fmla="*/ 289418 w 320416"/>
+              <a:gd name="connsiteY0" fmla="*/ 0 h 1208869"/>
+              <a:gd name="connsiteX1" fmla="*/ 320416 w 320416"/>
+              <a:gd name="connsiteY1" fmla="*/ 1208869 h 1208869"/>
+              <a:gd name="connsiteX0" fmla="*/ 635456 w 666454"/>
+              <a:gd name="connsiteY0" fmla="*/ 0 h 1208869"/>
+              <a:gd name="connsiteX1" fmla="*/ 666454 w 666454"/>
+              <a:gd name="connsiteY1" fmla="*/ 1208869 h 1208869"/>
+              <a:gd name="connsiteX0" fmla="*/ 644334 w 659834"/>
+              <a:gd name="connsiteY0" fmla="*/ 0 h 1139126"/>
+              <a:gd name="connsiteX1" fmla="*/ 659834 w 659834"/>
+              <a:gd name="connsiteY1" fmla="*/ 1139126 h 1139126"/>
+              <a:gd name="connsiteX0" fmla="*/ 662379 w 662379"/>
+              <a:gd name="connsiteY0" fmla="*/ 0 h 1177872"/>
+              <a:gd name="connsiteX1" fmla="*/ 646883 w 662379"/>
+              <a:gd name="connsiteY1" fmla="*/ 1177872 h 1177872"/>
+              <a:gd name="connsiteX0" fmla="*/ 659857 w 659857"/>
+              <a:gd name="connsiteY0" fmla="*/ 0 h 1177872"/>
+              <a:gd name="connsiteX1" fmla="*/ 644361 w 659857"/>
+              <a:gd name="connsiteY1" fmla="*/ 1177872 h 1177872"/>
+              <a:gd name="connsiteX0" fmla="*/ 655296 w 655296"/>
+              <a:gd name="connsiteY0" fmla="*/ 0 h 1123628"/>
+              <a:gd name="connsiteX1" fmla="*/ 647549 w 655296"/>
+              <a:gd name="connsiteY1" fmla="*/ 1123628 h 1123628"/>
+              <a:gd name="connsiteX0" fmla="*/ 628431 w 667179"/>
+              <a:gd name="connsiteY0" fmla="*/ 0 h 3587859"/>
+              <a:gd name="connsiteX1" fmla="*/ 667179 w 667179"/>
+              <a:gd name="connsiteY1" fmla="*/ 3587859 h 3587859"/>
+              <a:gd name="connsiteX0" fmla="*/ 801059 w 839807"/>
+              <a:gd name="connsiteY0" fmla="*/ 0 h 3587859"/>
+              <a:gd name="connsiteX1" fmla="*/ 839807 w 839807"/>
+              <a:gd name="connsiteY1" fmla="*/ 3587859 h 3587859"/>
+              <a:gd name="connsiteX0" fmla="*/ 852409 w 891157"/>
+              <a:gd name="connsiteY0" fmla="*/ 0 h 3587859"/>
+              <a:gd name="connsiteX1" fmla="*/ 891157 w 891157"/>
+              <a:gd name="connsiteY1" fmla="*/ 3587859 h 3587859"/>
+              <a:gd name="connsiteX0" fmla="*/ 864045 w 902793"/>
+              <a:gd name="connsiteY0" fmla="*/ 0 h 3587859"/>
+              <a:gd name="connsiteX1" fmla="*/ 902793 w 902793"/>
+              <a:gd name="connsiteY1" fmla="*/ 3587859 h 3587859"/>
+              <a:gd name="connsiteX0" fmla="*/ 1119278 w 1158026"/>
+              <a:gd name="connsiteY0" fmla="*/ 0 h 3587859"/>
+              <a:gd name="connsiteX1" fmla="*/ 128700 w 1158026"/>
+              <a:gd name="connsiteY1" fmla="*/ 1443406 h 3587859"/>
+              <a:gd name="connsiteX2" fmla="*/ 1158026 w 1158026"/>
+              <a:gd name="connsiteY2" fmla="*/ 3587859 h 3587859"/>
+              <a:gd name="connsiteX0" fmla="*/ 1085306 w 1124054"/>
+              <a:gd name="connsiteY0" fmla="*/ 0 h 3587859"/>
+              <a:gd name="connsiteX1" fmla="*/ 94728 w 1124054"/>
+              <a:gd name="connsiteY1" fmla="*/ 1443406 h 3587859"/>
+              <a:gd name="connsiteX2" fmla="*/ 1124054 w 1124054"/>
+              <a:gd name="connsiteY2" fmla="*/ 3587859 h 3587859"/>
+              <a:gd name="connsiteX0" fmla="*/ 756365 w 795113"/>
+              <a:gd name="connsiteY0" fmla="*/ 0 h 3587859"/>
+              <a:gd name="connsiteX1" fmla="*/ 269482 w 795113"/>
+              <a:gd name="connsiteY1" fmla="*/ 1443406 h 3587859"/>
+              <a:gd name="connsiteX2" fmla="*/ 795113 w 795113"/>
+              <a:gd name="connsiteY2" fmla="*/ 3587859 h 3587859"/>
+              <a:gd name="connsiteX0" fmla="*/ 756365 w 795113"/>
+              <a:gd name="connsiteY0" fmla="*/ 0 h 3587859"/>
+              <a:gd name="connsiteX1" fmla="*/ 269482 w 795113"/>
+              <a:gd name="connsiteY1" fmla="*/ 1443406 h 3587859"/>
+              <a:gd name="connsiteX2" fmla="*/ 795113 w 795113"/>
+              <a:gd name="connsiteY2" fmla="*/ 3587859 h 3587859"/>
+              <a:gd name="connsiteX0" fmla="*/ 834712 w 873460"/>
+              <a:gd name="connsiteY0" fmla="*/ 0 h 3587859"/>
+              <a:gd name="connsiteX1" fmla="*/ 347829 w 873460"/>
+              <a:gd name="connsiteY1" fmla="*/ 1443406 h 3587859"/>
+              <a:gd name="connsiteX2" fmla="*/ 873460 w 873460"/>
+              <a:gd name="connsiteY2" fmla="*/ 3587859 h 3587859"/>
+              <a:gd name="connsiteX0" fmla="*/ 945932 w 984680"/>
+              <a:gd name="connsiteY0" fmla="*/ 0 h 3587859"/>
+              <a:gd name="connsiteX1" fmla="*/ 273069 w 984680"/>
+              <a:gd name="connsiteY1" fmla="*/ 1373664 h 3587859"/>
+              <a:gd name="connsiteX2" fmla="*/ 984680 w 984680"/>
+              <a:gd name="connsiteY2" fmla="*/ 3587859 h 3587859"/>
+              <a:gd name="connsiteX0" fmla="*/ 1002605 w 1041353"/>
+              <a:gd name="connsiteY0" fmla="*/ 0 h 3587859"/>
+              <a:gd name="connsiteX1" fmla="*/ 244502 w 1041353"/>
+              <a:gd name="connsiteY1" fmla="*/ 1187685 h 3587859"/>
+              <a:gd name="connsiteX2" fmla="*/ 1041353 w 1041353"/>
+              <a:gd name="connsiteY2" fmla="*/ 3587859 h 3587859"/>
+              <a:gd name="connsiteX0" fmla="*/ 1002605 w 1041353"/>
+              <a:gd name="connsiteY0" fmla="*/ 0 h 3587859"/>
+              <a:gd name="connsiteX1" fmla="*/ 244502 w 1041353"/>
+              <a:gd name="connsiteY1" fmla="*/ 1187685 h 3587859"/>
+              <a:gd name="connsiteX2" fmla="*/ 1041353 w 1041353"/>
+              <a:gd name="connsiteY2" fmla="*/ 3587859 h 3587859"/>
+              <a:gd name="connsiteX0" fmla="*/ 907591 w 946339"/>
+              <a:gd name="connsiteY0" fmla="*/ 0 h 3587859"/>
+              <a:gd name="connsiteX1" fmla="*/ 149488 w 946339"/>
+              <a:gd name="connsiteY1" fmla="*/ 1187685 h 3587859"/>
+              <a:gd name="connsiteX2" fmla="*/ 946339 w 946339"/>
+              <a:gd name="connsiteY2" fmla="*/ 3587859 h 3587859"/>
+              <a:gd name="connsiteX0" fmla="*/ 778476 w 817224"/>
+              <a:gd name="connsiteY0" fmla="*/ 0 h 3587859"/>
+              <a:gd name="connsiteX1" fmla="*/ 237349 w 817224"/>
+              <a:gd name="connsiteY1" fmla="*/ 1241929 h 3587859"/>
+              <a:gd name="connsiteX2" fmla="*/ 817224 w 817224"/>
+              <a:gd name="connsiteY2" fmla="*/ 3587859 h 3587859"/>
+              <a:gd name="connsiteX0" fmla="*/ 778476 w 817224"/>
+              <a:gd name="connsiteY0" fmla="*/ 0 h 3587859"/>
+              <a:gd name="connsiteX1" fmla="*/ 237349 w 817224"/>
+              <a:gd name="connsiteY1" fmla="*/ 1241929 h 3587859"/>
+              <a:gd name="connsiteX2" fmla="*/ 817224 w 817224"/>
+              <a:gd name="connsiteY2" fmla="*/ 3587859 h 3587859"/>
+              <a:gd name="connsiteX0" fmla="*/ 778476 w 817224"/>
+              <a:gd name="connsiteY0" fmla="*/ 0 h 3587859"/>
+              <a:gd name="connsiteX1" fmla="*/ 237349 w 817224"/>
+              <a:gd name="connsiteY1" fmla="*/ 1241929 h 3587859"/>
+              <a:gd name="connsiteX2" fmla="*/ 817224 w 817224"/>
+              <a:gd name="connsiteY2" fmla="*/ 3587859 h 3587859"/>
+              <a:gd name="connsiteX0" fmla="*/ 787561 w 826309"/>
+              <a:gd name="connsiteY0" fmla="*/ 0 h 3587859"/>
+              <a:gd name="connsiteX1" fmla="*/ 246434 w 826309"/>
+              <a:gd name="connsiteY1" fmla="*/ 1241929 h 3587859"/>
+              <a:gd name="connsiteX2" fmla="*/ 826309 w 826309"/>
+              <a:gd name="connsiteY2" fmla="*/ 3587859 h 3587859"/>
+              <a:gd name="connsiteX0" fmla="*/ 853769 w 892517"/>
+              <a:gd name="connsiteY0" fmla="*/ 0 h 3587859"/>
+              <a:gd name="connsiteX1" fmla="*/ 196405 w 892517"/>
+              <a:gd name="connsiteY1" fmla="*/ 823475 h 3587859"/>
+              <a:gd name="connsiteX2" fmla="*/ 892517 w 892517"/>
+              <a:gd name="connsiteY2" fmla="*/ 3587859 h 3587859"/>
+              <a:gd name="connsiteX0" fmla="*/ 0 w 38748"/>
+              <a:gd name="connsiteY0" fmla="*/ 0 h 3587859"/>
+              <a:gd name="connsiteX1" fmla="*/ 38748 w 38748"/>
+              <a:gd name="connsiteY1" fmla="*/ 3587859 h 3587859"/>
+              <a:gd name="connsiteX0" fmla="*/ 493471 w 532219"/>
+              <a:gd name="connsiteY0" fmla="*/ 0 h 3587859"/>
+              <a:gd name="connsiteX1" fmla="*/ 532219 w 532219"/>
+              <a:gd name="connsiteY1" fmla="*/ 3587859 h 3587859"/>
+              <a:gd name="connsiteX0" fmla="*/ 762292 w 801040"/>
+              <a:gd name="connsiteY0" fmla="*/ 0 h 3587859"/>
+              <a:gd name="connsiteX1" fmla="*/ 801040 w 801040"/>
+              <a:gd name="connsiteY1" fmla="*/ 3587859 h 3587859"/>
+              <a:gd name="connsiteX0" fmla="*/ 707734 w 746482"/>
+              <a:gd name="connsiteY0" fmla="*/ 0 h 3587859"/>
+              <a:gd name="connsiteX1" fmla="*/ 746482 w 746482"/>
+              <a:gd name="connsiteY1" fmla="*/ 3587859 h 3587859"/>
+              <a:gd name="connsiteX0" fmla="*/ 704748 w 743496"/>
+              <a:gd name="connsiteY0" fmla="*/ 0 h 3587859"/>
+              <a:gd name="connsiteX1" fmla="*/ 743496 w 743496"/>
+              <a:gd name="connsiteY1" fmla="*/ 3587859 h 3587859"/>
+              <a:gd name="connsiteX0" fmla="*/ 965186 w 1003934"/>
+              <a:gd name="connsiteY0" fmla="*/ 0 h 3587859"/>
+              <a:gd name="connsiteX1" fmla="*/ 1003934 w 1003934"/>
+              <a:gd name="connsiteY1" fmla="*/ 3587859 h 3587859"/>
+              <a:gd name="connsiteX0" fmla="*/ 967763 w 1006511"/>
+              <a:gd name="connsiteY0" fmla="*/ 0 h 3587859"/>
+              <a:gd name="connsiteX1" fmla="*/ 1006511 w 1006511"/>
+              <a:gd name="connsiteY1" fmla="*/ 3587859 h 3587859"/>
+            </a:gdLst>
+            <a:ahLst/>
+            <a:cxnLst>
+              <a:cxn ang="0">
+                <a:pos x="connsiteX0" y="connsiteY0"/>
+              </a:cxn>
+              <a:cxn ang="0">
+                <a:pos x="connsiteX1" y="connsiteY1"/>
+              </a:cxn>
+            </a:cxnLst>
+            <a:rect l="l" t="t" r="r" b="b"/>
+            <a:pathLst>
+              <a:path w="1006511" h="3587859">
+                <a:moveTo>
+                  <a:pt x="967763" y="0"/>
+                </a:moveTo>
+                <a:cubicBezTo>
+                  <a:pt x="-18961" y="278320"/>
+                  <a:pt x="-610480" y="2897963"/>
+                  <a:pt x="1006511" y="3587859"/>
+                </a:cubicBezTo>
+              </a:path>
+            </a:pathLst>
+          </a:custGeom>
+          <a:noFill/>
+          <a:ln w="25400" cap="flat">
+            <a:solidFill>
+              <a:srgbClr val="FF00FF"/>
+            </a:solidFill>
+            <a:prstDash val="solid"/>
+            <a:round/>
+            <a:tailEnd type="triangle"/>
+          </a:ln>
+          <a:effectLst/>
+          <a:sp3d/>
+        </p:spPr>
+        <p:style>
+          <a:lnRef idx="0">
+            <a:scrgbClr r="0" g="0" b="0"/>
+          </a:lnRef>
+          <a:fillRef idx="0">
+            <a:scrgbClr r="0" g="0" b="0"/>
+          </a:fillRef>
+          <a:effectRef idx="0">
+            <a:scrgbClr r="0" g="0" b="0"/>
+          </a:effectRef>
+          <a:fontRef idx="none"/>
+        </p:style>
+        <p:txBody>
+          <a:bodyPr rot="0" spcFirstLastPara="1" vertOverflow="overflow" horzOverflow="overflow" vert="horz" wrap="square" lIns="91439" tIns="45719" rIns="91439" bIns="45719" numCol="1" spcCol="38100" rtlCol="0" anchor="t">
+            <a:noAutofit/>
+          </a:bodyPr>
+          <a:lstStyle/>
+          <a:p>
+            <a:pPr marL="0" marR="0" indent="0" algn="l" defTabSz="914400" rtl="0" fontAlgn="auto" latinLnBrk="1" hangingPunct="0">
+              <a:lnSpc>
+                <a:spcPct val="100000"/>
+              </a:lnSpc>
+              <a:spcBef>
+                <a:spcPts val="0"/>
+              </a:spcBef>
+              <a:spcAft>
+                <a:spcPts val="0"/>
+              </a:spcAft>
+              <a:buClrTx/>
+              <a:buSzTx/>
+              <a:buFontTx/>
+              <a:buNone/>
+              <a:tabLst/>
+            </a:pPr>
+            <a:endParaRPr kumimoji="0" lang="en-US" sz="1800" b="0" i="0" u="none" strike="noStrike" cap="none" spc="0" normalizeH="0" baseline="0">
+              <a:ln>
+                <a:noFill/>
+              </a:ln>
+              <a:solidFill>
+                <a:srgbClr val="000000"/>
+              </a:solidFill>
+              <a:effectLst/>
+              <a:uFillTx/>
+            </a:endParaRPr>
+          </a:p>
+        </p:txBody>
+      </p:sp>
+      <p:sp>
+        <p:nvSpPr>
+          <p:cNvPr id="41" name="Freeform 40">
+            <a:extLst>
+              <a:ext uri="{FF2B5EF4-FFF2-40B4-BE49-F238E27FC236}">
+                <a16:creationId xmlns:a16="http://schemas.microsoft.com/office/drawing/2014/main" id="{6B114E32-E379-EFE6-C4D7-8E22AEA3270A}"/>
+              </a:ext>
+            </a:extLst>
+          </p:cNvPr>
+          <p:cNvSpPr/>
+          <p:nvPr/>
+        </p:nvSpPr>
+        <p:spPr>
+          <a:xfrm>
+            <a:off x="5461142" y="5732379"/>
+            <a:ext cx="537536" cy="3629327"/>
+          </a:xfrm>
+          <a:custGeom>
+            <a:avLst/>
+            <a:gdLst>
+              <a:gd name="connsiteX0" fmla="*/ 636851 w 2140187"/>
+              <a:gd name="connsiteY0" fmla="*/ 0 h 3904754"/>
+              <a:gd name="connsiteX1" fmla="*/ 1421 w 2140187"/>
+              <a:gd name="connsiteY1" fmla="*/ 2131017 h 3904754"/>
+              <a:gd name="connsiteX2" fmla="*/ 791834 w 2140187"/>
+              <a:gd name="connsiteY2" fmla="*/ 3634353 h 3904754"/>
+              <a:gd name="connsiteX3" fmla="*/ 2140187 w 2140187"/>
+              <a:gd name="connsiteY3" fmla="*/ 3897824 h 3904754"/>
+              <a:gd name="connsiteX0" fmla="*/ 650148 w 2153484"/>
+              <a:gd name="connsiteY0" fmla="*/ 0 h 3904754"/>
+              <a:gd name="connsiteX1" fmla="*/ 316935 w 2153484"/>
+              <a:gd name="connsiteY1" fmla="*/ 805912 h 3904754"/>
+              <a:gd name="connsiteX2" fmla="*/ 14718 w 2153484"/>
+              <a:gd name="connsiteY2" fmla="*/ 2131017 h 3904754"/>
+              <a:gd name="connsiteX3" fmla="*/ 805131 w 2153484"/>
+              <a:gd name="connsiteY3" fmla="*/ 3634353 h 3904754"/>
+              <a:gd name="connsiteX4" fmla="*/ 2153484 w 2153484"/>
+              <a:gd name="connsiteY4" fmla="*/ 3897824 h 3904754"/>
+              <a:gd name="connsiteX0" fmla="*/ 716982 w 2220318"/>
+              <a:gd name="connsiteY0" fmla="*/ 0 h 3904754"/>
+              <a:gd name="connsiteX1" fmla="*/ 97050 w 2220318"/>
+              <a:gd name="connsiteY1" fmla="*/ 604434 h 3904754"/>
+              <a:gd name="connsiteX2" fmla="*/ 81552 w 2220318"/>
+              <a:gd name="connsiteY2" fmla="*/ 2131017 h 3904754"/>
+              <a:gd name="connsiteX3" fmla="*/ 871965 w 2220318"/>
+              <a:gd name="connsiteY3" fmla="*/ 3634353 h 3904754"/>
+              <a:gd name="connsiteX4" fmla="*/ 2220318 w 2220318"/>
+              <a:gd name="connsiteY4" fmla="*/ 3897824 h 3904754"/>
+              <a:gd name="connsiteX0" fmla="*/ 742027 w 2245363"/>
+              <a:gd name="connsiteY0" fmla="*/ 0 h 3898257"/>
+              <a:gd name="connsiteX1" fmla="*/ 122095 w 2245363"/>
+              <a:gd name="connsiteY1" fmla="*/ 604434 h 3898257"/>
+              <a:gd name="connsiteX2" fmla="*/ 106597 w 2245363"/>
+              <a:gd name="connsiteY2" fmla="*/ 2131017 h 3898257"/>
+              <a:gd name="connsiteX3" fmla="*/ 176339 w 2245363"/>
+              <a:gd name="connsiteY3" fmla="*/ 3215899 h 3898257"/>
+              <a:gd name="connsiteX4" fmla="*/ 2245363 w 2245363"/>
+              <a:gd name="connsiteY4" fmla="*/ 3897824 h 3898257"/>
+              <a:gd name="connsiteX0" fmla="*/ 742027 w 920258"/>
+              <a:gd name="connsiteY0" fmla="*/ 0 h 3704902"/>
+              <a:gd name="connsiteX1" fmla="*/ 122095 w 920258"/>
+              <a:gd name="connsiteY1" fmla="*/ 604434 h 3704902"/>
+              <a:gd name="connsiteX2" fmla="*/ 106597 w 920258"/>
+              <a:gd name="connsiteY2" fmla="*/ 2131017 h 3704902"/>
+              <a:gd name="connsiteX3" fmla="*/ 176339 w 920258"/>
+              <a:gd name="connsiteY3" fmla="*/ 3215899 h 3704902"/>
+              <a:gd name="connsiteX4" fmla="*/ 920258 w 920258"/>
+              <a:gd name="connsiteY4" fmla="*/ 3704095 h 3704902"/>
+              <a:gd name="connsiteX0" fmla="*/ 776563 w 954794"/>
+              <a:gd name="connsiteY0" fmla="*/ 0 h 3724806"/>
+              <a:gd name="connsiteX1" fmla="*/ 156631 w 954794"/>
+              <a:gd name="connsiteY1" fmla="*/ 604434 h 3724806"/>
+              <a:gd name="connsiteX2" fmla="*/ 141133 w 954794"/>
+              <a:gd name="connsiteY2" fmla="*/ 2131017 h 3724806"/>
+              <a:gd name="connsiteX3" fmla="*/ 164380 w 954794"/>
+              <a:gd name="connsiteY3" fmla="*/ 3502618 h 3724806"/>
+              <a:gd name="connsiteX4" fmla="*/ 954794 w 954794"/>
+              <a:gd name="connsiteY4" fmla="*/ 3704095 h 3724806"/>
+              <a:gd name="connsiteX0" fmla="*/ 704300 w 882531"/>
+              <a:gd name="connsiteY0" fmla="*/ 0 h 3724806"/>
+              <a:gd name="connsiteX1" fmla="*/ 84368 w 882531"/>
+              <a:gd name="connsiteY1" fmla="*/ 604434 h 3724806"/>
+              <a:gd name="connsiteX2" fmla="*/ 92117 w 882531"/>
+              <a:gd name="connsiteY2" fmla="*/ 3502618 h 3724806"/>
+              <a:gd name="connsiteX3" fmla="*/ 882531 w 882531"/>
+              <a:gd name="connsiteY3" fmla="*/ 3704095 h 3724806"/>
+              <a:gd name="connsiteX0" fmla="*/ 704300 w 836036"/>
+              <a:gd name="connsiteY0" fmla="*/ 0 h 3786830"/>
+              <a:gd name="connsiteX1" fmla="*/ 84368 w 836036"/>
+              <a:gd name="connsiteY1" fmla="*/ 604434 h 3786830"/>
+              <a:gd name="connsiteX2" fmla="*/ 92117 w 836036"/>
+              <a:gd name="connsiteY2" fmla="*/ 3502618 h 3786830"/>
+              <a:gd name="connsiteX3" fmla="*/ 836036 w 836036"/>
+              <a:gd name="connsiteY3" fmla="*/ 3781586 h 3786830"/>
+              <a:gd name="connsiteX0" fmla="*/ 776861 w 908597"/>
+              <a:gd name="connsiteY0" fmla="*/ 0 h 3781750"/>
+              <a:gd name="connsiteX1" fmla="*/ 156929 w 908597"/>
+              <a:gd name="connsiteY1" fmla="*/ 604434 h 3781750"/>
+              <a:gd name="connsiteX2" fmla="*/ 56190 w 908597"/>
+              <a:gd name="connsiteY2" fmla="*/ 2417736 h 3781750"/>
+              <a:gd name="connsiteX3" fmla="*/ 908597 w 908597"/>
+              <a:gd name="connsiteY3" fmla="*/ 3781586 h 3781750"/>
+              <a:gd name="connsiteX0" fmla="*/ 776861 w 908597"/>
+              <a:gd name="connsiteY0" fmla="*/ 0 h 3781848"/>
+              <a:gd name="connsiteX1" fmla="*/ 156929 w 908597"/>
+              <a:gd name="connsiteY1" fmla="*/ 604434 h 3781848"/>
+              <a:gd name="connsiteX2" fmla="*/ 56190 w 908597"/>
+              <a:gd name="connsiteY2" fmla="*/ 2417736 h 3781848"/>
+              <a:gd name="connsiteX3" fmla="*/ 908597 w 908597"/>
+              <a:gd name="connsiteY3" fmla="*/ 3781586 h 3781848"/>
+              <a:gd name="connsiteX0" fmla="*/ 742871 w 874607"/>
+              <a:gd name="connsiteY0" fmla="*/ 0 h 3781848"/>
+              <a:gd name="connsiteX1" fmla="*/ 122939 w 874607"/>
+              <a:gd name="connsiteY1" fmla="*/ 604434 h 3781848"/>
+              <a:gd name="connsiteX2" fmla="*/ 22200 w 874607"/>
+              <a:gd name="connsiteY2" fmla="*/ 2417736 h 3781848"/>
+              <a:gd name="connsiteX3" fmla="*/ 874607 w 874607"/>
+              <a:gd name="connsiteY3" fmla="*/ 3781586 h 3781848"/>
+              <a:gd name="connsiteX0" fmla="*/ 742871 w 890105"/>
+              <a:gd name="connsiteY0" fmla="*/ 0 h 3564992"/>
+              <a:gd name="connsiteX1" fmla="*/ 122939 w 890105"/>
+              <a:gd name="connsiteY1" fmla="*/ 604434 h 3564992"/>
+              <a:gd name="connsiteX2" fmla="*/ 22200 w 890105"/>
+              <a:gd name="connsiteY2" fmla="*/ 2417736 h 3564992"/>
+              <a:gd name="connsiteX3" fmla="*/ 890105 w 890105"/>
+              <a:gd name="connsiteY3" fmla="*/ 3564610 h 3564992"/>
+              <a:gd name="connsiteX0" fmla="*/ 742871 w 890105"/>
+              <a:gd name="connsiteY0" fmla="*/ 0 h 3564610"/>
+              <a:gd name="connsiteX1" fmla="*/ 122939 w 890105"/>
+              <a:gd name="connsiteY1" fmla="*/ 604434 h 3564610"/>
+              <a:gd name="connsiteX2" fmla="*/ 22200 w 890105"/>
+              <a:gd name="connsiteY2" fmla="*/ 2417736 h 3564610"/>
+              <a:gd name="connsiteX3" fmla="*/ 890105 w 890105"/>
+              <a:gd name="connsiteY3" fmla="*/ 3564610 h 3564610"/>
+              <a:gd name="connsiteX0" fmla="*/ 742871 w 890105"/>
+              <a:gd name="connsiteY0" fmla="*/ 0 h 3564610"/>
+              <a:gd name="connsiteX1" fmla="*/ 122939 w 890105"/>
+              <a:gd name="connsiteY1" fmla="*/ 604434 h 3564610"/>
+              <a:gd name="connsiteX2" fmla="*/ 22200 w 890105"/>
+              <a:gd name="connsiteY2" fmla="*/ 2417736 h 3564610"/>
+              <a:gd name="connsiteX3" fmla="*/ 890105 w 890105"/>
+              <a:gd name="connsiteY3" fmla="*/ 3564610 h 3564610"/>
+              <a:gd name="connsiteX0" fmla="*/ 721409 w 868643"/>
+              <a:gd name="connsiteY0" fmla="*/ 0 h 3564610"/>
+              <a:gd name="connsiteX1" fmla="*/ 738 w 868643"/>
+              <a:gd name="connsiteY1" fmla="*/ 2417736 h 3564610"/>
+              <a:gd name="connsiteX2" fmla="*/ 868643 w 868643"/>
+              <a:gd name="connsiteY2" fmla="*/ 3564610 h 3564610"/>
+              <a:gd name="connsiteX0" fmla="*/ 729937 w 877171"/>
+              <a:gd name="connsiteY0" fmla="*/ 0 h 3564610"/>
+              <a:gd name="connsiteX1" fmla="*/ 9266 w 877171"/>
+              <a:gd name="connsiteY1" fmla="*/ 2417736 h 3564610"/>
+              <a:gd name="connsiteX2" fmla="*/ 877171 w 877171"/>
+              <a:gd name="connsiteY2" fmla="*/ 3564610 h 3564610"/>
+              <a:gd name="connsiteX0" fmla="*/ 744174 w 875910"/>
+              <a:gd name="connsiteY0" fmla="*/ 0 h 3332136"/>
+              <a:gd name="connsiteX1" fmla="*/ 8005 w 875910"/>
+              <a:gd name="connsiteY1" fmla="*/ 2185262 h 3332136"/>
+              <a:gd name="connsiteX2" fmla="*/ 875910 w 875910"/>
+              <a:gd name="connsiteY2" fmla="*/ 3332136 h 3332136"/>
+              <a:gd name="connsiteX0" fmla="*/ 744174 w 875910"/>
+              <a:gd name="connsiteY0" fmla="*/ 0 h 3332136"/>
+              <a:gd name="connsiteX1" fmla="*/ 8005 w 875910"/>
+              <a:gd name="connsiteY1" fmla="*/ 2185262 h 3332136"/>
+              <a:gd name="connsiteX2" fmla="*/ 875910 w 875910"/>
+              <a:gd name="connsiteY2" fmla="*/ 3332136 h 3332136"/>
+              <a:gd name="connsiteX0" fmla="*/ 744174 w 899158"/>
+              <a:gd name="connsiteY0" fmla="*/ 0 h 3394130"/>
+              <a:gd name="connsiteX1" fmla="*/ 8005 w 899158"/>
+              <a:gd name="connsiteY1" fmla="*/ 2185262 h 3394130"/>
+              <a:gd name="connsiteX2" fmla="*/ 899158 w 899158"/>
+              <a:gd name="connsiteY2" fmla="*/ 3394130 h 3394130"/>
+              <a:gd name="connsiteX0" fmla="*/ 744174 w 899158"/>
+              <a:gd name="connsiteY0" fmla="*/ 0 h 3394130"/>
+              <a:gd name="connsiteX1" fmla="*/ 8005 w 899158"/>
+              <a:gd name="connsiteY1" fmla="*/ 2185262 h 3394130"/>
+              <a:gd name="connsiteX2" fmla="*/ 899158 w 899158"/>
+              <a:gd name="connsiteY2" fmla="*/ 3394130 h 3394130"/>
+              <a:gd name="connsiteX0" fmla="*/ 729937 w 900419"/>
+              <a:gd name="connsiteY0" fmla="*/ 0 h 2998923"/>
+              <a:gd name="connsiteX1" fmla="*/ 9266 w 900419"/>
+              <a:gd name="connsiteY1" fmla="*/ 1790055 h 2998923"/>
+              <a:gd name="connsiteX2" fmla="*/ 900419 w 900419"/>
+              <a:gd name="connsiteY2" fmla="*/ 2998923 h 2998923"/>
+              <a:gd name="connsiteX0" fmla="*/ 737030 w 899763"/>
+              <a:gd name="connsiteY0" fmla="*/ 0 h 3084164"/>
+              <a:gd name="connsiteX1" fmla="*/ 8610 w 899763"/>
+              <a:gd name="connsiteY1" fmla="*/ 1875296 h 3084164"/>
+              <a:gd name="connsiteX2" fmla="*/ 899763 w 899763"/>
+              <a:gd name="connsiteY2" fmla="*/ 3084164 h 3084164"/>
+              <a:gd name="connsiteX0" fmla="*/ 682053 w 906779"/>
+              <a:gd name="connsiteY0" fmla="*/ 0 h 3099662"/>
+              <a:gd name="connsiteX1" fmla="*/ 15626 w 906779"/>
+              <a:gd name="connsiteY1" fmla="*/ 1890794 h 3099662"/>
+              <a:gd name="connsiteX2" fmla="*/ 906779 w 906779"/>
+              <a:gd name="connsiteY2" fmla="*/ 3099662 h 3099662"/>
+              <a:gd name="connsiteX0" fmla="*/ 670137 w 894863"/>
+              <a:gd name="connsiteY0" fmla="*/ 0 h 3099662"/>
+              <a:gd name="connsiteX1" fmla="*/ 3710 w 894863"/>
+              <a:gd name="connsiteY1" fmla="*/ 1890794 h 3099662"/>
+              <a:gd name="connsiteX2" fmla="*/ 894863 w 894863"/>
+              <a:gd name="connsiteY2" fmla="*/ 3099662 h 3099662"/>
+              <a:gd name="connsiteX0" fmla="*/ 662595 w 895071"/>
+              <a:gd name="connsiteY0" fmla="*/ 0 h 2603716"/>
+              <a:gd name="connsiteX1" fmla="*/ 3918 w 895071"/>
+              <a:gd name="connsiteY1" fmla="*/ 1394848 h 2603716"/>
+              <a:gd name="connsiteX2" fmla="*/ 895071 w 895071"/>
+              <a:gd name="connsiteY2" fmla="*/ 2603716 h 2603716"/>
+              <a:gd name="connsiteX0" fmla="*/ 666503 w 898979"/>
+              <a:gd name="connsiteY0" fmla="*/ 0 h 2603716"/>
+              <a:gd name="connsiteX1" fmla="*/ 7826 w 898979"/>
+              <a:gd name="connsiteY1" fmla="*/ 1394848 h 2603716"/>
+              <a:gd name="connsiteX2" fmla="*/ 898979 w 898979"/>
+              <a:gd name="connsiteY2" fmla="*/ 2603716 h 2603716"/>
+              <a:gd name="connsiteX0" fmla="*/ 862191 w 893189"/>
+              <a:gd name="connsiteY0" fmla="*/ 193133 h 1402002"/>
+              <a:gd name="connsiteX1" fmla="*/ 2036 w 893189"/>
+              <a:gd name="connsiteY1" fmla="*/ 193134 h 1402002"/>
+              <a:gd name="connsiteX2" fmla="*/ 893189 w 893189"/>
+              <a:gd name="connsiteY2" fmla="*/ 1402002 h 1402002"/>
+              <a:gd name="connsiteX0" fmla="*/ 0 w 30998"/>
+              <a:gd name="connsiteY0" fmla="*/ 0 h 1208869"/>
+              <a:gd name="connsiteX1" fmla="*/ 30998 w 30998"/>
+              <a:gd name="connsiteY1" fmla="*/ 1208869 h 1208869"/>
+              <a:gd name="connsiteX0" fmla="*/ 289418 w 320416"/>
+              <a:gd name="connsiteY0" fmla="*/ 0 h 1208869"/>
+              <a:gd name="connsiteX1" fmla="*/ 320416 w 320416"/>
+              <a:gd name="connsiteY1" fmla="*/ 1208869 h 1208869"/>
+              <a:gd name="connsiteX0" fmla="*/ 635456 w 666454"/>
+              <a:gd name="connsiteY0" fmla="*/ 0 h 1208869"/>
+              <a:gd name="connsiteX1" fmla="*/ 666454 w 666454"/>
+              <a:gd name="connsiteY1" fmla="*/ 1208869 h 1208869"/>
+              <a:gd name="connsiteX0" fmla="*/ 644334 w 659834"/>
+              <a:gd name="connsiteY0" fmla="*/ 0 h 1139126"/>
+              <a:gd name="connsiteX1" fmla="*/ 659834 w 659834"/>
+              <a:gd name="connsiteY1" fmla="*/ 1139126 h 1139126"/>
+              <a:gd name="connsiteX0" fmla="*/ 662379 w 662379"/>
+              <a:gd name="connsiteY0" fmla="*/ 0 h 1177872"/>
+              <a:gd name="connsiteX1" fmla="*/ 646883 w 662379"/>
+              <a:gd name="connsiteY1" fmla="*/ 1177872 h 1177872"/>
+              <a:gd name="connsiteX0" fmla="*/ 659857 w 659857"/>
+              <a:gd name="connsiteY0" fmla="*/ 0 h 1177872"/>
+              <a:gd name="connsiteX1" fmla="*/ 644361 w 659857"/>
+              <a:gd name="connsiteY1" fmla="*/ 1177872 h 1177872"/>
+              <a:gd name="connsiteX0" fmla="*/ 655296 w 655296"/>
+              <a:gd name="connsiteY0" fmla="*/ 0 h 1123628"/>
+              <a:gd name="connsiteX1" fmla="*/ 647549 w 655296"/>
+              <a:gd name="connsiteY1" fmla="*/ 1123628 h 1123628"/>
+              <a:gd name="connsiteX0" fmla="*/ 628431 w 667179"/>
+              <a:gd name="connsiteY0" fmla="*/ 0 h 3587859"/>
+              <a:gd name="connsiteX1" fmla="*/ 667179 w 667179"/>
+              <a:gd name="connsiteY1" fmla="*/ 3587859 h 3587859"/>
+              <a:gd name="connsiteX0" fmla="*/ 801059 w 839807"/>
+              <a:gd name="connsiteY0" fmla="*/ 0 h 3587859"/>
+              <a:gd name="connsiteX1" fmla="*/ 839807 w 839807"/>
+              <a:gd name="connsiteY1" fmla="*/ 3587859 h 3587859"/>
+              <a:gd name="connsiteX0" fmla="*/ 852409 w 891157"/>
+              <a:gd name="connsiteY0" fmla="*/ 0 h 3587859"/>
+              <a:gd name="connsiteX1" fmla="*/ 891157 w 891157"/>
+              <a:gd name="connsiteY1" fmla="*/ 3587859 h 3587859"/>
+              <a:gd name="connsiteX0" fmla="*/ 864045 w 902793"/>
+              <a:gd name="connsiteY0" fmla="*/ 0 h 3587859"/>
+              <a:gd name="connsiteX1" fmla="*/ 902793 w 902793"/>
+              <a:gd name="connsiteY1" fmla="*/ 3587859 h 3587859"/>
+              <a:gd name="connsiteX0" fmla="*/ 1119278 w 1158026"/>
+              <a:gd name="connsiteY0" fmla="*/ 0 h 3587859"/>
+              <a:gd name="connsiteX1" fmla="*/ 128700 w 1158026"/>
+              <a:gd name="connsiteY1" fmla="*/ 1443406 h 3587859"/>
+              <a:gd name="connsiteX2" fmla="*/ 1158026 w 1158026"/>
+              <a:gd name="connsiteY2" fmla="*/ 3587859 h 3587859"/>
+              <a:gd name="connsiteX0" fmla="*/ 1085306 w 1124054"/>
+              <a:gd name="connsiteY0" fmla="*/ 0 h 3587859"/>
+              <a:gd name="connsiteX1" fmla="*/ 94728 w 1124054"/>
+              <a:gd name="connsiteY1" fmla="*/ 1443406 h 3587859"/>
+              <a:gd name="connsiteX2" fmla="*/ 1124054 w 1124054"/>
+              <a:gd name="connsiteY2" fmla="*/ 3587859 h 3587859"/>
+              <a:gd name="connsiteX0" fmla="*/ 756365 w 795113"/>
+              <a:gd name="connsiteY0" fmla="*/ 0 h 3587859"/>
+              <a:gd name="connsiteX1" fmla="*/ 269482 w 795113"/>
+              <a:gd name="connsiteY1" fmla="*/ 1443406 h 3587859"/>
+              <a:gd name="connsiteX2" fmla="*/ 795113 w 795113"/>
+              <a:gd name="connsiteY2" fmla="*/ 3587859 h 3587859"/>
+              <a:gd name="connsiteX0" fmla="*/ 756365 w 795113"/>
+              <a:gd name="connsiteY0" fmla="*/ 0 h 3587859"/>
+              <a:gd name="connsiteX1" fmla="*/ 269482 w 795113"/>
+              <a:gd name="connsiteY1" fmla="*/ 1443406 h 3587859"/>
+              <a:gd name="connsiteX2" fmla="*/ 795113 w 795113"/>
+              <a:gd name="connsiteY2" fmla="*/ 3587859 h 3587859"/>
+              <a:gd name="connsiteX0" fmla="*/ 834712 w 873460"/>
+              <a:gd name="connsiteY0" fmla="*/ 0 h 3587859"/>
+              <a:gd name="connsiteX1" fmla="*/ 347829 w 873460"/>
+              <a:gd name="connsiteY1" fmla="*/ 1443406 h 3587859"/>
+              <a:gd name="connsiteX2" fmla="*/ 873460 w 873460"/>
+              <a:gd name="connsiteY2" fmla="*/ 3587859 h 3587859"/>
+              <a:gd name="connsiteX0" fmla="*/ 945932 w 984680"/>
+              <a:gd name="connsiteY0" fmla="*/ 0 h 3587859"/>
+              <a:gd name="connsiteX1" fmla="*/ 273069 w 984680"/>
+              <a:gd name="connsiteY1" fmla="*/ 1373664 h 3587859"/>
+              <a:gd name="connsiteX2" fmla="*/ 984680 w 984680"/>
+              <a:gd name="connsiteY2" fmla="*/ 3587859 h 3587859"/>
+              <a:gd name="connsiteX0" fmla="*/ 1002605 w 1041353"/>
+              <a:gd name="connsiteY0" fmla="*/ 0 h 3587859"/>
+              <a:gd name="connsiteX1" fmla="*/ 244502 w 1041353"/>
+              <a:gd name="connsiteY1" fmla="*/ 1187685 h 3587859"/>
+              <a:gd name="connsiteX2" fmla="*/ 1041353 w 1041353"/>
+              <a:gd name="connsiteY2" fmla="*/ 3587859 h 3587859"/>
+              <a:gd name="connsiteX0" fmla="*/ 1002605 w 1041353"/>
+              <a:gd name="connsiteY0" fmla="*/ 0 h 3587859"/>
+              <a:gd name="connsiteX1" fmla="*/ 244502 w 1041353"/>
+              <a:gd name="connsiteY1" fmla="*/ 1187685 h 3587859"/>
+              <a:gd name="connsiteX2" fmla="*/ 1041353 w 1041353"/>
+              <a:gd name="connsiteY2" fmla="*/ 3587859 h 3587859"/>
+              <a:gd name="connsiteX0" fmla="*/ 907591 w 946339"/>
+              <a:gd name="connsiteY0" fmla="*/ 0 h 3587859"/>
+              <a:gd name="connsiteX1" fmla="*/ 149488 w 946339"/>
+              <a:gd name="connsiteY1" fmla="*/ 1187685 h 3587859"/>
+              <a:gd name="connsiteX2" fmla="*/ 946339 w 946339"/>
+              <a:gd name="connsiteY2" fmla="*/ 3587859 h 3587859"/>
+              <a:gd name="connsiteX0" fmla="*/ 778476 w 817224"/>
+              <a:gd name="connsiteY0" fmla="*/ 0 h 3587859"/>
+              <a:gd name="connsiteX1" fmla="*/ 237349 w 817224"/>
+              <a:gd name="connsiteY1" fmla="*/ 1241929 h 3587859"/>
+              <a:gd name="connsiteX2" fmla="*/ 817224 w 817224"/>
+              <a:gd name="connsiteY2" fmla="*/ 3587859 h 3587859"/>
+              <a:gd name="connsiteX0" fmla="*/ 778476 w 817224"/>
+              <a:gd name="connsiteY0" fmla="*/ 0 h 3587859"/>
+              <a:gd name="connsiteX1" fmla="*/ 237349 w 817224"/>
+              <a:gd name="connsiteY1" fmla="*/ 1241929 h 3587859"/>
+              <a:gd name="connsiteX2" fmla="*/ 817224 w 817224"/>
+              <a:gd name="connsiteY2" fmla="*/ 3587859 h 3587859"/>
+              <a:gd name="connsiteX0" fmla="*/ 778476 w 817224"/>
+              <a:gd name="connsiteY0" fmla="*/ 0 h 3587859"/>
+              <a:gd name="connsiteX1" fmla="*/ 237349 w 817224"/>
+              <a:gd name="connsiteY1" fmla="*/ 1241929 h 3587859"/>
+              <a:gd name="connsiteX2" fmla="*/ 817224 w 817224"/>
+              <a:gd name="connsiteY2" fmla="*/ 3587859 h 3587859"/>
+              <a:gd name="connsiteX0" fmla="*/ 787561 w 826309"/>
+              <a:gd name="connsiteY0" fmla="*/ 0 h 3587859"/>
+              <a:gd name="connsiteX1" fmla="*/ 246434 w 826309"/>
+              <a:gd name="connsiteY1" fmla="*/ 1241929 h 3587859"/>
+              <a:gd name="connsiteX2" fmla="*/ 826309 w 826309"/>
+              <a:gd name="connsiteY2" fmla="*/ 3587859 h 3587859"/>
+              <a:gd name="connsiteX0" fmla="*/ 853769 w 892517"/>
+              <a:gd name="connsiteY0" fmla="*/ 0 h 3587859"/>
+              <a:gd name="connsiteX1" fmla="*/ 196405 w 892517"/>
+              <a:gd name="connsiteY1" fmla="*/ 823475 h 3587859"/>
+              <a:gd name="connsiteX2" fmla="*/ 892517 w 892517"/>
+              <a:gd name="connsiteY2" fmla="*/ 3587859 h 3587859"/>
+              <a:gd name="connsiteX0" fmla="*/ 0 w 38748"/>
+              <a:gd name="connsiteY0" fmla="*/ 0 h 3587859"/>
+              <a:gd name="connsiteX1" fmla="*/ 38748 w 38748"/>
+              <a:gd name="connsiteY1" fmla="*/ 3587859 h 3587859"/>
+              <a:gd name="connsiteX0" fmla="*/ 493471 w 532219"/>
+              <a:gd name="connsiteY0" fmla="*/ 0 h 3587859"/>
+              <a:gd name="connsiteX1" fmla="*/ 532219 w 532219"/>
+              <a:gd name="connsiteY1" fmla="*/ 3587859 h 3587859"/>
+              <a:gd name="connsiteX0" fmla="*/ 762292 w 801040"/>
+              <a:gd name="connsiteY0" fmla="*/ 0 h 3587859"/>
+              <a:gd name="connsiteX1" fmla="*/ 801040 w 801040"/>
+              <a:gd name="connsiteY1" fmla="*/ 3587859 h 3587859"/>
+              <a:gd name="connsiteX0" fmla="*/ 707734 w 746482"/>
+              <a:gd name="connsiteY0" fmla="*/ 0 h 3587859"/>
+              <a:gd name="connsiteX1" fmla="*/ 746482 w 746482"/>
+              <a:gd name="connsiteY1" fmla="*/ 3587859 h 3587859"/>
+              <a:gd name="connsiteX0" fmla="*/ 704748 w 743496"/>
+              <a:gd name="connsiteY0" fmla="*/ 0 h 3587859"/>
+              <a:gd name="connsiteX1" fmla="*/ 743496 w 743496"/>
+              <a:gd name="connsiteY1" fmla="*/ 3587859 h 3587859"/>
+              <a:gd name="connsiteX0" fmla="*/ 965186 w 1003934"/>
+              <a:gd name="connsiteY0" fmla="*/ 0 h 3587859"/>
+              <a:gd name="connsiteX1" fmla="*/ 1003934 w 1003934"/>
+              <a:gd name="connsiteY1" fmla="*/ 3587859 h 3587859"/>
+              <a:gd name="connsiteX0" fmla="*/ 967763 w 1006511"/>
+              <a:gd name="connsiteY0" fmla="*/ 0 h 3587859"/>
+              <a:gd name="connsiteX1" fmla="*/ 1006511 w 1006511"/>
+              <a:gd name="connsiteY1" fmla="*/ 3587859 h 3587859"/>
+            </a:gdLst>
+            <a:ahLst/>
+            <a:cxnLst>
+              <a:cxn ang="0">
+                <a:pos x="connsiteX0" y="connsiteY0"/>
+              </a:cxn>
+              <a:cxn ang="0">
+                <a:pos x="connsiteX1" y="connsiteY1"/>
+              </a:cxn>
+            </a:cxnLst>
+            <a:rect l="l" t="t" r="r" b="b"/>
+            <a:pathLst>
+              <a:path w="1006511" h="3587859">
+                <a:moveTo>
+                  <a:pt x="967763" y="0"/>
+                </a:moveTo>
+                <a:cubicBezTo>
+                  <a:pt x="-18961" y="278320"/>
+                  <a:pt x="-610480" y="2897963"/>
+                  <a:pt x="1006511" y="3587859"/>
+                </a:cubicBezTo>
+              </a:path>
+            </a:pathLst>
+          </a:custGeom>
+          <a:noFill/>
+          <a:ln w="25400" cap="flat">
+            <a:solidFill>
+              <a:schemeClr val="bg1">
+                <a:lumMod val="10000"/>
+                <a:lumOff val="90000"/>
+              </a:schemeClr>
+            </a:solidFill>
+            <a:prstDash val="solid"/>
+            <a:round/>
+            <a:tailEnd type="triangle"/>
+          </a:ln>
+          <a:effectLst/>
+          <a:sp3d/>
+        </p:spPr>
+        <p:style>
+          <a:lnRef idx="0">
+            <a:scrgbClr r="0" g="0" b="0"/>
+          </a:lnRef>
+          <a:fillRef idx="0">
+            <a:scrgbClr r="0" g="0" b="0"/>
+          </a:fillRef>
+          <a:effectRef idx="0">
+            <a:scrgbClr r="0" g="0" b="0"/>
+          </a:effectRef>
+          <a:fontRef idx="none"/>
+        </p:style>
+        <p:txBody>
+          <a:bodyPr rot="0" spcFirstLastPara="1" vertOverflow="overflow" horzOverflow="overflow" vert="horz" wrap="square" lIns="91439" tIns="45719" rIns="91439" bIns="45719" numCol="1" spcCol="38100" rtlCol="0" anchor="t">
+            <a:noAutofit/>
+          </a:bodyPr>
+          <a:lstStyle/>
+          <a:p>
+            <a:pPr marL="0" marR="0" indent="0" algn="l" defTabSz="914400" rtl="0" fontAlgn="auto" latinLnBrk="1" hangingPunct="0">
+              <a:lnSpc>
+                <a:spcPct val="100000"/>
+              </a:lnSpc>
+              <a:spcBef>
+                <a:spcPts val="0"/>
+              </a:spcBef>
+              <a:spcAft>
+                <a:spcPts val="0"/>
+              </a:spcAft>
+              <a:buClrTx/>
+              <a:buSzTx/>
+              <a:buFontTx/>
+              <a:buNone/>
+              <a:tabLst/>
+            </a:pPr>
+            <a:endParaRPr kumimoji="0" lang="en-US" sz="1800" b="0" i="0" u="none" strike="noStrike" cap="none" spc="0" normalizeH="0" baseline="0">
+              <a:ln>
+                <a:noFill/>
+              </a:ln>
+              <a:solidFill>
+                <a:srgbClr val="000000"/>
+              </a:solidFill>
+              <a:effectLst/>
+              <a:uFillTx/>
+            </a:endParaRPr>
+          </a:p>
+        </p:txBody>
+      </p:sp>
     </p:spTree>
     <p:extLst>
       <p:ext uri="{BB962C8B-B14F-4D97-AF65-F5344CB8AC3E}">
@@ -21718,7 +26189,7 @@
           </a:ln>
           <a:extLst>
             <a:ext uri="{C572A759-6A51-4108-AA02-DFA0A04FC94B}">
-              <ma14:wrappingTextBoxFlag xmlns="" xmlns:ma14="http://schemas.microsoft.com/office/mac/drawingml/2011/main" val="1"/>
+              <ma14:wrappingTextBoxFlag xmlns:ma14="http://schemas.microsoft.com/office/mac/drawingml/2011/main" xmlns="" val="1"/>
             </a:ext>
           </a:extLst>
         </p:spPr>
@@ -21823,7 +26294,7 @@
           </a:ln>
           <a:extLst>
             <a:ext uri="{C572A759-6A51-4108-AA02-DFA0A04FC94B}">
-              <ma14:wrappingTextBoxFlag xmlns="" xmlns:ma14="http://schemas.microsoft.com/office/mac/drawingml/2011/main" val="1"/>
+              <ma14:wrappingTextBoxFlag xmlns:ma14="http://schemas.microsoft.com/office/mac/drawingml/2011/main" xmlns="" val="1"/>
             </a:ext>
           </a:extLst>
         </p:spPr>
@@ -22053,7 +26524,7 @@
           </a:ln>
           <a:extLst>
             <a:ext uri="{C572A759-6A51-4108-AA02-DFA0A04FC94B}">
-              <ma14:wrappingTextBoxFlag xmlns="" xmlns:ma14="http://schemas.microsoft.com/office/mac/drawingml/2011/main" val="1"/>
+              <ma14:wrappingTextBoxFlag xmlns:ma14="http://schemas.microsoft.com/office/mac/drawingml/2011/main" xmlns="" val="1"/>
             </a:ext>
           </a:extLst>
         </p:spPr>
@@ -22171,7 +26642,7 @@
           </a:ln>
           <a:extLst>
             <a:ext uri="{C572A759-6A51-4108-AA02-DFA0A04FC94B}">
-              <ma14:wrappingTextBoxFlag xmlns="" xmlns:ma14="http://schemas.microsoft.com/office/mac/drawingml/2011/main" val="1"/>
+              <ma14:wrappingTextBoxFlag xmlns:ma14="http://schemas.microsoft.com/office/mac/drawingml/2011/main" xmlns="" val="1"/>
             </a:ext>
           </a:extLst>
         </p:spPr>
@@ -22276,7 +26747,7 @@
           </a:ln>
           <a:extLst>
             <a:ext uri="{C572A759-6A51-4108-AA02-DFA0A04FC94B}">
-              <ma14:wrappingTextBoxFlag xmlns="" xmlns:ma14="http://schemas.microsoft.com/office/mac/drawingml/2011/main" val="1"/>
+              <ma14:wrappingTextBoxFlag xmlns:ma14="http://schemas.microsoft.com/office/mac/drawingml/2011/main" xmlns="" val="1"/>
             </a:ext>
           </a:extLst>
         </p:spPr>
